--- a/presentation.pptx
+++ b/presentation.pptx
@@ -5,16 +5,14 @@
     <p:sldMasterId id="2147483660" r:id="rId1"/>
   </p:sldMasterIdLst>
   <p:notesMasterIdLst>
-    <p:notesMasterId r:id="rId9"/>
+    <p:notesMasterId r:id="rId7"/>
   </p:notesMasterIdLst>
   <p:sldIdLst>
     <p:sldId id="257" r:id="rId2"/>
-    <p:sldId id="259" r:id="rId3"/>
-    <p:sldId id="258" r:id="rId4"/>
-    <p:sldId id="260" r:id="rId5"/>
-    <p:sldId id="261" r:id="rId6"/>
-    <p:sldId id="264" r:id="rId7"/>
-    <p:sldId id="263" r:id="rId8"/>
+    <p:sldId id="258" r:id="rId3"/>
+    <p:sldId id="260" r:id="rId4"/>
+    <p:sldId id="264" r:id="rId5"/>
+    <p:sldId id="263" r:id="rId6"/>
   </p:sldIdLst>
   <p:sldSz cx="12192000" cy="6858000"/>
   <p:notesSz cx="6858000" cy="9144000"/>
@@ -113,7 +111,140 @@
       </a:defRPr>
     </a:lvl9pPr>
   </p:defaultTextStyle>
+  <p:extLst>
+    <p:ext uri="{EFAFB233-063F-42B5-8137-9DF3F51BA10A}">
+      <p15:sldGuideLst xmlns:p15="http://schemas.microsoft.com/office/powerpoint/2012/main"/>
+    </p:ext>
+  </p:extLst>
 </p:presentation>
+</file>
+
+<file path=ppt/changesInfos/changesInfo1.xml><?xml version="1.0" encoding="utf-8"?>
+<pc:chgInfo xmlns:a="http://schemas.openxmlformats.org/drawingml/2006/main" xmlns:r="http://schemas.openxmlformats.org/officeDocument/2006/relationships" xmlns:ac="http://schemas.microsoft.com/office/drawing/2013/main/command" xmlns:pc="http://schemas.microsoft.com/office/powerpoint/2013/main/command">
+  <pc:docChgLst>
+    <pc:chgData name="Sophie Y." userId="f34e18bc73d4dbe8" providerId="LiveId" clId="{B14A4A8B-8448-4D27-9AA0-551459E1DFA5}"/>
+    <pc:docChg chg="undo custSel delSld modSld">
+      <pc:chgData name="Sophie Y." userId="f34e18bc73d4dbe8" providerId="LiveId" clId="{B14A4A8B-8448-4D27-9AA0-551459E1DFA5}" dt="2025-11-12T14:29:15.143" v="214" actId="1076"/>
+      <pc:docMkLst>
+        <pc:docMk/>
+      </pc:docMkLst>
+      <pc:sldChg chg="addSp modSp mod">
+        <pc:chgData name="Sophie Y." userId="f34e18bc73d4dbe8" providerId="LiveId" clId="{B14A4A8B-8448-4D27-9AA0-551459E1DFA5}" dt="2025-11-12T14:24:59.604" v="98" actId="108"/>
+        <pc:sldMkLst>
+          <pc:docMk/>
+          <pc:sldMk cId="0" sldId="257"/>
+        </pc:sldMkLst>
+        <pc:spChg chg="add mod">
+          <ac:chgData name="Sophie Y." userId="f34e18bc73d4dbe8" providerId="LiveId" clId="{B14A4A8B-8448-4D27-9AA0-551459E1DFA5}" dt="2025-11-12T14:24:59.604" v="98" actId="108"/>
+          <ac:spMkLst>
+            <pc:docMk/>
+            <pc:sldMk cId="0" sldId="257"/>
+            <ac:spMk id="6" creationId="{6309ADAE-1846-DA7B-B5C6-D31DA205DB33}"/>
+          </ac:spMkLst>
+        </pc:spChg>
+      </pc:sldChg>
+      <pc:sldChg chg="modSp mod">
+        <pc:chgData name="Sophie Y." userId="f34e18bc73d4dbe8" providerId="LiveId" clId="{B14A4A8B-8448-4D27-9AA0-551459E1DFA5}" dt="2025-11-12T14:28:12.261" v="195" actId="14100"/>
+        <pc:sldMkLst>
+          <pc:docMk/>
+          <pc:sldMk cId="857892202" sldId="258"/>
+        </pc:sldMkLst>
+        <pc:spChg chg="mod">
+          <ac:chgData name="Sophie Y." userId="f34e18bc73d4dbe8" providerId="LiveId" clId="{B14A4A8B-8448-4D27-9AA0-551459E1DFA5}" dt="2025-11-12T14:28:12.261" v="195" actId="14100"/>
+          <ac:spMkLst>
+            <pc:docMk/>
+            <pc:sldMk cId="857892202" sldId="258"/>
+            <ac:spMk id="4" creationId="{46C14A06-4724-3DEE-9BCC-BFEC5FF828B9}"/>
+          </ac:spMkLst>
+        </pc:spChg>
+      </pc:sldChg>
+      <pc:sldChg chg="del">
+        <pc:chgData name="Sophie Y." userId="f34e18bc73d4dbe8" providerId="LiveId" clId="{B14A4A8B-8448-4D27-9AA0-551459E1DFA5}" dt="2025-11-12T14:24:14.252" v="0" actId="2696"/>
+        <pc:sldMkLst>
+          <pc:docMk/>
+          <pc:sldMk cId="2554432822" sldId="259"/>
+        </pc:sldMkLst>
+      </pc:sldChg>
+      <pc:sldChg chg="del">
+        <pc:chgData name="Sophie Y." userId="f34e18bc73d4dbe8" providerId="LiveId" clId="{B14A4A8B-8448-4D27-9AA0-551459E1DFA5}" dt="2025-11-12T14:26:58.455" v="182" actId="2696"/>
+        <pc:sldMkLst>
+          <pc:docMk/>
+          <pc:sldMk cId="1165090437" sldId="261"/>
+        </pc:sldMkLst>
+      </pc:sldChg>
+      <pc:sldChg chg="modSp mod">
+        <pc:chgData name="Sophie Y." userId="f34e18bc73d4dbe8" providerId="LiveId" clId="{B14A4A8B-8448-4D27-9AA0-551459E1DFA5}" dt="2025-11-12T14:29:15.143" v="214" actId="1076"/>
+        <pc:sldMkLst>
+          <pc:docMk/>
+          <pc:sldMk cId="4012573386" sldId="263"/>
+        </pc:sldMkLst>
+        <pc:spChg chg="mod">
+          <ac:chgData name="Sophie Y." userId="f34e18bc73d4dbe8" providerId="LiveId" clId="{B14A4A8B-8448-4D27-9AA0-551459E1DFA5}" dt="2025-11-12T14:29:15.143" v="214" actId="1076"/>
+          <ac:spMkLst>
+            <pc:docMk/>
+            <pc:sldMk cId="4012573386" sldId="263"/>
+            <ac:spMk id="11" creationId="{84BF7BA8-479F-8850-34C5-22F1B3087A76}"/>
+          </ac:spMkLst>
+        </pc:spChg>
+        <pc:picChg chg="mod">
+          <ac:chgData name="Sophie Y." userId="f34e18bc73d4dbe8" providerId="LiveId" clId="{B14A4A8B-8448-4D27-9AA0-551459E1DFA5}" dt="2025-11-12T14:29:11.617" v="212" actId="1076"/>
+          <ac:picMkLst>
+            <pc:docMk/>
+            <pc:sldMk cId="4012573386" sldId="263"/>
+            <ac:picMk id="5" creationId="{1FDA4D03-E467-DFAC-8DAC-B8DA85ACFEA3}"/>
+          </ac:picMkLst>
+        </pc:picChg>
+      </pc:sldChg>
+      <pc:sldChg chg="addSp modSp mod">
+        <pc:chgData name="Sophie Y." userId="f34e18bc73d4dbe8" providerId="LiveId" clId="{B14A4A8B-8448-4D27-9AA0-551459E1DFA5}" dt="2025-11-12T14:28:43.902" v="206" actId="1076"/>
+        <pc:sldMkLst>
+          <pc:docMk/>
+          <pc:sldMk cId="97141928" sldId="264"/>
+        </pc:sldMkLst>
+        <pc:spChg chg="mod">
+          <ac:chgData name="Sophie Y." userId="f34e18bc73d4dbe8" providerId="LiveId" clId="{B14A4A8B-8448-4D27-9AA0-551459E1DFA5}" dt="2025-11-12T14:25:36.543" v="145" actId="20577"/>
+          <ac:spMkLst>
+            <pc:docMk/>
+            <pc:sldMk cId="97141928" sldId="264"/>
+            <ac:spMk id="2" creationId="{7DD265E2-B68E-0FB1-CF2E-4BB270EE254F}"/>
+          </ac:spMkLst>
+        </pc:spChg>
+        <pc:spChg chg="add mod">
+          <ac:chgData name="Sophie Y." userId="f34e18bc73d4dbe8" providerId="LiveId" clId="{B14A4A8B-8448-4D27-9AA0-551459E1DFA5}" dt="2025-11-12T14:28:43.902" v="206" actId="1076"/>
+          <ac:spMkLst>
+            <pc:docMk/>
+            <pc:sldMk cId="97141928" sldId="264"/>
+            <ac:spMk id="4" creationId="{A731BB6B-8F31-5283-5709-1E29E58E41AC}"/>
+          </ac:spMkLst>
+        </pc:spChg>
+        <pc:spChg chg="mod">
+          <ac:chgData name="Sophie Y." userId="f34e18bc73d4dbe8" providerId="LiveId" clId="{B14A4A8B-8448-4D27-9AA0-551459E1DFA5}" dt="2025-11-12T14:28:38.697" v="205" actId="14100"/>
+          <ac:spMkLst>
+            <pc:docMk/>
+            <pc:sldMk cId="97141928" sldId="264"/>
+            <ac:spMk id="8" creationId="{FF4BB289-6E57-BDE6-81C4-59FD07847AC2}"/>
+          </ac:spMkLst>
+        </pc:spChg>
+        <pc:graphicFrameChg chg="mod modGraphic">
+          <ac:chgData name="Sophie Y." userId="f34e18bc73d4dbe8" providerId="LiveId" clId="{B14A4A8B-8448-4D27-9AA0-551459E1DFA5}" dt="2025-11-12T14:28:20.986" v="199" actId="1076"/>
+          <ac:graphicFrameMkLst>
+            <pc:docMk/>
+            <pc:sldMk cId="97141928" sldId="264"/>
+            <ac:graphicFrameMk id="3" creationId="{F72784E3-8148-773C-F752-BAF80EBAA7EA}"/>
+          </ac:graphicFrameMkLst>
+        </pc:graphicFrameChg>
+        <pc:picChg chg="mod">
+          <ac:chgData name="Sophie Y." userId="f34e18bc73d4dbe8" providerId="LiveId" clId="{B14A4A8B-8448-4D27-9AA0-551459E1DFA5}" dt="2025-11-12T14:25:47.422" v="149" actId="14100"/>
+          <ac:picMkLst>
+            <pc:docMk/>
+            <pc:sldMk cId="97141928" sldId="264"/>
+            <ac:picMk id="5" creationId="{DF38047E-8583-F28E-2A93-78E305FBF795}"/>
+          </ac:picMkLst>
+        </pc:picChg>
+      </pc:sldChg>
+    </pc:docChg>
+  </pc:docChgLst>
+</pc:chgInfo>
 </file>
 
 <file path=ppt/notesMasters/notesMaster1.xml><?xml version="1.0" encoding="utf-8"?>
@@ -2396,37 +2527,12 @@
           </a:p>
         </p:txBody>
       </p:sp>
-    </p:spTree>
-  </p:cSld>
-  <p:clrMapOvr>
-    <a:masterClrMapping/>
-  </p:clrMapOvr>
-</p:sld>
-</file>
-
-<file path=ppt/slides/slide2.xml><?xml version="1.0" encoding="utf-8"?>
-<p:sld xmlns:a="http://schemas.openxmlformats.org/drawingml/2006/main" xmlns:r="http://schemas.openxmlformats.org/officeDocument/2006/relationships" xmlns:p="http://schemas.openxmlformats.org/presentationml/2006/main">
-  <p:cSld>
-    <p:spTree>
-      <p:nvGrpSpPr>
-        <p:cNvPr id="1" name=""/>
-        <p:cNvGrpSpPr/>
-        <p:nvPr/>
-      </p:nvGrpSpPr>
-      <p:grpSpPr>
-        <a:xfrm>
-          <a:off x="0" y="0"/>
-          <a:ext cx="0" cy="0"/>
-          <a:chOff x="0" y="0"/>
-          <a:chExt cx="0" cy="0"/>
-        </a:xfrm>
-      </p:grpSpPr>
       <p:sp>
         <p:nvSpPr>
-          <p:cNvPr id="2" name="TextBox 1">
+          <p:cNvPr id="6" name="TextBox 5">
             <a:extLst>
               <a:ext uri="{FF2B5EF4-FFF2-40B4-BE49-F238E27FC236}">
-                <a16:creationId xmlns:a16="http://schemas.microsoft.com/office/drawing/2014/main" id="{02310E61-B76B-31F8-37D4-B7986478E7C0}"/>
+                <a16:creationId xmlns:a16="http://schemas.microsoft.com/office/drawing/2014/main" id="{6309ADAE-1846-DA7B-B5C6-D31DA205DB33}"/>
               </a:ext>
             </a:extLst>
           </p:cNvPr>
@@ -2435,66 +2541,8 @@
         </p:nvSpPr>
         <p:spPr>
           <a:xfrm>
-            <a:off x="480907" y="353907"/>
-            <a:ext cx="3789820" cy="579774"/>
-          </a:xfrm>
-          <a:prstGeom prst="rect">
-            <a:avLst/>
-          </a:prstGeom>
-          <a:noFill/>
-        </p:spPr>
-        <p:txBody>
-          <a:bodyPr wrap="none" rtlCol="0">
-            <a:spAutoFit/>
-          </a:bodyPr>
-          <a:lstStyle/>
-          <a:p>
-            <a:pPr defTabSz="761970">
-              <a:lnSpc>
-                <a:spcPts val="4042"/>
-              </a:lnSpc>
-            </a:pPr>
-            <a:r>
-              <a:rPr lang="fr-BE" sz="3250" dirty="0" err="1">
-                <a:solidFill>
-                  <a:srgbClr val="76B9FF"/>
-                </a:solidFill>
-                <a:latin typeface="Roboto Slab" pitchFamily="34" charset="0"/>
-                <a:ea typeface="Roboto Slab" pitchFamily="34" charset="-122"/>
-                <a:cs typeface="Roboto Slab" pitchFamily="34" charset="-120"/>
-              </a:rPr>
-              <a:t>Research</a:t>
-            </a:r>
-            <a:r>
-              <a:rPr lang="fr-BE" sz="3250" dirty="0">
-                <a:solidFill>
-                  <a:srgbClr val="76B9FF"/>
-                </a:solidFill>
-                <a:latin typeface="Roboto Slab" pitchFamily="34" charset="0"/>
-                <a:ea typeface="Roboto Slab" pitchFamily="34" charset="-122"/>
-                <a:cs typeface="Roboto Slab" pitchFamily="34" charset="-120"/>
-              </a:rPr>
-              <a:t> question</a:t>
-            </a:r>
-          </a:p>
-        </p:txBody>
-      </p:sp>
-      <p:sp>
-        <p:nvSpPr>
-          <p:cNvPr id="4" name="TextBox 3">
-            <a:extLst>
-              <a:ext uri="{FF2B5EF4-FFF2-40B4-BE49-F238E27FC236}">
-                <a16:creationId xmlns:a16="http://schemas.microsoft.com/office/drawing/2014/main" id="{67A3FF1C-E3A1-37DC-040A-32E4BC37BB50}"/>
-              </a:ext>
-            </a:extLst>
-          </p:cNvPr>
-          <p:cNvSpPr txBox="1"/>
-          <p:nvPr/>
-        </p:nvSpPr>
-        <p:spPr>
-          <a:xfrm>
-            <a:off x="658707" y="1581834"/>
-            <a:ext cx="7281334" cy="1200329"/>
+            <a:off x="152400" y="5818202"/>
+            <a:ext cx="6096000" cy="874342"/>
           </a:xfrm>
           <a:prstGeom prst="rect">
             <a:avLst/>
@@ -2507,8 +2555,13 @@
           </a:bodyPr>
           <a:lstStyle/>
           <a:p>
-            <a:r>
-              <a:rPr lang="en-US" sz="1800" dirty="0">
+            <a:pPr defTabSz="761970">
+              <a:lnSpc>
+                <a:spcPts val="2083"/>
+              </a:lnSpc>
+            </a:pPr>
+            <a:r>
+              <a:rPr lang="fr-BE" sz="1292" dirty="0" err="1">
                 <a:solidFill>
                   <a:srgbClr val="D6E5EF"/>
                 </a:solidFill>
@@ -2516,12 +2569,10 @@
                 <a:ea typeface="Roboto" pitchFamily="34" charset="-122"/>
                 <a:cs typeface="Roboto" pitchFamily="34" charset="-120"/>
               </a:rPr>
-              <a:t>ocean health indicators to forecast trends and identify key contributing factors.</a:t>
-            </a:r>
-          </a:p>
-          <a:p>
-            <a:r>
-              <a:rPr lang="en-US" dirty="0">
+              <a:t>Reinout</a:t>
+            </a:r>
+            <a:r>
+              <a:rPr lang="fr-BE" sz="1292" dirty="0">
                 <a:solidFill>
                   <a:srgbClr val="D6E5EF"/>
                 </a:solidFill>
@@ -2529,20 +2580,133 @@
                 <a:ea typeface="Roboto" pitchFamily="34" charset="-122"/>
                 <a:cs typeface="Roboto" pitchFamily="34" charset="-120"/>
               </a:rPr>
-              <a:t>Use machine learning to predict outcome</a:t>
-            </a:r>
-          </a:p>
-          <a:p>
-            <a:endParaRPr lang="fr-BE" dirty="0"/>
+              <a:t> </a:t>
+            </a:r>
+            <a:r>
+              <a:rPr lang="fr-BE" sz="1292" dirty="0" err="1">
+                <a:solidFill>
+                  <a:srgbClr val="D6E5EF"/>
+                </a:solidFill>
+                <a:latin typeface="Roboto" pitchFamily="34" charset="0"/>
+                <a:ea typeface="Roboto" pitchFamily="34" charset="-122"/>
+                <a:cs typeface="Roboto" pitchFamily="34" charset="-120"/>
+              </a:rPr>
+              <a:t>Schols</a:t>
+            </a:r>
+            <a:endParaRPr lang="fr-BE" sz="1292" dirty="0">
+              <a:solidFill>
+                <a:srgbClr val="D6E5EF"/>
+              </a:solidFill>
+              <a:latin typeface="Roboto" pitchFamily="34" charset="0"/>
+              <a:ea typeface="Roboto" pitchFamily="34" charset="-122"/>
+              <a:cs typeface="Roboto" pitchFamily="34" charset="-120"/>
+            </a:endParaRPr>
+          </a:p>
+          <a:p>
+            <a:pPr defTabSz="761970">
+              <a:lnSpc>
+                <a:spcPts val="2083"/>
+              </a:lnSpc>
+            </a:pPr>
+            <a:r>
+              <a:rPr lang="fr-BE" sz="1292" dirty="0">
+                <a:solidFill>
+                  <a:srgbClr val="D6E5EF"/>
+                </a:solidFill>
+                <a:latin typeface="Roboto" pitchFamily="34" charset="0"/>
+                <a:ea typeface="Roboto" pitchFamily="34" charset="-122"/>
+                <a:cs typeface="Roboto" pitchFamily="34" charset="-120"/>
+              </a:rPr>
+              <a:t>Sophie Yam</a:t>
+            </a:r>
+          </a:p>
+          <a:p>
+            <a:pPr defTabSz="761970">
+              <a:lnSpc>
+                <a:spcPts val="2083"/>
+              </a:lnSpc>
+            </a:pPr>
+            <a:r>
+              <a:rPr lang="fr-BE" sz="1292" dirty="0">
+                <a:solidFill>
+                  <a:srgbClr val="D6E5EF"/>
+                </a:solidFill>
+                <a:latin typeface="Roboto" pitchFamily="34" charset="0"/>
+                <a:ea typeface="Roboto" pitchFamily="34" charset="-122"/>
+                <a:cs typeface="Roboto" pitchFamily="34" charset="-120"/>
+              </a:rPr>
+              <a:t>2MA </a:t>
+            </a:r>
+            <a:r>
+              <a:rPr lang="fr-BE" sz="1292" dirty="0" err="1">
+                <a:solidFill>
+                  <a:srgbClr val="D6E5EF"/>
+                </a:solidFill>
+                <a:latin typeface="Roboto" pitchFamily="34" charset="0"/>
+                <a:ea typeface="Roboto" pitchFamily="34" charset="-122"/>
+                <a:cs typeface="Roboto" pitchFamily="34" charset="-120"/>
+              </a:rPr>
+              <a:t>Statistics</a:t>
+            </a:r>
+            <a:r>
+              <a:rPr lang="fr-BE" sz="1292" dirty="0">
+                <a:solidFill>
+                  <a:srgbClr val="D6E5EF"/>
+                </a:solidFill>
+                <a:latin typeface="Roboto" pitchFamily="34" charset="0"/>
+                <a:ea typeface="Roboto" pitchFamily="34" charset="-122"/>
+                <a:cs typeface="Roboto" pitchFamily="34" charset="-120"/>
+              </a:rPr>
+              <a:t> and Data Science | </a:t>
+            </a:r>
+            <a:r>
+              <a:rPr lang="fr-BE" sz="1292" dirty="0" err="1">
+                <a:solidFill>
+                  <a:srgbClr val="D6E5EF"/>
+                </a:solidFill>
+                <a:latin typeface="Roboto" pitchFamily="34" charset="0"/>
+                <a:ea typeface="Roboto" pitchFamily="34" charset="-122"/>
+                <a:cs typeface="Roboto" pitchFamily="34" charset="-120"/>
+              </a:rPr>
+              <a:t>UHasselt</a:t>
+            </a:r>
+            <a:r>
+              <a:rPr lang="fr-BE" sz="1292" dirty="0">
+                <a:solidFill>
+                  <a:srgbClr val="D6E5EF"/>
+                </a:solidFill>
+                <a:latin typeface="Roboto" pitchFamily="34" charset="0"/>
+                <a:ea typeface="Roboto" pitchFamily="34" charset="-122"/>
+                <a:cs typeface="Roboto" pitchFamily="34" charset="-120"/>
+              </a:rPr>
+              <a:t> | 12 </a:t>
+            </a:r>
+            <a:r>
+              <a:rPr lang="fr-BE" sz="1292" dirty="0" err="1">
+                <a:solidFill>
+                  <a:srgbClr val="D6E5EF"/>
+                </a:solidFill>
+                <a:latin typeface="Roboto" pitchFamily="34" charset="0"/>
+                <a:ea typeface="Roboto" pitchFamily="34" charset="-122"/>
+                <a:cs typeface="Roboto" pitchFamily="34" charset="-120"/>
+              </a:rPr>
+              <a:t>Nov</a:t>
+            </a:r>
+            <a:r>
+              <a:rPr lang="fr-BE" sz="1292" dirty="0">
+                <a:solidFill>
+                  <a:srgbClr val="D6E5EF"/>
+                </a:solidFill>
+                <a:latin typeface="Roboto" pitchFamily="34" charset="0"/>
+                <a:ea typeface="Roboto" pitchFamily="34" charset="-122"/>
+                <a:cs typeface="Roboto" pitchFamily="34" charset="-120"/>
+              </a:rPr>
+              <a:t> 2025</a:t>
+            </a:r>
           </a:p>
         </p:txBody>
       </p:sp>
     </p:spTree>
-    <p:extLst>
-      <p:ext uri="{BB962C8B-B14F-4D97-AF65-F5344CB8AC3E}">
-        <p14:creationId xmlns:p14="http://schemas.microsoft.com/office/powerpoint/2010/main" val="2554432822"/>
-      </p:ext>
-    </p:extLst>
   </p:cSld>
   <p:clrMapOvr>
     <a:masterClrMapping/>
@@ -2550,7 +2714,7 @@
 </p:sld>
 </file>
 
-<file path=ppt/slides/slide3.xml><?xml version="1.0" encoding="utf-8"?>
+<file path=ppt/slides/slide2.xml><?xml version="1.0" encoding="utf-8"?>
 <p:sld xmlns:a="http://schemas.openxmlformats.org/drawingml/2006/main" xmlns:r="http://schemas.openxmlformats.org/officeDocument/2006/relationships" xmlns:p="http://schemas.openxmlformats.org/presentationml/2006/main">
   <p:cSld>
     <p:spTree>
@@ -2636,8 +2800,8 @@
         </p:nvSpPr>
         <p:spPr>
           <a:xfrm>
-            <a:off x="634999" y="1304204"/>
-            <a:ext cx="7806267" cy="1477328"/>
+            <a:off x="634998" y="1304203"/>
+            <a:ext cx="11099801" cy="3046988"/>
           </a:xfrm>
           <a:prstGeom prst="rect">
             <a:avLst/>
@@ -2650,12 +2814,12 @@
           </a:bodyPr>
           <a:lstStyle/>
           <a:p>
-            <a:pPr marL="285750" indent="-285750">
-              <a:buFont typeface="Arial" panose="020B0604020202020204" pitchFamily="34" charset="0"/>
-              <a:buChar char="•"/>
+            <a:pPr marL="342900" indent="-342900">
+              <a:buFont typeface="+mj-lt"/>
+              <a:buAutoNum type="arabicPeriod"/>
             </a:pPr>
             <a:r>
-              <a:rPr lang="fr-BE" dirty="0" err="1">
+              <a:rPr lang="fr-BE" sz="3200" dirty="0" err="1">
                 <a:solidFill>
                   <a:schemeClr val="bg1"/>
                 </a:solidFill>
@@ -2663,7 +2827,7 @@
               <a:t>Identify</a:t>
             </a:r>
             <a:r>
-              <a:rPr lang="fr-BE" dirty="0">
+              <a:rPr lang="fr-BE" sz="3200" dirty="0">
                 <a:solidFill>
                   <a:schemeClr val="bg1"/>
                 </a:solidFill>
@@ -2671,7 +2835,7 @@
               <a:t> key </a:t>
             </a:r>
             <a:r>
-              <a:rPr lang="fr-BE" dirty="0" err="1">
+              <a:rPr lang="fr-BE" sz="3200" dirty="0" err="1">
                 <a:solidFill>
                   <a:schemeClr val="bg1"/>
                 </a:solidFill>
@@ -2679,7 +2843,7 @@
               <a:t>contributing</a:t>
             </a:r>
             <a:r>
-              <a:rPr lang="fr-BE" dirty="0">
+              <a:rPr lang="fr-BE" sz="3200" dirty="0">
                 <a:solidFill>
                   <a:schemeClr val="bg1"/>
                 </a:solidFill>
@@ -2687,7 +2851,7 @@
               <a:t> </a:t>
             </a:r>
             <a:r>
-              <a:rPr lang="fr-BE" dirty="0" err="1">
+              <a:rPr lang="fr-BE" sz="3200" dirty="0" err="1">
                 <a:solidFill>
                   <a:schemeClr val="bg1"/>
                 </a:solidFill>
@@ -2695,7 +2859,7 @@
               <a:t>factors</a:t>
             </a:r>
             <a:r>
-              <a:rPr lang="fr-BE" dirty="0">
+              <a:rPr lang="fr-BE" sz="3200" dirty="0">
                 <a:solidFill>
                   <a:schemeClr val="bg1"/>
                 </a:solidFill>
@@ -2703,7 +2867,7 @@
               <a:t> </a:t>
             </a:r>
             <a:r>
-              <a:rPr lang="fr-BE" dirty="0" err="1">
+              <a:rPr lang="fr-BE" sz="3200" dirty="0" err="1">
                 <a:solidFill>
                   <a:schemeClr val="bg1"/>
                 </a:solidFill>
@@ -2711,7 +2875,7 @@
               <a:t>using</a:t>
             </a:r>
             <a:r>
-              <a:rPr lang="fr-BE" dirty="0">
+              <a:rPr lang="fr-BE" sz="3200" dirty="0">
                 <a:solidFill>
                   <a:schemeClr val="bg1"/>
                 </a:solidFill>
@@ -2719,37 +2883,26 @@
               <a:t> Principal Component </a:t>
             </a:r>
             <a:r>
-              <a:rPr lang="fr-BE" dirty="0" err="1">
+              <a:rPr lang="fr-BE" sz="3200" dirty="0" err="1">
                 <a:solidFill>
                   <a:schemeClr val="bg1"/>
                 </a:solidFill>
               </a:rPr>
               <a:t>Analysis</a:t>
             </a:r>
-            <a:endParaRPr lang="fr-BE" dirty="0">
+            <a:endParaRPr lang="fr-BE" sz="3200" dirty="0">
               <a:solidFill>
                 <a:schemeClr val="bg1"/>
               </a:solidFill>
             </a:endParaRPr>
           </a:p>
           <a:p>
-            <a:pPr marL="285750" indent="-285750">
-              <a:buFont typeface="Arial" panose="020B0604020202020204" pitchFamily="34" charset="0"/>
-              <a:buChar char="•"/>
+            <a:pPr marL="342900" indent="-342900">
+              <a:buFont typeface="+mj-lt"/>
+              <a:buAutoNum type="arabicPeriod"/>
             </a:pPr>
-            <a:endParaRPr lang="fr-BE" dirty="0">
-              <a:solidFill>
-                <a:schemeClr val="bg1"/>
-              </a:solidFill>
-            </a:endParaRPr>
-          </a:p>
-          <a:p>
-            <a:pPr marL="285750" indent="-285750">
-              <a:buFont typeface="Arial" panose="020B0604020202020204" pitchFamily="34" charset="0"/>
-              <a:buChar char="•"/>
-            </a:pPr>
-            <a:r>
-              <a:rPr lang="fr-BE" dirty="0">
+            <a:r>
+              <a:rPr lang="fr-BE" sz="3200" dirty="0">
                 <a:solidFill>
                   <a:schemeClr val="bg1"/>
                 </a:solidFill>
@@ -2757,7 +2910,7 @@
               <a:t>Try </a:t>
             </a:r>
             <a:r>
-              <a:rPr lang="fr-BE" dirty="0" err="1">
+              <a:rPr lang="fr-BE" sz="3200" dirty="0" err="1">
                 <a:solidFill>
                   <a:schemeClr val="bg1"/>
                 </a:solidFill>
@@ -2765,7 +2918,7 @@
               <a:t>different</a:t>
             </a:r>
             <a:r>
-              <a:rPr lang="fr-BE" dirty="0">
+              <a:rPr lang="fr-BE" sz="3200" dirty="0">
                 <a:solidFill>
                   <a:schemeClr val="bg1"/>
                 </a:solidFill>
@@ -2773,7 +2926,7 @@
               <a:t> Machine Learning </a:t>
             </a:r>
             <a:r>
-              <a:rPr lang="fr-BE" dirty="0" err="1">
+              <a:rPr lang="fr-BE" sz="3200" dirty="0" err="1">
                 <a:solidFill>
                   <a:schemeClr val="bg1"/>
                 </a:solidFill>
@@ -2781,7 +2934,7 @@
               <a:t>Models</a:t>
             </a:r>
             <a:r>
-              <a:rPr lang="fr-BE" dirty="0">
+              <a:rPr lang="fr-BE" sz="3200" dirty="0">
                 <a:solidFill>
                   <a:schemeClr val="bg1"/>
                 </a:solidFill>
@@ -2789,26 +2942,26 @@
               <a:t> and optimise the </a:t>
             </a:r>
             <a:r>
-              <a:rPr lang="fr-BE" dirty="0" err="1">
+              <a:rPr lang="fr-BE" sz="3200" dirty="0" err="1">
                 <a:solidFill>
                   <a:schemeClr val="bg1"/>
                 </a:solidFill>
               </a:rPr>
               <a:t>Models</a:t>
             </a:r>
-            <a:endParaRPr lang="fr-BE" dirty="0">
+            <a:endParaRPr lang="fr-BE" sz="3200" dirty="0">
               <a:solidFill>
                 <a:schemeClr val="bg1"/>
               </a:solidFill>
             </a:endParaRPr>
           </a:p>
           <a:p>
-            <a:pPr marL="285750" indent="-285750">
-              <a:buFont typeface="Arial" panose="020B0604020202020204" pitchFamily="34" charset="0"/>
-              <a:buChar char="•"/>
+            <a:pPr marL="342900" indent="-342900">
+              <a:buFont typeface="+mj-lt"/>
+              <a:buAutoNum type="arabicPeriod"/>
             </a:pPr>
             <a:r>
-              <a:rPr lang="fr-BE" dirty="0" err="1">
+              <a:rPr lang="fr-BE" sz="3200" dirty="0" err="1">
                 <a:solidFill>
                   <a:schemeClr val="bg1"/>
                 </a:solidFill>
@@ -2816,7 +2969,7 @@
               <a:t>Identify</a:t>
             </a:r>
             <a:r>
-              <a:rPr lang="fr-BE" dirty="0">
+              <a:rPr lang="fr-BE" sz="3200" dirty="0">
                 <a:solidFill>
                   <a:schemeClr val="bg1"/>
                 </a:solidFill>
@@ -2824,26 +2977,26 @@
               <a:t> important </a:t>
             </a:r>
             <a:r>
-              <a:rPr lang="fr-BE" dirty="0" err="1">
+              <a:rPr lang="fr-BE" sz="3200" dirty="0" err="1">
                 <a:solidFill>
                   <a:schemeClr val="bg1"/>
                 </a:solidFill>
               </a:rPr>
               <a:t>features</a:t>
             </a:r>
-            <a:endParaRPr lang="fr-BE" dirty="0">
+            <a:endParaRPr lang="fr-BE" sz="3200" dirty="0">
               <a:solidFill>
                 <a:schemeClr val="bg1"/>
               </a:solidFill>
             </a:endParaRPr>
           </a:p>
           <a:p>
-            <a:pPr marL="285750" indent="-285750">
-              <a:buFont typeface="Arial" panose="020B0604020202020204" pitchFamily="34" charset="0"/>
-              <a:buChar char="•"/>
+            <a:pPr marL="342900" indent="-342900">
+              <a:buFont typeface="+mj-lt"/>
+              <a:buAutoNum type="arabicPeriod"/>
             </a:pPr>
             <a:r>
-              <a:rPr lang="fr-BE" dirty="0">
+              <a:rPr lang="fr-BE" sz="3200" dirty="0">
                 <a:solidFill>
                   <a:schemeClr val="bg1"/>
                 </a:solidFill>
@@ -2866,7 +3019,7 @@
 </p:sld>
 </file>
 
-<file path=ppt/slides/slide4.xml><?xml version="1.0" encoding="utf-8"?>
+<file path=ppt/slides/slide3.xml><?xml version="1.0" encoding="utf-8"?>
 <p:sld xmlns:a="http://schemas.openxmlformats.org/drawingml/2006/main" xmlns:r="http://schemas.openxmlformats.org/officeDocument/2006/relationships" xmlns:p="http://schemas.openxmlformats.org/presentationml/2006/main">
   <p:cSld>
     <p:spTree>
@@ -2938,79 +3091,7 @@
 </p:sld>
 </file>
 
-<file path=ppt/slides/slide5.xml><?xml version="1.0" encoding="utf-8"?>
-<p:sld xmlns:a="http://schemas.openxmlformats.org/drawingml/2006/main" xmlns:r="http://schemas.openxmlformats.org/officeDocument/2006/relationships" xmlns:p="http://schemas.openxmlformats.org/presentationml/2006/main">
-  <p:cSld>
-    <p:spTree>
-      <p:nvGrpSpPr>
-        <p:cNvPr id="1" name=""/>
-        <p:cNvGrpSpPr/>
-        <p:nvPr/>
-      </p:nvGrpSpPr>
-      <p:grpSpPr>
-        <a:xfrm>
-          <a:off x="0" y="0"/>
-          <a:ext cx="0" cy="0"/>
-          <a:chOff x="0" y="0"/>
-          <a:chExt cx="0" cy="0"/>
-        </a:xfrm>
-      </p:grpSpPr>
-      <p:sp>
-        <p:nvSpPr>
-          <p:cNvPr id="2" name="TextBox 1">
-            <a:extLst>
-              <a:ext uri="{FF2B5EF4-FFF2-40B4-BE49-F238E27FC236}">
-                <a16:creationId xmlns:a16="http://schemas.microsoft.com/office/drawing/2014/main" id="{EB98A1EA-D172-72BC-74D6-E9940C7B3ACC}"/>
-              </a:ext>
-            </a:extLst>
-          </p:cNvPr>
-          <p:cNvSpPr txBox="1"/>
-          <p:nvPr/>
-        </p:nvSpPr>
-        <p:spPr>
-          <a:xfrm>
-            <a:off x="245533" y="228600"/>
-            <a:ext cx="1385316" cy="592470"/>
-          </a:xfrm>
-          <a:prstGeom prst="rect">
-            <a:avLst/>
-          </a:prstGeom>
-          <a:noFill/>
-        </p:spPr>
-        <p:txBody>
-          <a:bodyPr wrap="none" rtlCol="0">
-            <a:spAutoFit/>
-          </a:bodyPr>
-          <a:lstStyle/>
-          <a:p>
-            <a:r>
-              <a:rPr lang="fr-BE" sz="3250" dirty="0">
-                <a:solidFill>
-                  <a:srgbClr val="76B9FF"/>
-                </a:solidFill>
-                <a:latin typeface="Roboto Slab" pitchFamily="34" charset="0"/>
-                <a:ea typeface="Roboto Slab" pitchFamily="34" charset="-122"/>
-                <a:cs typeface="Roboto Slab" pitchFamily="34" charset="-120"/>
-              </a:rPr>
-              <a:t>Table </a:t>
-            </a:r>
-          </a:p>
-        </p:txBody>
-      </p:sp>
-    </p:spTree>
-    <p:extLst>
-      <p:ext uri="{BB962C8B-B14F-4D97-AF65-F5344CB8AC3E}">
-        <p14:creationId xmlns:p14="http://schemas.microsoft.com/office/powerpoint/2010/main" val="1165090437"/>
-      </p:ext>
-    </p:extLst>
-  </p:cSld>
-  <p:clrMapOvr>
-    <a:masterClrMapping/>
-  </p:clrMapOvr>
-</p:sld>
-</file>
-
-<file path=ppt/slides/slide6.xml><?xml version="1.0" encoding="utf-8"?>
+<file path=ppt/slides/slide4.xml><?xml version="1.0" encoding="utf-8"?>
 <p:sld xmlns:a="http://schemas.openxmlformats.org/drawingml/2006/main" xmlns:r="http://schemas.openxmlformats.org/officeDocument/2006/relationships" xmlns:p="http://schemas.openxmlformats.org/presentationml/2006/main">
   <p:cSld>
     <p:spTree>
@@ -3048,7 +3129,7 @@
         <p:spPr>
           <a:xfrm>
             <a:off x="245533" y="228600"/>
-            <a:ext cx="1385316" cy="592470"/>
+            <a:ext cx="6336991" cy="592470"/>
           </a:xfrm>
           <a:prstGeom prst="rect">
             <a:avLst/>
@@ -3062,6 +3143,17 @@
           <a:lstStyle/>
           <a:p>
             <a:r>
+              <a:rPr lang="fr-BE" sz="3250" dirty="0" err="1">
+                <a:solidFill>
+                  <a:srgbClr val="76B9FF"/>
+                </a:solidFill>
+                <a:latin typeface="Roboto Slab" pitchFamily="34" charset="0"/>
+                <a:ea typeface="Roboto Slab" pitchFamily="34" charset="-122"/>
+                <a:cs typeface="Roboto Slab" pitchFamily="34" charset="-120"/>
+              </a:rPr>
+              <a:t>Different</a:t>
+            </a:r>
+            <a:r>
               <a:rPr lang="fr-BE" sz="3250" dirty="0">
                 <a:solidFill>
                   <a:srgbClr val="76B9FF"/>
@@ -3070,8 +3162,49 @@
                 <a:ea typeface="Roboto Slab" pitchFamily="34" charset="-122"/>
                 <a:cs typeface="Roboto Slab" pitchFamily="34" charset="-120"/>
               </a:rPr>
-              <a:t>Table </a:t>
-            </a:r>
+              <a:t> ML </a:t>
+            </a:r>
+            <a:r>
+              <a:rPr lang="fr-BE" sz="3250" dirty="0" err="1">
+                <a:solidFill>
+                  <a:srgbClr val="76B9FF"/>
+                </a:solidFill>
+                <a:latin typeface="Roboto Slab" pitchFamily="34" charset="0"/>
+                <a:ea typeface="Roboto Slab" pitchFamily="34" charset="-122"/>
+                <a:cs typeface="Roboto Slab" pitchFamily="34" charset="-120"/>
+              </a:rPr>
+              <a:t>models</a:t>
+            </a:r>
+            <a:r>
+              <a:rPr lang="fr-BE" sz="3250" dirty="0">
+                <a:solidFill>
+                  <a:srgbClr val="76B9FF"/>
+                </a:solidFill>
+                <a:latin typeface="Roboto Slab" pitchFamily="34" charset="0"/>
+                <a:ea typeface="Roboto Slab" pitchFamily="34" charset="-122"/>
+                <a:cs typeface="Roboto Slab" pitchFamily="34" charset="-120"/>
+              </a:rPr>
+              <a:t> </a:t>
+            </a:r>
+            <a:r>
+              <a:rPr lang="fr-BE" sz="3250" dirty="0" err="1">
+                <a:solidFill>
+                  <a:srgbClr val="76B9FF"/>
+                </a:solidFill>
+                <a:latin typeface="Roboto Slab" pitchFamily="34" charset="0"/>
+                <a:ea typeface="Roboto Slab" pitchFamily="34" charset="-122"/>
+                <a:cs typeface="Roboto Slab" pitchFamily="34" charset="-120"/>
+              </a:rPr>
+              <a:t>evaluated</a:t>
+            </a:r>
+            <a:endParaRPr lang="fr-BE" sz="3250" dirty="0">
+              <a:solidFill>
+                <a:srgbClr val="76B9FF"/>
+              </a:solidFill>
+              <a:latin typeface="Roboto Slab" pitchFamily="34" charset="0"/>
+              <a:ea typeface="Roboto Slab" pitchFamily="34" charset="-122"/>
+              <a:cs typeface="Roboto Slab" pitchFamily="34" charset="-120"/>
+            </a:endParaRPr>
           </a:p>
         </p:txBody>
       </p:sp>
@@ -3090,13 +3223,13 @@
           <p:nvPr>
             <p:extLst>
               <p:ext uri="{D42A27DB-BD31-4B8C-83A1-F6EECF244321}">
-                <p14:modId xmlns:p14="http://schemas.microsoft.com/office/powerpoint/2010/main" val="514617735"/>
+                <p14:modId xmlns:p14="http://schemas.microsoft.com/office/powerpoint/2010/main" val="3610589375"/>
               </p:ext>
             </p:extLst>
           </p:nvPr>
         </p:nvGraphicFramePr>
         <p:xfrm>
-          <a:off x="416984" y="1687354"/>
+          <a:off x="191826" y="1687354"/>
           <a:ext cx="5357284" cy="3773645"/>
         </p:xfrm>
         <a:graphic>
@@ -3205,7 +3338,7 @@
                         <a:buNone/>
                       </a:pPr>
                       <a:r>
-                        <a:rPr lang="fr-BE" sz="1400" b="0">
+                        <a:rPr lang="fr-BE" sz="1400" b="0" dirty="0" err="1">
                           <a:solidFill>
                             <a:srgbClr val="FFFFFF"/>
                           </a:solidFill>
@@ -3214,6 +3347,13 @@
                         </a:rPr>
                         <a:t>Validation_Strategy</a:t>
                       </a:r>
+                      <a:endParaRPr lang="fr-BE" sz="1400" b="0" dirty="0">
+                        <a:solidFill>
+                          <a:srgbClr val="FFFFFF"/>
+                        </a:solidFill>
+                        <a:effectLst/>
+                        <a:latin typeface="Roboto" panose="02000000000000000000" pitchFamily="2" charset="0"/>
+                      </a:endParaRPr>
                     </a:p>
                   </a:txBody>
                   <a:tcPr marL="60960" marR="60960" marT="15240" marB="15240" anchor="ctr">
@@ -3267,7 +3407,7 @@
                         <a:buNone/>
                       </a:pPr>
                       <a:r>
-                        <a:rPr lang="fr-BE" sz="1400" b="0">
+                        <a:rPr lang="fr-BE" sz="1400" b="0" dirty="0" err="1">
                           <a:solidFill>
                             <a:srgbClr val="FFFFFF"/>
                           </a:solidFill>
@@ -3276,6 +3416,13 @@
                         </a:rPr>
                         <a:t>Hyperparameters</a:t>
                       </a:r>
+                      <a:endParaRPr lang="fr-BE" sz="1400" b="0" dirty="0">
+                        <a:solidFill>
+                          <a:srgbClr val="FFFFFF"/>
+                        </a:solidFill>
+                        <a:effectLst/>
+                        <a:latin typeface="Roboto" panose="02000000000000000000" pitchFamily="2" charset="0"/>
+                      </a:endParaRPr>
                     </a:p>
                   </a:txBody>
                   <a:tcPr marL="60960" marR="60960" marT="15240" marB="15240" anchor="ctr">
@@ -4013,7 +4160,17 @@
                         <a:buNone/>
                       </a:pPr>
                       <a:r>
-                        <a:rPr lang="fr-BE" sz="1400" b="0" dirty="0" err="1">
+                        <a:rPr lang="fr-BE" sz="1400" b="1" dirty="0">
+                          <a:solidFill>
+                            <a:srgbClr val="434343"/>
+                          </a:solidFill>
+                          <a:effectLst/>
+                          <a:latin typeface="Roboto" panose="02000000000000000000" pitchFamily="2" charset="0"/>
+                        </a:rPr>
+                        <a:t>Gradient </a:t>
+                      </a:r>
+                      <a:r>
+                        <a:rPr lang="fr-BE" sz="1400" b="1" dirty="0" err="1">
                           <a:solidFill>
                             <a:srgbClr val="434343"/>
                           </a:solidFill>
@@ -4022,7 +4179,29 @@
                         </a:rPr>
                         <a:t>Boosting</a:t>
                       </a:r>
-                      <a:endParaRPr lang="fr-BE" sz="1400" b="0" dirty="0">
+                      <a:endParaRPr lang="fr-BE" sz="1400" b="1" dirty="0">
+                        <a:solidFill>
+                          <a:srgbClr val="434343"/>
+                        </a:solidFill>
+                        <a:effectLst/>
+                        <a:latin typeface="Roboto" panose="02000000000000000000" pitchFamily="2" charset="0"/>
+                      </a:endParaRPr>
+                    </a:p>
+                    <a:p>
+                      <a:pPr algn="ctr" rtl="0" fontAlgn="ctr">
+                        <a:buNone/>
+                      </a:pPr>
+                      <a:r>
+                        <a:rPr lang="fr-BE" sz="1400" b="1" dirty="0" err="1">
+                          <a:solidFill>
+                            <a:srgbClr val="434343"/>
+                          </a:solidFill>
+                          <a:effectLst/>
+                          <a:latin typeface="Roboto" panose="02000000000000000000" pitchFamily="2" charset="0"/>
+                        </a:rPr>
+                        <a:t>Regressor</a:t>
+                      </a:r>
+                      <a:endParaRPr lang="fr-BE" sz="1400" b="1" dirty="0">
                         <a:solidFill>
                           <a:srgbClr val="434343"/>
                         </a:solidFill>
@@ -4069,7 +4248,10 @@
                       <a:tailEnd type="none" w="med" len="med"/>
                     </a:lnB>
                     <a:solidFill>
-                      <a:srgbClr val="FFFFFF"/>
+                      <a:schemeClr val="accent6">
+                        <a:lumMod val="20000"/>
+                        <a:lumOff val="80000"/>
+                      </a:schemeClr>
                     </a:solidFill>
                   </a:tcPr>
                 </a:tc>
@@ -4082,7 +4264,7 @@
                         <a:buNone/>
                       </a:pPr>
                       <a:r>
-                        <a:rPr lang="fr-BE" sz="1400" b="0" dirty="0">
+                        <a:rPr lang="fr-BE" sz="1400" b="1" dirty="0">
                           <a:solidFill>
                             <a:srgbClr val="434343"/>
                           </a:solidFill>
@@ -4131,7 +4313,10 @@
                       <a:tailEnd type="none" w="med" len="med"/>
                     </a:lnB>
                     <a:solidFill>
-                      <a:srgbClr val="FFFFFF"/>
+                      <a:schemeClr val="accent6">
+                        <a:lumMod val="20000"/>
+                        <a:lumOff val="80000"/>
+                      </a:schemeClr>
                     </a:solidFill>
                   </a:tcPr>
                 </a:tc>
@@ -4144,7 +4329,7 @@
                         <a:buNone/>
                       </a:pPr>
                       <a:r>
-                        <a:rPr lang="en-GB" sz="1400" b="0" dirty="0" err="1">
+                        <a:rPr lang="en-GB" sz="1400" b="1" dirty="0" err="1">
                           <a:solidFill>
                             <a:srgbClr val="434343"/>
                           </a:solidFill>
@@ -4154,7 +4339,7 @@
                         <a:t>n_estimators</a:t>
                       </a:r>
                       <a:r>
-                        <a:rPr lang="en-GB" sz="1400" b="0" dirty="0">
+                        <a:rPr lang="en-GB" sz="1400" b="1" dirty="0">
                           <a:solidFill>
                             <a:srgbClr val="434343"/>
                           </a:solidFill>
@@ -4164,7 +4349,7 @@
                         <a:t>=200, </a:t>
                       </a:r>
                       <a:r>
-                        <a:rPr lang="en-GB" sz="1400" b="0" dirty="0" err="1">
+                        <a:rPr lang="en-GB" sz="1400" b="1" dirty="0" err="1">
                           <a:solidFill>
                             <a:srgbClr val="434343"/>
                           </a:solidFill>
@@ -4174,7 +4359,7 @@
                         <a:t>learning_rate</a:t>
                       </a:r>
                       <a:r>
-                        <a:rPr lang="en-GB" sz="1400" b="0" dirty="0">
+                        <a:rPr lang="en-GB" sz="1400" b="1" dirty="0">
                           <a:solidFill>
                             <a:srgbClr val="434343"/>
                           </a:solidFill>
@@ -4184,7 +4369,7 @@
                         <a:t>=0.2, </a:t>
                       </a:r>
                       <a:r>
-                        <a:rPr lang="en-GB" sz="1400" b="0" dirty="0" err="1">
+                        <a:rPr lang="en-GB" sz="1400" b="1" dirty="0" err="1">
                           <a:solidFill>
                             <a:srgbClr val="434343"/>
                           </a:solidFill>
@@ -4194,7 +4379,7 @@
                         <a:t>max_depth</a:t>
                       </a:r>
                       <a:r>
-                        <a:rPr lang="en-GB" sz="1400" b="0" dirty="0">
+                        <a:rPr lang="en-GB" sz="1400" b="1" dirty="0">
                           <a:solidFill>
                             <a:srgbClr val="434343"/>
                           </a:solidFill>
@@ -4243,7 +4428,10 @@
                       <a:tailEnd type="none" w="med" len="med"/>
                     </a:lnB>
                     <a:solidFill>
-                      <a:srgbClr val="FFFFFF"/>
+                      <a:schemeClr val="accent6">
+                        <a:lumMod val="20000"/>
+                        <a:lumOff val="80000"/>
+                      </a:schemeClr>
                     </a:solidFill>
                   </a:tcPr>
                 </a:tc>
@@ -4256,7 +4444,7 @@
                         <a:buNone/>
                       </a:pPr>
                       <a:r>
-                        <a:rPr lang="fr-BE" sz="1400" b="0" dirty="0">
+                        <a:rPr lang="fr-BE" sz="1400" b="1" dirty="0">
                           <a:solidFill>
                             <a:srgbClr val="434343"/>
                           </a:solidFill>
@@ -4305,7 +4493,10 @@
                       <a:tailEnd type="none" w="med" len="med"/>
                     </a:lnB>
                     <a:solidFill>
-                      <a:srgbClr val="FFFFFF"/>
+                      <a:schemeClr val="accent6">
+                        <a:lumMod val="20000"/>
+                        <a:lumOff val="80000"/>
+                      </a:schemeClr>
                     </a:solidFill>
                   </a:tcPr>
                 </a:tc>
@@ -4341,8 +4532,8 @@
         </p:blipFill>
         <p:spPr>
           <a:xfrm>
-            <a:off x="7822423" y="3574176"/>
-            <a:ext cx="3952593" cy="3157557"/>
+            <a:off x="7667109" y="3517742"/>
+            <a:ext cx="4279358" cy="3281631"/>
           </a:xfrm>
           <a:prstGeom prst="rect">
             <a:avLst/>
@@ -4393,8 +4584,8 @@
         </p:nvSpPr>
         <p:spPr>
           <a:xfrm>
-            <a:off x="5774268" y="750670"/>
-            <a:ext cx="1737527" cy="646331"/>
+            <a:off x="5164667" y="1160750"/>
+            <a:ext cx="2582333" cy="954107"/>
           </a:xfrm>
           <a:prstGeom prst="rect">
             <a:avLst/>
@@ -4402,21 +4593,21 @@
           <a:noFill/>
         </p:spPr>
         <p:txBody>
-          <a:bodyPr wrap="none" rtlCol="0">
+          <a:bodyPr wrap="square" rtlCol="0">
             <a:spAutoFit/>
           </a:bodyPr>
           <a:lstStyle/>
           <a:p>
             <a:pPr algn="ctr"/>
             <a:r>
-              <a:rPr lang="fr-BE" dirty="0" err="1">
+              <a:rPr lang="fr-BE" sz="2800" dirty="0" err="1">
                 <a:solidFill>
                   <a:schemeClr val="bg1"/>
                 </a:solidFill>
               </a:rPr>
               <a:t>Hyperparameter</a:t>
             </a:r>
-            <a:endParaRPr lang="fr-BE" dirty="0">
+            <a:endParaRPr lang="fr-BE" sz="2800" dirty="0">
               <a:solidFill>
                 <a:schemeClr val="bg1"/>
               </a:solidFill>
@@ -4425,13 +4616,59 @@
           <a:p>
             <a:pPr algn="ctr"/>
             <a:r>
-              <a:rPr lang="fr-BE" dirty="0">
+              <a:rPr lang="fr-BE" sz="2800" dirty="0">
                 <a:solidFill>
                   <a:schemeClr val="bg1"/>
                 </a:solidFill>
               </a:rPr>
               <a:t> tuning</a:t>
             </a:r>
+          </a:p>
+        </p:txBody>
+      </p:sp>
+      <p:sp>
+        <p:nvSpPr>
+          <p:cNvPr id="4" name="Arrow: Down 3">
+            <a:extLst>
+              <a:ext uri="{FF2B5EF4-FFF2-40B4-BE49-F238E27FC236}">
+                <a16:creationId xmlns:a16="http://schemas.microsoft.com/office/drawing/2014/main" id="{A731BB6B-8F31-5283-5709-1E29E58E41AC}"/>
+              </a:ext>
+            </a:extLst>
+          </p:cNvPr>
+          <p:cNvSpPr/>
+          <p:nvPr/>
+        </p:nvSpPr>
+        <p:spPr>
+          <a:xfrm>
+            <a:off x="6424805" y="2539334"/>
+            <a:ext cx="484632" cy="978408"/>
+          </a:xfrm>
+          <a:prstGeom prst="downArrow">
+            <a:avLst/>
+          </a:prstGeom>
+        </p:spPr>
+        <p:style>
+          <a:lnRef idx="2">
+            <a:schemeClr val="accent1">
+              <a:shade val="15000"/>
+            </a:schemeClr>
+          </a:lnRef>
+          <a:fillRef idx="1">
+            <a:schemeClr val="accent1"/>
+          </a:fillRef>
+          <a:effectRef idx="0">
+            <a:schemeClr val="accent1"/>
+          </a:effectRef>
+          <a:fontRef idx="minor">
+            <a:schemeClr val="lt1"/>
+          </a:fontRef>
+        </p:style>
+        <p:txBody>
+          <a:bodyPr rtlCol="0" anchor="ctr"/>
+          <a:lstStyle/>
+          <a:p>
+            <a:pPr algn="ctr"/>
+            <a:endParaRPr lang="fr-BE"/>
           </a:p>
         </p:txBody>
       </p:sp>
@@ -4448,7 +4685,7 @@
 </p:sld>
 </file>
 
-<file path=ppt/slides/slide7.xml><?xml version="1.0" encoding="utf-8"?>
+<file path=ppt/slides/slide5.xml><?xml version="1.0" encoding="utf-8"?>
 <p:sld xmlns:a="http://schemas.openxmlformats.org/drawingml/2006/main" xmlns:r="http://schemas.openxmlformats.org/officeDocument/2006/relationships" xmlns:p="http://schemas.openxmlformats.org/presentationml/2006/main">
   <p:cSld>
     <p:spTree>
@@ -4487,7 +4724,7 @@
         </p:blipFill>
         <p:spPr>
           <a:xfrm>
-            <a:off x="3441072" y="0"/>
+            <a:off x="5290411" y="8467"/>
             <a:ext cx="6901589" cy="6858000"/>
           </a:xfrm>
           <a:prstGeom prst="rect">
@@ -4597,8 +4834,8 @@
         </p:nvSpPr>
         <p:spPr>
           <a:xfrm>
-            <a:off x="95798" y="1625600"/>
-            <a:ext cx="2351069" cy="5593839"/>
+            <a:off x="578398" y="1625600"/>
+            <a:ext cx="3917402" cy="2492990"/>
           </a:xfrm>
           <a:prstGeom prst="rect">
             <a:avLst/>
@@ -4612,9 +4849,9 @@
           <a:lstStyle/>
           <a:p>
             <a:r>
-              <a:rPr lang="fr-BE" sz="3250" dirty="0">
+              <a:rPr lang="fr-BE" sz="2600" dirty="0">
                 <a:solidFill>
-                  <a:srgbClr val="76B9FF"/>
+                  <a:schemeClr val="bg1"/>
                 </a:solidFill>
                 <a:latin typeface="Aptos" panose="020B0004020202020204" pitchFamily="34" charset="0"/>
                 <a:ea typeface="Roboto Slab" pitchFamily="34" charset="-122"/>
@@ -4625,9 +4862,9 @@
           </a:p>
           <a:p>
             <a:r>
-              <a:rPr lang="fr-BE" sz="3250" dirty="0">
+              <a:rPr lang="fr-BE" sz="2600" dirty="0">
                 <a:solidFill>
-                  <a:srgbClr val="76B9FF"/>
+                  <a:schemeClr val="bg1"/>
                 </a:solidFill>
                 <a:latin typeface="Aptos" panose="020B0004020202020204" pitchFamily="34" charset="0"/>
                 <a:ea typeface="Roboto Slab" pitchFamily="34" charset="-122"/>
@@ -4636,9 +4873,9 @@
               <a:t>SP : </a:t>
             </a:r>
             <a:r>
-              <a:rPr lang="fr-BE" sz="3250" dirty="0" err="1">
+              <a:rPr lang="fr-BE" sz="2600" dirty="0" err="1">
                 <a:solidFill>
-                  <a:srgbClr val="76B9FF"/>
+                  <a:schemeClr val="bg1"/>
                 </a:solidFill>
                 <a:latin typeface="Aptos" panose="020B0004020202020204" pitchFamily="34" charset="0"/>
                 <a:ea typeface="Roboto Slab" pitchFamily="34" charset="-122"/>
@@ -4647,9 +4884,9 @@
               <a:t>Sense</a:t>
             </a:r>
             <a:r>
-              <a:rPr lang="fr-BE" sz="3250" dirty="0">
+              <a:rPr lang="fr-BE" sz="2600" dirty="0">
                 <a:solidFill>
-                  <a:srgbClr val="76B9FF"/>
+                  <a:schemeClr val="bg1"/>
                 </a:solidFill>
                 <a:latin typeface="Aptos" panose="020B0004020202020204" pitchFamily="34" charset="0"/>
                 <a:ea typeface="Roboto Slab" pitchFamily="34" charset="-122"/>
@@ -4660,9 +4897,9 @@
           </a:p>
           <a:p>
             <a:r>
-              <a:rPr lang="fr-BE" sz="3250" dirty="0">
+              <a:rPr lang="fr-BE" sz="2600" dirty="0">
                 <a:solidFill>
-                  <a:srgbClr val="76B9FF"/>
+                  <a:schemeClr val="bg1"/>
                 </a:solidFill>
                 <a:latin typeface="Aptos" panose="020B0004020202020204" pitchFamily="34" charset="0"/>
                 <a:ea typeface="Roboto Slab" pitchFamily="34" charset="-122"/>
@@ -4671,9 +4908,9 @@
               <a:t>SPP : </a:t>
             </a:r>
             <a:r>
-              <a:rPr lang="fr-BE" sz="3250" dirty="0" err="1">
+              <a:rPr lang="fr-BE" sz="2600" dirty="0" err="1">
                 <a:solidFill>
-                  <a:srgbClr val="76B9FF"/>
+                  <a:schemeClr val="bg1"/>
                 </a:solidFill>
                 <a:latin typeface="Aptos" panose="020B0004020202020204" pitchFamily="34" charset="0"/>
                 <a:ea typeface="Roboto Slab" pitchFamily="34" charset="-122"/>
@@ -4682,9 +4919,9 @@
               <a:t>Species</a:t>
             </a:r>
             <a:r>
-              <a:rPr lang="fr-BE" sz="3250" dirty="0">
+              <a:rPr lang="fr-BE" sz="2600" dirty="0">
                 <a:solidFill>
-                  <a:srgbClr val="76B9FF"/>
+                  <a:schemeClr val="bg1"/>
                 </a:solidFill>
                 <a:latin typeface="Aptos" panose="020B0004020202020204" pitchFamily="34" charset="0"/>
                 <a:ea typeface="Roboto Slab" pitchFamily="34" charset="-122"/>
@@ -4695,33 +4932,20 @@
           </a:p>
           <a:p>
             <a:r>
-              <a:rPr lang="fr-BE" sz="3250" dirty="0">
+              <a:rPr lang="fr-BE" sz="2600" dirty="0">
                 <a:solidFill>
-                  <a:srgbClr val="76B9FF"/>
+                  <a:schemeClr val="bg1"/>
                 </a:solidFill>
                 <a:latin typeface="Aptos" panose="020B0004020202020204" pitchFamily="34" charset="0"/>
                 <a:ea typeface="Roboto Slab" pitchFamily="34" charset="-122"/>
                 <a:cs typeface="Roboto Slab" pitchFamily="34" charset="-120"/>
               </a:rPr>
-              <a:t>AO : </a:t>
-            </a:r>
-          </a:p>
-          <a:p>
-            <a:r>
-              <a:rPr lang="fr-BE" sz="3250" dirty="0">
+              <a:t>AO : Artisanal </a:t>
+            </a:r>
+            <a:r>
+              <a:rPr lang="fr-BE" sz="2600" dirty="0" err="1">
                 <a:solidFill>
-                  <a:srgbClr val="76B9FF"/>
-                </a:solidFill>
-                <a:latin typeface="Aptos" panose="020B0004020202020204" pitchFamily="34" charset="0"/>
-                <a:ea typeface="Roboto Slab" pitchFamily="34" charset="-122"/>
-                <a:cs typeface="Roboto Slab" pitchFamily="34" charset="-120"/>
-              </a:rPr>
-              <a:t>Artisanal </a:t>
-            </a:r>
-            <a:r>
-              <a:rPr lang="fr-BE" sz="3250" dirty="0" err="1">
-                <a:solidFill>
-                  <a:srgbClr val="76B9FF"/>
+                  <a:schemeClr val="bg1"/>
                 </a:solidFill>
                 <a:latin typeface="Aptos" panose="020B0004020202020204" pitchFamily="34" charset="0"/>
                 <a:ea typeface="Roboto Slab" pitchFamily="34" charset="-122"/>
@@ -4729,7 +4953,17 @@
               </a:rPr>
               <a:t>Fisheries</a:t>
             </a:r>
-            <a:endParaRPr lang="fr-BE" sz="3250" dirty="0">
+            <a:endParaRPr lang="fr-BE" sz="2600" dirty="0">
+              <a:solidFill>
+                <a:schemeClr val="bg1"/>
+              </a:solidFill>
+              <a:latin typeface="Aptos" panose="020B0004020202020204" pitchFamily="34" charset="0"/>
+              <a:ea typeface="Roboto Slab" pitchFamily="34" charset="-122"/>
+              <a:cs typeface="Roboto Slab" pitchFamily="34" charset="-120"/>
+            </a:endParaRPr>
+          </a:p>
+          <a:p>
+            <a:endParaRPr lang="fr-BE" sz="2600" dirty="0">
               <a:solidFill>
                 <a:srgbClr val="76B9FF"/>
               </a:solidFill>
@@ -4739,17 +4973,7 @@
             </a:endParaRPr>
           </a:p>
           <a:p>
-            <a:endParaRPr lang="fr-BE" sz="3250" dirty="0">
-              <a:solidFill>
-                <a:srgbClr val="76B9FF"/>
-              </a:solidFill>
-              <a:latin typeface="Aptos" panose="020B0004020202020204" pitchFamily="34" charset="0"/>
-              <a:ea typeface="Roboto Slab" pitchFamily="34" charset="-122"/>
-              <a:cs typeface="Roboto Slab" pitchFamily="34" charset="-120"/>
-            </a:endParaRPr>
-          </a:p>
-          <a:p>
-            <a:endParaRPr lang="fr-BE" sz="3250" dirty="0">
+            <a:endParaRPr lang="fr-BE" sz="2600" dirty="0">
               <a:solidFill>
                 <a:srgbClr val="76B9FF"/>
               </a:solidFill>

--- a/presentation.pptx
+++ b/presentation.pptx
@@ -5,14 +5,15 @@
     <p:sldMasterId id="2147483660" r:id="rId1"/>
   </p:sldMasterIdLst>
   <p:notesMasterIdLst>
-    <p:notesMasterId r:id="rId7"/>
+    <p:notesMasterId r:id="rId8"/>
   </p:notesMasterIdLst>
   <p:sldIdLst>
     <p:sldId id="257" r:id="rId2"/>
     <p:sldId id="258" r:id="rId3"/>
     <p:sldId id="260" r:id="rId4"/>
-    <p:sldId id="264" r:id="rId5"/>
-    <p:sldId id="263" r:id="rId6"/>
+    <p:sldId id="265" r:id="rId5"/>
+    <p:sldId id="264" r:id="rId6"/>
+    <p:sldId id="263" r:id="rId7"/>
   </p:sldIdLst>
   <p:sldSz cx="12192000" cy="6858000"/>
   <p:notesSz cx="6858000" cy="9144000"/>
@@ -119,12 +120,20 @@
 </p:presentation>
 </file>
 
+<file path=ppt/revisionInfo.xml><?xml version="1.0" encoding="utf-8"?>
+<p1510:revInfo xmlns:a="http://schemas.openxmlformats.org/drawingml/2006/main" xmlns:r="http://schemas.openxmlformats.org/officeDocument/2006/relationships" xmlns:p1510="http://schemas.microsoft.com/office/powerpoint/2015/10/main">
+  <p1510:revLst>
+    <p1510:client id="{E5BFC6F2-025C-4D7F-B57D-33178E4C8CF9}" v="11" dt="2025-11-12T14:41:56.229"/>
+  </p1510:revLst>
+</p1510:revInfo>
+</file>
+
 <file path=ppt/changesInfos/changesInfo1.xml><?xml version="1.0" encoding="utf-8"?>
 <pc:chgInfo xmlns:a="http://schemas.openxmlformats.org/drawingml/2006/main" xmlns:r="http://schemas.openxmlformats.org/officeDocument/2006/relationships" xmlns:ac="http://schemas.microsoft.com/office/drawing/2013/main/command" xmlns:pc="http://schemas.microsoft.com/office/powerpoint/2013/main/command">
   <pc:docChgLst>
     <pc:chgData name="Sophie Y." userId="f34e18bc73d4dbe8" providerId="LiveId" clId="{B14A4A8B-8448-4D27-9AA0-551459E1DFA5}"/>
-    <pc:docChg chg="undo custSel delSld modSld">
-      <pc:chgData name="Sophie Y." userId="f34e18bc73d4dbe8" providerId="LiveId" clId="{B14A4A8B-8448-4D27-9AA0-551459E1DFA5}" dt="2025-11-12T14:29:15.143" v="214" actId="1076"/>
+    <pc:docChg chg="undo custSel addSld delSld modSld">
+      <pc:chgData name="Sophie Y." userId="f34e18bc73d4dbe8" providerId="LiveId" clId="{B14A4A8B-8448-4D27-9AA0-551459E1DFA5}" dt="2025-11-12T14:42:06.597" v="514" actId="478"/>
       <pc:docMkLst>
         <pc:docMk/>
       </pc:docMkLst>
@@ -144,13 +153,13 @@
         </pc:spChg>
       </pc:sldChg>
       <pc:sldChg chg="modSp mod">
-        <pc:chgData name="Sophie Y." userId="f34e18bc73d4dbe8" providerId="LiveId" clId="{B14A4A8B-8448-4D27-9AA0-551459E1DFA5}" dt="2025-11-12T14:28:12.261" v="195" actId="14100"/>
+        <pc:chgData name="Sophie Y." userId="f34e18bc73d4dbe8" providerId="LiveId" clId="{B14A4A8B-8448-4D27-9AA0-551459E1DFA5}" dt="2025-11-12T14:36:44.466" v="358" actId="2711"/>
         <pc:sldMkLst>
           <pc:docMk/>
           <pc:sldMk cId="857892202" sldId="258"/>
         </pc:sldMkLst>
         <pc:spChg chg="mod">
-          <ac:chgData name="Sophie Y." userId="f34e18bc73d4dbe8" providerId="LiveId" clId="{B14A4A8B-8448-4D27-9AA0-551459E1DFA5}" dt="2025-11-12T14:28:12.261" v="195" actId="14100"/>
+          <ac:chgData name="Sophie Y." userId="f34e18bc73d4dbe8" providerId="LiveId" clId="{B14A4A8B-8448-4D27-9AA0-551459E1DFA5}" dt="2025-11-12T14:36:44.466" v="358" actId="2711"/>
           <ac:spMkLst>
             <pc:docMk/>
             <pc:sldMk cId="857892202" sldId="258"/>
@@ -165,6 +174,61 @@
           <pc:sldMk cId="2554432822" sldId="259"/>
         </pc:sldMkLst>
       </pc:sldChg>
+      <pc:sldChg chg="addSp delSp modSp mod">
+        <pc:chgData name="Sophie Y." userId="f34e18bc73d4dbe8" providerId="LiveId" clId="{B14A4A8B-8448-4D27-9AA0-551459E1DFA5}" dt="2025-11-12T14:42:06.597" v="514" actId="478"/>
+        <pc:sldMkLst>
+          <pc:docMk/>
+          <pc:sldMk cId="13598123" sldId="260"/>
+        </pc:sldMkLst>
+        <pc:spChg chg="mod">
+          <ac:chgData name="Sophie Y." userId="f34e18bc73d4dbe8" providerId="LiveId" clId="{B14A4A8B-8448-4D27-9AA0-551459E1DFA5}" dt="2025-11-12T14:33:17.008" v="349" actId="20577"/>
+          <ac:spMkLst>
+            <pc:docMk/>
+            <pc:sldMk cId="13598123" sldId="260"/>
+            <ac:spMk id="2" creationId="{CD8B2CB2-2AD7-D6EF-7260-606F1AB756EB}"/>
+          </ac:spMkLst>
+        </pc:spChg>
+        <pc:spChg chg="add del mod">
+          <ac:chgData name="Sophie Y." userId="f34e18bc73d4dbe8" providerId="LiveId" clId="{B14A4A8B-8448-4D27-9AA0-551459E1DFA5}" dt="2025-11-12T14:42:06.597" v="514" actId="478"/>
+          <ac:spMkLst>
+            <pc:docMk/>
+            <pc:sldMk cId="13598123" sldId="260"/>
+            <ac:spMk id="9" creationId="{5D73F816-64C0-5F7B-9FD7-449D40526B1A}"/>
+          </ac:spMkLst>
+        </pc:spChg>
+        <pc:spChg chg="add mod">
+          <ac:chgData name="Sophie Y." userId="f34e18bc73d4dbe8" providerId="LiveId" clId="{B14A4A8B-8448-4D27-9AA0-551459E1DFA5}" dt="2025-11-12T14:42:00.194" v="513" actId="6549"/>
+          <ac:spMkLst>
+            <pc:docMk/>
+            <pc:sldMk cId="13598123" sldId="260"/>
+            <ac:spMk id="10" creationId="{9BB1C519-B44A-0817-D637-D5B9FAB35EA0}"/>
+          </ac:spMkLst>
+        </pc:spChg>
+        <pc:picChg chg="add mod modCrop">
+          <ac:chgData name="Sophie Y." userId="f34e18bc73d4dbe8" providerId="LiveId" clId="{B14A4A8B-8448-4D27-9AA0-551459E1DFA5}" dt="2025-11-12T14:41:30.134" v="507" actId="1076"/>
+          <ac:picMkLst>
+            <pc:docMk/>
+            <pc:sldMk cId="13598123" sldId="260"/>
+            <ac:picMk id="4" creationId="{B1CC21BC-83A8-52EF-0F04-40F2212BEA9E}"/>
+          </ac:picMkLst>
+        </pc:picChg>
+        <pc:picChg chg="add mod modCrop">
+          <ac:chgData name="Sophie Y." userId="f34e18bc73d4dbe8" providerId="LiveId" clId="{B14A4A8B-8448-4D27-9AA0-551459E1DFA5}" dt="2025-11-12T14:41:28.650" v="506" actId="1076"/>
+          <ac:picMkLst>
+            <pc:docMk/>
+            <pc:sldMk cId="13598123" sldId="260"/>
+            <ac:picMk id="6" creationId="{BFCE48C6-E597-A282-A0C1-34926BDAE428}"/>
+          </ac:picMkLst>
+        </pc:picChg>
+        <pc:picChg chg="add del mod">
+          <ac:chgData name="Sophie Y." userId="f34e18bc73d4dbe8" providerId="LiveId" clId="{B14A4A8B-8448-4D27-9AA0-551459E1DFA5}" dt="2025-11-12T14:39:54.601" v="434" actId="21"/>
+          <ac:picMkLst>
+            <pc:docMk/>
+            <pc:sldMk cId="13598123" sldId="260"/>
+            <ac:picMk id="8" creationId="{46D48D12-55E9-EBD9-ED5D-08A2CC0EC2B2}"/>
+          </ac:picMkLst>
+        </pc:picChg>
+      </pc:sldChg>
       <pc:sldChg chg="del">
         <pc:chgData name="Sophie Y." userId="f34e18bc73d4dbe8" providerId="LiveId" clId="{B14A4A8B-8448-4D27-9AA0-551459E1DFA5}" dt="2025-11-12T14:26:58.455" v="182" actId="2696"/>
         <pc:sldMkLst>
@@ -172,14 +236,22 @@
           <pc:sldMk cId="1165090437" sldId="261"/>
         </pc:sldMkLst>
       </pc:sldChg>
-      <pc:sldChg chg="modSp mod">
-        <pc:chgData name="Sophie Y." userId="f34e18bc73d4dbe8" providerId="LiveId" clId="{B14A4A8B-8448-4D27-9AA0-551459E1DFA5}" dt="2025-11-12T14:29:15.143" v="214" actId="1076"/>
+      <pc:sldChg chg="addSp modSp mod">
+        <pc:chgData name="Sophie Y." userId="f34e18bc73d4dbe8" providerId="LiveId" clId="{B14A4A8B-8448-4D27-9AA0-551459E1DFA5}" dt="2025-11-12T14:37:17.180" v="414" actId="108"/>
         <pc:sldMkLst>
           <pc:docMk/>
           <pc:sldMk cId="4012573386" sldId="263"/>
         </pc:sldMkLst>
+        <pc:spChg chg="add mod">
+          <ac:chgData name="Sophie Y." userId="f34e18bc73d4dbe8" providerId="LiveId" clId="{B14A4A8B-8448-4D27-9AA0-551459E1DFA5}" dt="2025-11-12T14:32:12.420" v="266" actId="208"/>
+          <ac:spMkLst>
+            <pc:docMk/>
+            <pc:sldMk cId="4012573386" sldId="263"/>
+            <ac:spMk id="2" creationId="{37016B69-0664-2B32-AA2B-D92073BDFDCF}"/>
+          </ac:spMkLst>
+        </pc:spChg>
         <pc:spChg chg="mod">
-          <ac:chgData name="Sophie Y." userId="f34e18bc73d4dbe8" providerId="LiveId" clId="{B14A4A8B-8448-4D27-9AA0-551459E1DFA5}" dt="2025-11-12T14:29:15.143" v="214" actId="1076"/>
+          <ac:chgData name="Sophie Y." userId="f34e18bc73d4dbe8" providerId="LiveId" clId="{B14A4A8B-8448-4D27-9AA0-551459E1DFA5}" dt="2025-11-12T14:37:17.180" v="414" actId="108"/>
           <ac:spMkLst>
             <pc:docMk/>
             <pc:sldMk cId="4012573386" sldId="263"/>
@@ -196,7 +268,7 @@
         </pc:picChg>
       </pc:sldChg>
       <pc:sldChg chg="addSp modSp mod">
-        <pc:chgData name="Sophie Y." userId="f34e18bc73d4dbe8" providerId="LiveId" clId="{B14A4A8B-8448-4D27-9AA0-551459E1DFA5}" dt="2025-11-12T14:28:43.902" v="206" actId="1076"/>
+        <pc:chgData name="Sophie Y." userId="f34e18bc73d4dbe8" providerId="LiveId" clId="{B14A4A8B-8448-4D27-9AA0-551459E1DFA5}" dt="2025-11-12T14:36:39.529" v="357" actId="403"/>
         <pc:sldMkLst>
           <pc:docMk/>
           <pc:sldMk cId="97141928" sldId="264"/>
@@ -226,7 +298,7 @@
           </ac:spMkLst>
         </pc:spChg>
         <pc:graphicFrameChg chg="mod modGraphic">
-          <ac:chgData name="Sophie Y." userId="f34e18bc73d4dbe8" providerId="LiveId" clId="{B14A4A8B-8448-4D27-9AA0-551459E1DFA5}" dt="2025-11-12T14:28:20.986" v="199" actId="1076"/>
+          <ac:chgData name="Sophie Y." userId="f34e18bc73d4dbe8" providerId="LiveId" clId="{B14A4A8B-8448-4D27-9AA0-551459E1DFA5}" dt="2025-11-12T14:36:39.529" v="357" actId="403"/>
           <ac:graphicFrameMkLst>
             <pc:docMk/>
             <pc:sldMk cId="97141928" sldId="264"/>
@@ -239,6 +311,69 @@
             <pc:docMk/>
             <pc:sldMk cId="97141928" sldId="264"/>
             <ac:picMk id="5" creationId="{DF38047E-8583-F28E-2A93-78E305FBF795}"/>
+          </ac:picMkLst>
+        </pc:picChg>
+      </pc:sldChg>
+      <pc:sldChg chg="addSp delSp modSp new mod">
+        <pc:chgData name="Sophie Y." userId="f34e18bc73d4dbe8" providerId="LiveId" clId="{B14A4A8B-8448-4D27-9AA0-551459E1DFA5}" dt="2025-11-12T14:41:24.174" v="505" actId="20577"/>
+        <pc:sldMkLst>
+          <pc:docMk/>
+          <pc:sldMk cId="1486701638" sldId="265"/>
+        </pc:sldMkLst>
+        <pc:spChg chg="add del">
+          <ac:chgData name="Sophie Y." userId="f34e18bc73d4dbe8" providerId="LiveId" clId="{B14A4A8B-8448-4D27-9AA0-551459E1DFA5}" dt="2025-11-12T14:34:01.940" v="352" actId="478"/>
+          <ac:spMkLst>
+            <pc:docMk/>
+            <pc:sldMk cId="1486701638" sldId="265"/>
+            <ac:spMk id="3" creationId="{A40322A9-848C-F07F-608C-B9E57150A4F3}"/>
+          </ac:spMkLst>
+        </pc:spChg>
+        <pc:spChg chg="add del">
+          <ac:chgData name="Sophie Y." userId="f34e18bc73d4dbe8" providerId="LiveId" clId="{B14A4A8B-8448-4D27-9AA0-551459E1DFA5}" dt="2025-11-12T14:40:07.984" v="440" actId="22"/>
+          <ac:spMkLst>
+            <pc:docMk/>
+            <pc:sldMk cId="1486701638" sldId="265"/>
+            <ac:spMk id="5" creationId="{2FB1B1D7-C07F-94CF-C6D4-E457309237E7}"/>
+          </ac:spMkLst>
+        </pc:spChg>
+        <pc:spChg chg="add mod">
+          <ac:chgData name="Sophie Y." userId="f34e18bc73d4dbe8" providerId="LiveId" clId="{B14A4A8B-8448-4D27-9AA0-551459E1DFA5}" dt="2025-11-12T14:40:26.367" v="469" actId="14100"/>
+          <ac:spMkLst>
+            <pc:docMk/>
+            <pc:sldMk cId="1486701638" sldId="265"/>
+            <ac:spMk id="7" creationId="{658D30AC-9FC4-2FAB-090E-8CD1C658FC91}"/>
+          </ac:spMkLst>
+        </pc:spChg>
+        <pc:spChg chg="add mod">
+          <ac:chgData name="Sophie Y." userId="f34e18bc73d4dbe8" providerId="LiveId" clId="{B14A4A8B-8448-4D27-9AA0-551459E1DFA5}" dt="2025-11-12T14:40:39.265" v="474" actId="14100"/>
+          <ac:spMkLst>
+            <pc:docMk/>
+            <pc:sldMk cId="1486701638" sldId="265"/>
+            <ac:spMk id="9" creationId="{A3AA2A0C-2406-0F54-5F05-ECBFF4F5D70A}"/>
+          </ac:spMkLst>
+        </pc:spChg>
+        <pc:spChg chg="add mod">
+          <ac:chgData name="Sophie Y." userId="f34e18bc73d4dbe8" providerId="LiveId" clId="{B14A4A8B-8448-4D27-9AA0-551459E1DFA5}" dt="2025-11-12T14:41:24.174" v="505" actId="20577"/>
+          <ac:spMkLst>
+            <pc:docMk/>
+            <pc:sldMk cId="1486701638" sldId="265"/>
+            <ac:spMk id="10" creationId="{7786670B-FA37-798D-4780-F5DD2B5DC9FF}"/>
+          </ac:spMkLst>
+        </pc:spChg>
+        <pc:graphicFrameChg chg="add mod">
+          <ac:chgData name="Sophie Y." userId="f34e18bc73d4dbe8" providerId="LiveId" clId="{B14A4A8B-8448-4D27-9AA0-551459E1DFA5}" dt="2025-11-12T14:41:11.931" v="494"/>
+          <ac:graphicFrameMkLst>
+            <pc:docMk/>
+            <pc:sldMk cId="1486701638" sldId="265"/>
+            <ac:graphicFrameMk id="11" creationId="{8890A4A7-0BF2-5130-A9F3-9ACC0464D18F}"/>
+          </ac:graphicFrameMkLst>
+        </pc:graphicFrameChg>
+        <pc:picChg chg="add mod">
+          <ac:chgData name="Sophie Y." userId="f34e18bc73d4dbe8" providerId="LiveId" clId="{B14A4A8B-8448-4D27-9AA0-551459E1DFA5}" dt="2025-11-12T14:39:59.939" v="438" actId="1076"/>
+          <ac:picMkLst>
+            <pc:docMk/>
+            <pc:sldMk cId="1486701638" sldId="265"/>
+            <ac:picMk id="8" creationId="{46D48D12-55E9-EBD9-ED5D-08A2CC0EC2B2}"/>
           </ac:picMkLst>
         </pc:picChg>
       </pc:sldChg>
@@ -732,6 +867,126 @@
     <p:extLst>
       <p:ext uri="{BB962C8B-B14F-4D97-AF65-F5344CB8AC3E}">
         <p14:creationId xmlns:p14="http://schemas.microsoft.com/office/powerpoint/2010/main" val="1024086991"/>
+      </p:ext>
+    </p:extLst>
+  </p:cSld>
+  <p:clrMapOvr>
+    <a:masterClrMapping/>
+  </p:clrMapOvr>
+</p:notes>
+</file>
+
+<file path=ppt/notesSlides/notesSlide2.xml><?xml version="1.0" encoding="utf-8"?>
+<p:notes xmlns:a="http://schemas.openxmlformats.org/drawingml/2006/main" xmlns:r="http://schemas.openxmlformats.org/officeDocument/2006/relationships" xmlns:p="http://schemas.openxmlformats.org/presentationml/2006/main">
+  <p:cSld>
+    <p:spTree>
+      <p:nvGrpSpPr>
+        <p:cNvPr id="1" name=""/>
+        <p:cNvGrpSpPr/>
+        <p:nvPr/>
+      </p:nvGrpSpPr>
+      <p:grpSpPr>
+        <a:xfrm>
+          <a:off x="0" y="0"/>
+          <a:ext cx="0" cy="0"/>
+          <a:chOff x="0" y="0"/>
+          <a:chExt cx="0" cy="0"/>
+        </a:xfrm>
+      </p:grpSpPr>
+      <p:sp>
+        <p:nvSpPr>
+          <p:cNvPr id="2" name="Slide Image Placeholder 1"/>
+          <p:cNvSpPr>
+            <a:spLocks noGrp="1" noRot="1" noChangeAspect="1"/>
+          </p:cNvSpPr>
+          <p:nvPr>
+            <p:ph type="sldImg"/>
+          </p:nvPr>
+        </p:nvSpPr>
+        <p:spPr/>
+      </p:sp>
+      <p:sp>
+        <p:nvSpPr>
+          <p:cNvPr id="3" name="Notes Placeholder 2"/>
+          <p:cNvSpPr>
+            <a:spLocks noGrp="1"/>
+          </p:cNvSpPr>
+          <p:nvPr>
+            <p:ph type="body" idx="1"/>
+          </p:nvPr>
+        </p:nvSpPr>
+        <p:spPr/>
+        <p:txBody>
+          <a:bodyPr/>
+          <a:lstStyle/>
+          <a:p>
+            <a:r>
+              <a:rPr lang="en-GB" sz="1200" b="0" i="0" kern="1200" dirty="0">
+                <a:solidFill>
+                  <a:schemeClr val="tx1"/>
+                </a:solidFill>
+                <a:effectLst/>
+                <a:latin typeface="+mn-lt"/>
+                <a:ea typeface="+mn-ea"/>
+                <a:cs typeface="+mn-cs"/>
+              </a:rPr>
+              <a:t>The concept of Sense of Place is a </a:t>
+            </a:r>
+            <a:r>
+              <a:rPr lang="en-GB" sz="1200" b="1" i="0" kern="1200" dirty="0">
+                <a:solidFill>
+                  <a:schemeClr val="tx1"/>
+                </a:solidFill>
+                <a:effectLst/>
+                <a:latin typeface="+mn-lt"/>
+                <a:ea typeface="+mn-ea"/>
+                <a:cs typeface="+mn-cs"/>
+              </a:rPr>
+              <a:t>fundamental aspect of cultural geography</a:t>
+            </a:r>
+            <a:r>
+              <a:rPr lang="en-GB" sz="1200" b="0" i="0" kern="1200" dirty="0">
+                <a:solidFill>
+                  <a:schemeClr val="tx1"/>
+                </a:solidFill>
+                <a:effectLst/>
+                <a:latin typeface="+mn-lt"/>
+                <a:ea typeface="+mn-ea"/>
+                <a:cs typeface="+mn-cs"/>
+              </a:rPr>
+              <a:t>, influencing how humans experience and interact with their environments.</a:t>
+            </a:r>
+            <a:endParaRPr lang="fr-BE" dirty="0"/>
+          </a:p>
+        </p:txBody>
+      </p:sp>
+      <p:sp>
+        <p:nvSpPr>
+          <p:cNvPr id="4" name="Slide Number Placeholder 3"/>
+          <p:cNvSpPr>
+            <a:spLocks noGrp="1"/>
+          </p:cNvSpPr>
+          <p:nvPr>
+            <p:ph type="sldNum" sz="quarter" idx="5"/>
+          </p:nvPr>
+        </p:nvSpPr>
+        <p:spPr/>
+        <p:txBody>
+          <a:bodyPr/>
+          <a:lstStyle/>
+          <a:p>
+            <a:fld id="{FE2D1023-1CCC-4834-B965-F860580B7536}" type="slidenum">
+              <a:rPr lang="fr-BE" smtClean="0"/>
+              <a:t>6</a:t>
+            </a:fld>
+            <a:endParaRPr lang="fr-BE"/>
+          </a:p>
+        </p:txBody>
+      </p:sp>
+    </p:spTree>
+    <p:extLst>
+      <p:ext uri="{BB962C8B-B14F-4D97-AF65-F5344CB8AC3E}">
+        <p14:creationId xmlns:p14="http://schemas.microsoft.com/office/powerpoint/2010/main" val="1305442534"/>
       </p:ext>
     </p:extLst>
   </p:cSld>
@@ -2801,7 +3056,7 @@
         <p:spPr>
           <a:xfrm>
             <a:off x="634998" y="1304203"/>
-            <a:ext cx="11099801" cy="3046988"/>
+            <a:ext cx="11099801" cy="2554545"/>
           </a:xfrm>
           <a:prstGeom prst="rect">
             <a:avLst/>
@@ -2823,77 +3078,63 @@
                 <a:solidFill>
                   <a:schemeClr val="bg1"/>
                 </a:solidFill>
-              </a:rPr>
-              <a:t>Identify</a:t>
+                <a:latin typeface="Roboto" panose="02000000000000000000" pitchFamily="2" charset="0"/>
+                <a:ea typeface="Roboto" panose="02000000000000000000" pitchFamily="2" charset="0"/>
+                <a:cs typeface="Roboto" panose="02000000000000000000" pitchFamily="2" charset="0"/>
+              </a:rPr>
+              <a:t>Exploratory</a:t>
             </a:r>
             <a:r>
               <a:rPr lang="fr-BE" sz="3200" dirty="0">
                 <a:solidFill>
                   <a:schemeClr val="bg1"/>
                 </a:solidFill>
-              </a:rPr>
-              <a:t> key </a:t>
+                <a:latin typeface="Roboto" panose="02000000000000000000" pitchFamily="2" charset="0"/>
+                <a:ea typeface="Roboto" panose="02000000000000000000" pitchFamily="2" charset="0"/>
+                <a:cs typeface="Roboto" panose="02000000000000000000" pitchFamily="2" charset="0"/>
+              </a:rPr>
+              <a:t> Data </a:t>
             </a:r>
             <a:r>
               <a:rPr lang="fr-BE" sz="3200" dirty="0" err="1">
                 <a:solidFill>
                   <a:schemeClr val="bg1"/>
                 </a:solidFill>
-              </a:rPr>
-              <a:t>contributing</a:t>
+                <a:latin typeface="Roboto" panose="02000000000000000000" pitchFamily="2" charset="0"/>
+                <a:ea typeface="Roboto" panose="02000000000000000000" pitchFamily="2" charset="0"/>
+                <a:cs typeface="Roboto" panose="02000000000000000000" pitchFamily="2" charset="0"/>
+              </a:rPr>
+              <a:t>Analysis</a:t>
             </a:r>
             <a:r>
               <a:rPr lang="fr-BE" sz="3200" dirty="0">
                 <a:solidFill>
                   <a:schemeClr val="bg1"/>
                 </a:solidFill>
-              </a:rPr>
-              <a:t> </a:t>
+                <a:latin typeface="Roboto" panose="02000000000000000000" pitchFamily="2" charset="0"/>
+                <a:ea typeface="Roboto" panose="02000000000000000000" pitchFamily="2" charset="0"/>
+                <a:cs typeface="Roboto" panose="02000000000000000000" pitchFamily="2" charset="0"/>
+              </a:rPr>
+              <a:t> + </a:t>
             </a:r>
             <a:r>
               <a:rPr lang="fr-BE" sz="3200" dirty="0" err="1">
                 <a:solidFill>
                   <a:schemeClr val="bg1"/>
                 </a:solidFill>
-              </a:rPr>
-              <a:t>factors</a:t>
-            </a:r>
-            <a:r>
-              <a:rPr lang="fr-BE" sz="3200" dirty="0">
-                <a:solidFill>
-                  <a:schemeClr val="bg1"/>
-                </a:solidFill>
-              </a:rPr>
-              <a:t> </a:t>
-            </a:r>
-            <a:r>
-              <a:rPr lang="fr-BE" sz="3200" dirty="0" err="1">
-                <a:solidFill>
-                  <a:schemeClr val="bg1"/>
-                </a:solidFill>
-              </a:rPr>
-              <a:t>using</a:t>
-            </a:r>
-            <a:r>
-              <a:rPr lang="fr-BE" sz="3200" dirty="0">
-                <a:solidFill>
-                  <a:schemeClr val="bg1"/>
-                </a:solidFill>
-              </a:rPr>
-              <a:t> Principal Component </a:t>
-            </a:r>
-            <a:r>
-              <a:rPr lang="fr-BE" sz="3200" dirty="0" err="1">
-                <a:solidFill>
-                  <a:schemeClr val="bg1"/>
-                </a:solidFill>
-              </a:rPr>
-              <a:t>Analysis</a:t>
+                <a:latin typeface="Roboto" panose="02000000000000000000" pitchFamily="2" charset="0"/>
+                <a:ea typeface="Roboto" panose="02000000000000000000" pitchFamily="2" charset="0"/>
+                <a:cs typeface="Roboto" panose="02000000000000000000" pitchFamily="2" charset="0"/>
+              </a:rPr>
+              <a:t>cleaning</a:t>
             </a:r>
             <a:endParaRPr lang="fr-BE" sz="3200" dirty="0">
               <a:solidFill>
                 <a:schemeClr val="bg1"/>
               </a:solidFill>
+              <a:latin typeface="Roboto" panose="02000000000000000000" pitchFamily="2" charset="0"/>
+              <a:ea typeface="Roboto" panose="02000000000000000000" pitchFamily="2" charset="0"/>
+              <a:cs typeface="Roboto" panose="02000000000000000000" pitchFamily="2" charset="0"/>
             </a:endParaRPr>
           </a:p>
           <a:p>
@@ -2906,6 +3147,9 @@
                 <a:solidFill>
                   <a:schemeClr val="bg1"/>
                 </a:solidFill>
+                <a:latin typeface="Roboto" panose="02000000000000000000" pitchFamily="2" charset="0"/>
+                <a:ea typeface="Roboto" panose="02000000000000000000" pitchFamily="2" charset="0"/>
+                <a:cs typeface="Roboto" panose="02000000000000000000" pitchFamily="2" charset="0"/>
               </a:rPr>
               <a:t>Try </a:t>
             </a:r>
@@ -2914,6 +3158,9 @@
                 <a:solidFill>
                   <a:schemeClr val="bg1"/>
                 </a:solidFill>
+                <a:latin typeface="Roboto" panose="02000000000000000000" pitchFamily="2" charset="0"/>
+                <a:ea typeface="Roboto" panose="02000000000000000000" pitchFamily="2" charset="0"/>
+                <a:cs typeface="Roboto" panose="02000000000000000000" pitchFamily="2" charset="0"/>
               </a:rPr>
               <a:t>different</a:t>
             </a:r>
@@ -2922,6 +3169,9 @@
                 <a:solidFill>
                   <a:schemeClr val="bg1"/>
                 </a:solidFill>
+                <a:latin typeface="Roboto" panose="02000000000000000000" pitchFamily="2" charset="0"/>
+                <a:ea typeface="Roboto" panose="02000000000000000000" pitchFamily="2" charset="0"/>
+                <a:cs typeface="Roboto" panose="02000000000000000000" pitchFamily="2" charset="0"/>
               </a:rPr>
               <a:t> Machine Learning </a:t>
             </a:r>
@@ -2930,6 +3180,9 @@
                 <a:solidFill>
                   <a:schemeClr val="bg1"/>
                 </a:solidFill>
+                <a:latin typeface="Roboto" panose="02000000000000000000" pitchFamily="2" charset="0"/>
+                <a:ea typeface="Roboto" panose="02000000000000000000" pitchFamily="2" charset="0"/>
+                <a:cs typeface="Roboto" panose="02000000000000000000" pitchFamily="2" charset="0"/>
               </a:rPr>
               <a:t>Models</a:t>
             </a:r>
@@ -2938,6 +3191,9 @@
                 <a:solidFill>
                   <a:schemeClr val="bg1"/>
                 </a:solidFill>
+                <a:latin typeface="Roboto" panose="02000000000000000000" pitchFamily="2" charset="0"/>
+                <a:ea typeface="Roboto" panose="02000000000000000000" pitchFamily="2" charset="0"/>
+                <a:cs typeface="Roboto" panose="02000000000000000000" pitchFamily="2" charset="0"/>
               </a:rPr>
               <a:t> and optimise the </a:t>
             </a:r>
@@ -2946,6 +3202,9 @@
                 <a:solidFill>
                   <a:schemeClr val="bg1"/>
                 </a:solidFill>
+                <a:latin typeface="Roboto" panose="02000000000000000000" pitchFamily="2" charset="0"/>
+                <a:ea typeface="Roboto" panose="02000000000000000000" pitchFamily="2" charset="0"/>
+                <a:cs typeface="Roboto" panose="02000000000000000000" pitchFamily="2" charset="0"/>
               </a:rPr>
               <a:t>Models</a:t>
             </a:r>
@@ -2953,6 +3212,9 @@
               <a:solidFill>
                 <a:schemeClr val="bg1"/>
               </a:solidFill>
+              <a:latin typeface="Roboto" panose="02000000000000000000" pitchFamily="2" charset="0"/>
+              <a:ea typeface="Roboto" panose="02000000000000000000" pitchFamily="2" charset="0"/>
+              <a:cs typeface="Roboto" panose="02000000000000000000" pitchFamily="2" charset="0"/>
             </a:endParaRPr>
           </a:p>
           <a:p>
@@ -2965,6 +3227,9 @@
                 <a:solidFill>
                   <a:schemeClr val="bg1"/>
                 </a:solidFill>
+                <a:latin typeface="Roboto" panose="02000000000000000000" pitchFamily="2" charset="0"/>
+                <a:ea typeface="Roboto" panose="02000000000000000000" pitchFamily="2" charset="0"/>
+                <a:cs typeface="Roboto" panose="02000000000000000000" pitchFamily="2" charset="0"/>
               </a:rPr>
               <a:t>Identify</a:t>
             </a:r>
@@ -2973,6 +3238,9 @@
                 <a:solidFill>
                   <a:schemeClr val="bg1"/>
                 </a:solidFill>
+                <a:latin typeface="Roboto" panose="02000000000000000000" pitchFamily="2" charset="0"/>
+                <a:ea typeface="Roboto" panose="02000000000000000000" pitchFamily="2" charset="0"/>
+                <a:cs typeface="Roboto" panose="02000000000000000000" pitchFamily="2" charset="0"/>
               </a:rPr>
               <a:t> important </a:t>
             </a:r>
@@ -2981,6 +3249,9 @@
                 <a:solidFill>
                   <a:schemeClr val="bg1"/>
                 </a:solidFill>
+                <a:latin typeface="Roboto" panose="02000000000000000000" pitchFamily="2" charset="0"/>
+                <a:ea typeface="Roboto" panose="02000000000000000000" pitchFamily="2" charset="0"/>
+                <a:cs typeface="Roboto" panose="02000000000000000000" pitchFamily="2" charset="0"/>
               </a:rPr>
               <a:t>features</a:t>
             </a:r>
@@ -2988,6 +3259,9 @@
               <a:solidFill>
                 <a:schemeClr val="bg1"/>
               </a:solidFill>
+              <a:latin typeface="Roboto" panose="02000000000000000000" pitchFamily="2" charset="0"/>
+              <a:ea typeface="Roboto" panose="02000000000000000000" pitchFamily="2" charset="0"/>
+              <a:cs typeface="Roboto" panose="02000000000000000000" pitchFamily="2" charset="0"/>
             </a:endParaRPr>
           </a:p>
           <a:p>
@@ -3000,6 +3274,9 @@
                 <a:solidFill>
                   <a:schemeClr val="bg1"/>
                 </a:solidFill>
+                <a:latin typeface="Roboto" panose="02000000000000000000" pitchFamily="2" charset="0"/>
+                <a:ea typeface="Roboto" panose="02000000000000000000" pitchFamily="2" charset="0"/>
+                <a:cs typeface="Roboto" panose="02000000000000000000" pitchFamily="2" charset="0"/>
               </a:rPr>
               <a:t>Conclusions</a:t>
             </a:r>
@@ -3051,7 +3328,7 @@
         <p:spPr>
           <a:xfrm>
             <a:off x="245533" y="228600"/>
-            <a:ext cx="4740400" cy="592470"/>
+            <a:ext cx="11638122" cy="592470"/>
           </a:xfrm>
           <a:prstGeom prst="rect">
             <a:avLst/>
@@ -3065,7 +3342,7 @@
           <a:lstStyle/>
           <a:p>
             <a:r>
-              <a:rPr lang="fr-BE" sz="3250" dirty="0">
+              <a:rPr lang="fr-BE" sz="3250" dirty="0" err="1">
                 <a:solidFill>
                   <a:srgbClr val="76B9FF"/>
                 </a:solidFill>
@@ -3073,8 +3350,353 @@
                 <a:ea typeface="Roboto Slab" pitchFamily="34" charset="-122"/>
                 <a:cs typeface="Roboto Slab" pitchFamily="34" charset="-120"/>
               </a:rPr>
-              <a:t>PCA Data Visualisation</a:t>
-            </a:r>
+              <a:t>Exploratory</a:t>
+            </a:r>
+            <a:r>
+              <a:rPr lang="fr-BE" sz="3250" dirty="0">
+                <a:solidFill>
+                  <a:srgbClr val="76B9FF"/>
+                </a:solidFill>
+                <a:latin typeface="Roboto Slab" pitchFamily="34" charset="0"/>
+                <a:ea typeface="Roboto Slab" pitchFamily="34" charset="-122"/>
+                <a:cs typeface="Roboto Slab" pitchFamily="34" charset="-120"/>
+              </a:rPr>
+              <a:t> Data </a:t>
+            </a:r>
+            <a:r>
+              <a:rPr lang="fr-BE" sz="3250" dirty="0" err="1">
+                <a:solidFill>
+                  <a:srgbClr val="76B9FF"/>
+                </a:solidFill>
+                <a:latin typeface="Roboto Slab" pitchFamily="34" charset="0"/>
+                <a:ea typeface="Roboto Slab" pitchFamily="34" charset="-122"/>
+                <a:cs typeface="Roboto Slab" pitchFamily="34" charset="-120"/>
+              </a:rPr>
+              <a:t>Analysis</a:t>
+            </a:r>
+            <a:r>
+              <a:rPr lang="fr-BE" sz="3250" dirty="0">
+                <a:solidFill>
+                  <a:srgbClr val="76B9FF"/>
+                </a:solidFill>
+                <a:latin typeface="Roboto Slab" pitchFamily="34" charset="0"/>
+                <a:ea typeface="Roboto Slab" pitchFamily="34" charset="-122"/>
+                <a:cs typeface="Roboto Slab" pitchFamily="34" charset="-120"/>
+              </a:rPr>
+              <a:t> : </a:t>
+            </a:r>
+            <a:r>
+              <a:rPr lang="fr-BE" sz="3250" dirty="0" err="1">
+                <a:solidFill>
+                  <a:srgbClr val="76B9FF"/>
+                </a:solidFill>
+                <a:latin typeface="Roboto Slab" pitchFamily="34" charset="0"/>
+                <a:ea typeface="Roboto Slab" pitchFamily="34" charset="-122"/>
+                <a:cs typeface="Roboto Slab" pitchFamily="34" charset="-120"/>
+              </a:rPr>
+              <a:t>Principle</a:t>
+            </a:r>
+            <a:r>
+              <a:rPr lang="fr-BE" sz="3250" dirty="0">
+                <a:solidFill>
+                  <a:srgbClr val="76B9FF"/>
+                </a:solidFill>
+                <a:latin typeface="Roboto Slab" pitchFamily="34" charset="0"/>
+                <a:ea typeface="Roboto Slab" pitchFamily="34" charset="-122"/>
+                <a:cs typeface="Roboto Slab" pitchFamily="34" charset="-120"/>
+              </a:rPr>
+              <a:t> Component </a:t>
+            </a:r>
+            <a:r>
+              <a:rPr lang="fr-BE" sz="3250" dirty="0" err="1">
+                <a:solidFill>
+                  <a:srgbClr val="76B9FF"/>
+                </a:solidFill>
+                <a:latin typeface="Roboto Slab" pitchFamily="34" charset="0"/>
+                <a:ea typeface="Roboto Slab" pitchFamily="34" charset="-122"/>
+                <a:cs typeface="Roboto Slab" pitchFamily="34" charset="-120"/>
+              </a:rPr>
+              <a:t>Analysis</a:t>
+            </a:r>
+            <a:endParaRPr lang="fr-BE" sz="3250" dirty="0">
+              <a:solidFill>
+                <a:srgbClr val="76B9FF"/>
+              </a:solidFill>
+              <a:latin typeface="Roboto Slab" pitchFamily="34" charset="0"/>
+              <a:ea typeface="Roboto Slab" pitchFamily="34" charset="-122"/>
+              <a:cs typeface="Roboto Slab" pitchFamily="34" charset="-120"/>
+            </a:endParaRPr>
+          </a:p>
+        </p:txBody>
+      </p:sp>
+      <p:pic>
+        <p:nvPicPr>
+          <p:cNvPr id="4" name="Picture 3">
+            <a:extLst>
+              <a:ext uri="{FF2B5EF4-FFF2-40B4-BE49-F238E27FC236}">
+                <a16:creationId xmlns:a16="http://schemas.microsoft.com/office/drawing/2014/main" id="{B1CC21BC-83A8-52EF-0F04-40F2212BEA9E}"/>
+              </a:ext>
+            </a:extLst>
+          </p:cNvPr>
+          <p:cNvPicPr>
+            <a:picLocks noChangeAspect="1"/>
+          </p:cNvPicPr>
+          <p:nvPr/>
+        </p:nvPicPr>
+        <p:blipFill>
+          <a:blip r:embed="rId2"/>
+          <a:srcRect t="4281" r="47233"/>
+          <a:stretch>
+            <a:fillRect/>
+          </a:stretch>
+        </p:blipFill>
+        <p:spPr>
+          <a:xfrm>
+            <a:off x="1375796" y="818972"/>
+            <a:ext cx="3934612" cy="6036929"/>
+          </a:xfrm>
+          <a:prstGeom prst="rect">
+            <a:avLst/>
+          </a:prstGeom>
+        </p:spPr>
+      </p:pic>
+      <p:pic>
+        <p:nvPicPr>
+          <p:cNvPr id="6" name="Picture 5">
+            <a:extLst>
+              <a:ext uri="{FF2B5EF4-FFF2-40B4-BE49-F238E27FC236}">
+                <a16:creationId xmlns:a16="http://schemas.microsoft.com/office/drawing/2014/main" id="{BFCE48C6-E597-A282-A0C1-34926BDAE428}"/>
+              </a:ext>
+            </a:extLst>
+          </p:cNvPr>
+          <p:cNvPicPr>
+            <a:picLocks noChangeAspect="1"/>
+          </p:cNvPicPr>
+          <p:nvPr/>
+        </p:nvPicPr>
+        <p:blipFill>
+          <a:blip r:embed="rId2"/>
+          <a:srcRect l="87489" t="4281"/>
+          <a:stretch>
+            <a:fillRect/>
+          </a:stretch>
+        </p:blipFill>
+        <p:spPr>
+          <a:xfrm>
+            <a:off x="5310408" y="821069"/>
+            <a:ext cx="932912" cy="6036929"/>
+          </a:xfrm>
+          <a:prstGeom prst="rect">
+            <a:avLst/>
+          </a:prstGeom>
+        </p:spPr>
+      </p:pic>
+      <p:sp>
+        <p:nvSpPr>
+          <p:cNvPr id="10" name="TextBox 9">
+            <a:extLst>
+              <a:ext uri="{FF2B5EF4-FFF2-40B4-BE49-F238E27FC236}">
+                <a16:creationId xmlns:a16="http://schemas.microsoft.com/office/drawing/2014/main" id="{9BB1C519-B44A-0817-D637-D5B9FAB35EA0}"/>
+              </a:ext>
+            </a:extLst>
+          </p:cNvPr>
+          <p:cNvSpPr txBox="1"/>
+          <p:nvPr/>
+        </p:nvSpPr>
+        <p:spPr>
+          <a:xfrm>
+            <a:off x="8007420" y="1582340"/>
+            <a:ext cx="3917402" cy="3693319"/>
+          </a:xfrm>
+          <a:prstGeom prst="rect">
+            <a:avLst/>
+          </a:prstGeom>
+          <a:noFill/>
+        </p:spPr>
+        <p:txBody>
+          <a:bodyPr wrap="square" rtlCol="0">
+            <a:spAutoFit/>
+          </a:bodyPr>
+          <a:lstStyle/>
+          <a:p>
+            <a:r>
+              <a:rPr lang="fr-BE" sz="2600" dirty="0">
+                <a:solidFill>
+                  <a:schemeClr val="bg1"/>
+                </a:solidFill>
+                <a:latin typeface="Aptos" panose="020B0004020202020204" pitchFamily="34" charset="0"/>
+                <a:ea typeface="Roboto Slab" pitchFamily="34" charset="-122"/>
+                <a:cs typeface="Roboto Slab" pitchFamily="34" charset="-120"/>
+              </a:rPr>
+              <a:t>LIV : </a:t>
+            </a:r>
+            <a:r>
+              <a:rPr lang="fr-BE" sz="2600" dirty="0" err="1">
+                <a:solidFill>
+                  <a:schemeClr val="bg1"/>
+                </a:solidFill>
+                <a:latin typeface="Aptos" panose="020B0004020202020204" pitchFamily="34" charset="0"/>
+                <a:ea typeface="Roboto Slab" pitchFamily="34" charset="-122"/>
+                <a:cs typeface="Roboto Slab" pitchFamily="34" charset="-120"/>
+              </a:rPr>
+              <a:t>Livelihoods</a:t>
+            </a:r>
+            <a:endParaRPr lang="fr-BE" sz="2600" dirty="0">
+              <a:solidFill>
+                <a:schemeClr val="bg1"/>
+              </a:solidFill>
+              <a:latin typeface="Aptos" panose="020B0004020202020204" pitchFamily="34" charset="0"/>
+              <a:ea typeface="Roboto Slab" pitchFamily="34" charset="-122"/>
+              <a:cs typeface="Roboto Slab" pitchFamily="34" charset="-120"/>
+            </a:endParaRPr>
+          </a:p>
+          <a:p>
+            <a:r>
+              <a:rPr lang="fr-BE" sz="2600" dirty="0">
+                <a:solidFill>
+                  <a:schemeClr val="bg1"/>
+                </a:solidFill>
+                <a:latin typeface="Aptos" panose="020B0004020202020204" pitchFamily="34" charset="0"/>
+                <a:ea typeface="Roboto Slab" pitchFamily="34" charset="-122"/>
+                <a:cs typeface="Roboto Slab" pitchFamily="34" charset="-120"/>
+              </a:rPr>
+              <a:t>ECO : Economies</a:t>
+            </a:r>
+          </a:p>
+          <a:p>
+            <a:r>
+              <a:rPr lang="fr-BE" sz="2600" dirty="0">
+                <a:solidFill>
+                  <a:schemeClr val="bg1"/>
+                </a:solidFill>
+                <a:latin typeface="Aptos" panose="020B0004020202020204" pitchFamily="34" charset="0"/>
+                <a:ea typeface="Roboto Slab" pitchFamily="34" charset="-122"/>
+                <a:cs typeface="Roboto Slab" pitchFamily="34" charset="-120"/>
+              </a:rPr>
+              <a:t>SP : </a:t>
+            </a:r>
+            <a:r>
+              <a:rPr lang="fr-BE" sz="2600" dirty="0" err="1">
+                <a:solidFill>
+                  <a:schemeClr val="bg1"/>
+                </a:solidFill>
+                <a:latin typeface="Aptos" panose="020B0004020202020204" pitchFamily="34" charset="0"/>
+                <a:ea typeface="Roboto Slab" pitchFamily="34" charset="-122"/>
+                <a:cs typeface="Roboto Slab" pitchFamily="34" charset="-120"/>
+              </a:rPr>
+              <a:t>Sense</a:t>
+            </a:r>
+            <a:r>
+              <a:rPr lang="fr-BE" sz="2600" dirty="0">
+                <a:solidFill>
+                  <a:schemeClr val="bg1"/>
+                </a:solidFill>
+                <a:latin typeface="Aptos" panose="020B0004020202020204" pitchFamily="34" charset="0"/>
+                <a:ea typeface="Roboto Slab" pitchFamily="34" charset="-122"/>
+                <a:cs typeface="Roboto Slab" pitchFamily="34" charset="-120"/>
+              </a:rPr>
+              <a:t> of Place</a:t>
+            </a:r>
+          </a:p>
+          <a:p>
+            <a:r>
+              <a:rPr lang="fr-BE" sz="2600" dirty="0">
+                <a:solidFill>
+                  <a:schemeClr val="bg1"/>
+                </a:solidFill>
+                <a:latin typeface="Aptos" panose="020B0004020202020204" pitchFamily="34" charset="0"/>
+                <a:ea typeface="Roboto Slab" pitchFamily="34" charset="-122"/>
+                <a:cs typeface="Roboto Slab" pitchFamily="34" charset="-120"/>
+              </a:rPr>
+              <a:t>SPP : </a:t>
+            </a:r>
+            <a:r>
+              <a:rPr lang="fr-BE" sz="2600" dirty="0" err="1">
+                <a:solidFill>
+                  <a:schemeClr val="bg1"/>
+                </a:solidFill>
+                <a:latin typeface="Aptos" panose="020B0004020202020204" pitchFamily="34" charset="0"/>
+                <a:ea typeface="Roboto Slab" pitchFamily="34" charset="-122"/>
+                <a:cs typeface="Roboto Slab" pitchFamily="34" charset="-120"/>
+              </a:rPr>
+              <a:t>Species</a:t>
+            </a:r>
+            <a:r>
+              <a:rPr lang="fr-BE" sz="2600" dirty="0">
+                <a:solidFill>
+                  <a:schemeClr val="bg1"/>
+                </a:solidFill>
+                <a:latin typeface="Aptos" panose="020B0004020202020204" pitchFamily="34" charset="0"/>
+                <a:ea typeface="Roboto Slab" pitchFamily="34" charset="-122"/>
+                <a:cs typeface="Roboto Slab" pitchFamily="34" charset="-120"/>
+              </a:rPr>
+              <a:t> </a:t>
+            </a:r>
+          </a:p>
+          <a:p>
+            <a:r>
+              <a:rPr lang="fr-BE" sz="2600" dirty="0">
+                <a:solidFill>
+                  <a:schemeClr val="bg1"/>
+                </a:solidFill>
+                <a:latin typeface="Aptos" panose="020B0004020202020204" pitchFamily="34" charset="0"/>
+                <a:ea typeface="Roboto Slab" pitchFamily="34" charset="-122"/>
+                <a:cs typeface="Roboto Slab" pitchFamily="34" charset="-120"/>
+              </a:rPr>
+              <a:t>AO : Artisanal </a:t>
+            </a:r>
+            <a:r>
+              <a:rPr lang="fr-BE" sz="2600" dirty="0" err="1">
+                <a:solidFill>
+                  <a:schemeClr val="bg1"/>
+                </a:solidFill>
+                <a:latin typeface="Aptos" panose="020B0004020202020204" pitchFamily="34" charset="0"/>
+                <a:ea typeface="Roboto Slab" pitchFamily="34" charset="-122"/>
+                <a:cs typeface="Roboto Slab" pitchFamily="34" charset="-120"/>
+              </a:rPr>
+              <a:t>Fisheries</a:t>
+            </a:r>
+            <a:endParaRPr lang="fr-BE" sz="2600" dirty="0">
+              <a:solidFill>
+                <a:schemeClr val="bg1"/>
+              </a:solidFill>
+              <a:latin typeface="Aptos" panose="020B0004020202020204" pitchFamily="34" charset="0"/>
+              <a:ea typeface="Roboto Slab" pitchFamily="34" charset="-122"/>
+              <a:cs typeface="Roboto Slab" pitchFamily="34" charset="-120"/>
+            </a:endParaRPr>
+          </a:p>
+          <a:p>
+            <a:r>
+              <a:rPr lang="fr-BE" sz="2600" dirty="0">
+                <a:solidFill>
+                  <a:schemeClr val="bg1"/>
+                </a:solidFill>
+                <a:latin typeface="Aptos" panose="020B0004020202020204" pitchFamily="34" charset="0"/>
+                <a:ea typeface="Roboto Slab" pitchFamily="34" charset="-122"/>
+                <a:cs typeface="Roboto Slab" pitchFamily="34" charset="-120"/>
+              </a:rPr>
+              <a:t>Are_km2 : surface area in km²</a:t>
+            </a:r>
+          </a:p>
+          <a:p>
+            <a:endParaRPr lang="fr-BE" sz="2600" dirty="0">
+              <a:solidFill>
+                <a:srgbClr val="76B9FF"/>
+              </a:solidFill>
+              <a:latin typeface="Roboto Slab" pitchFamily="34" charset="0"/>
+              <a:ea typeface="Roboto Slab" pitchFamily="34" charset="-122"/>
+              <a:cs typeface="Roboto Slab" pitchFamily="34" charset="-120"/>
+            </a:endParaRPr>
+          </a:p>
+          <a:p>
+            <a:endParaRPr lang="fr-BE" sz="2600" dirty="0">
+              <a:solidFill>
+                <a:srgbClr val="76B9FF"/>
+              </a:solidFill>
+              <a:latin typeface="Roboto Slab" pitchFamily="34" charset="0"/>
+              <a:ea typeface="Roboto Slab" pitchFamily="34" charset="-122"/>
+              <a:cs typeface="Roboto Slab" pitchFamily="34" charset="-120"/>
+            </a:endParaRPr>
           </a:p>
         </p:txBody>
       </p:sp>
@@ -3092,6 +3714,382 @@
 </file>
 
 <file path=ppt/slides/slide4.xml><?xml version="1.0" encoding="utf-8"?>
+<p:sld xmlns:a="http://schemas.openxmlformats.org/drawingml/2006/main" xmlns:r="http://schemas.openxmlformats.org/officeDocument/2006/relationships" xmlns:p="http://schemas.openxmlformats.org/presentationml/2006/main">
+  <p:cSld>
+    <p:spTree>
+      <p:nvGrpSpPr>
+        <p:cNvPr id="1" name=""/>
+        <p:cNvGrpSpPr/>
+        <p:nvPr/>
+      </p:nvGrpSpPr>
+      <p:grpSpPr>
+        <a:xfrm>
+          <a:off x="0" y="0"/>
+          <a:ext cx="0" cy="0"/>
+          <a:chOff x="0" y="0"/>
+          <a:chExt cx="0" cy="0"/>
+        </a:xfrm>
+      </p:grpSpPr>
+      <p:pic>
+        <p:nvPicPr>
+          <p:cNvPr id="8" name="Picture 7">
+            <a:extLst>
+              <a:ext uri="{FF2B5EF4-FFF2-40B4-BE49-F238E27FC236}">
+                <a16:creationId xmlns:a16="http://schemas.microsoft.com/office/drawing/2014/main" id="{46D48D12-55E9-EBD9-ED5D-08A2CC0EC2B2}"/>
+              </a:ext>
+            </a:extLst>
+          </p:cNvPr>
+          <p:cNvPicPr>
+            <a:picLocks noChangeAspect="1"/>
+          </p:cNvPicPr>
+          <p:nvPr/>
+        </p:nvPicPr>
+        <p:blipFill>
+          <a:blip r:embed="rId2"/>
+          <a:stretch>
+            <a:fillRect/>
+          </a:stretch>
+        </p:blipFill>
+        <p:spPr>
+          <a:xfrm>
+            <a:off x="0" y="558738"/>
+            <a:ext cx="7701094" cy="6299262"/>
+          </a:xfrm>
+          <a:prstGeom prst="rect">
+            <a:avLst/>
+          </a:prstGeom>
+        </p:spPr>
+      </p:pic>
+      <p:sp>
+        <p:nvSpPr>
+          <p:cNvPr id="7" name="TextBox 6">
+            <a:extLst>
+              <a:ext uri="{FF2B5EF4-FFF2-40B4-BE49-F238E27FC236}">
+                <a16:creationId xmlns:a16="http://schemas.microsoft.com/office/drawing/2014/main" id="{658D30AC-9FC4-2FAB-090E-8CD1C658FC91}"/>
+              </a:ext>
+            </a:extLst>
+          </p:cNvPr>
+          <p:cNvSpPr txBox="1"/>
+          <p:nvPr/>
+        </p:nvSpPr>
+        <p:spPr>
+          <a:xfrm>
+            <a:off x="1398" y="0"/>
+            <a:ext cx="11072070" cy="592470"/>
+          </a:xfrm>
+          <a:prstGeom prst="rect">
+            <a:avLst/>
+          </a:prstGeom>
+          <a:noFill/>
+        </p:spPr>
+        <p:txBody>
+          <a:bodyPr wrap="square">
+            <a:spAutoFit/>
+          </a:bodyPr>
+          <a:lstStyle/>
+          <a:p>
+            <a:r>
+              <a:rPr lang="en-GB" sz="3250" dirty="0">
+                <a:solidFill>
+                  <a:srgbClr val="76B9FF"/>
+                </a:solidFill>
+                <a:latin typeface="Roboto Slab" pitchFamily="34" charset="0"/>
+                <a:ea typeface="Roboto Slab" pitchFamily="34" charset="-122"/>
+                <a:cs typeface="Roboto Slab" pitchFamily="34" charset="-120"/>
+              </a:rPr>
+              <a:t>Exploratory Data Analysis : Biplot of PC1 and PC3</a:t>
+            </a:r>
+          </a:p>
+        </p:txBody>
+      </p:sp>
+      <p:sp>
+        <p:nvSpPr>
+          <p:cNvPr id="9" name="Rectangle 8">
+            <a:extLst>
+              <a:ext uri="{FF2B5EF4-FFF2-40B4-BE49-F238E27FC236}">
+                <a16:creationId xmlns:a16="http://schemas.microsoft.com/office/drawing/2014/main" id="{A3AA2A0C-2406-0F54-5F05-ECBFF4F5D70A}"/>
+              </a:ext>
+            </a:extLst>
+          </p:cNvPr>
+          <p:cNvSpPr/>
+          <p:nvPr/>
+        </p:nvSpPr>
+        <p:spPr>
+          <a:xfrm>
+            <a:off x="2718033" y="2827090"/>
+            <a:ext cx="453006" cy="276837"/>
+          </a:xfrm>
+          <a:prstGeom prst="rect">
+            <a:avLst/>
+          </a:prstGeom>
+          <a:noFill/>
+          <a:ln>
+            <a:solidFill>
+              <a:srgbClr val="FF0000"/>
+            </a:solidFill>
+          </a:ln>
+        </p:spPr>
+        <p:style>
+          <a:lnRef idx="2">
+            <a:schemeClr val="accent1">
+              <a:shade val="15000"/>
+            </a:schemeClr>
+          </a:lnRef>
+          <a:fillRef idx="1">
+            <a:schemeClr val="accent1"/>
+          </a:fillRef>
+          <a:effectRef idx="0">
+            <a:schemeClr val="accent1"/>
+          </a:effectRef>
+          <a:fontRef idx="minor">
+            <a:schemeClr val="lt1"/>
+          </a:fontRef>
+        </p:style>
+        <p:txBody>
+          <a:bodyPr rtlCol="0" anchor="ctr"/>
+          <a:lstStyle/>
+          <a:p>
+            <a:pPr algn="ctr"/>
+            <a:endParaRPr lang="fr-BE"/>
+          </a:p>
+        </p:txBody>
+      </p:sp>
+      <p:sp>
+        <p:nvSpPr>
+          <p:cNvPr id="10" name="TextBox 9">
+            <a:extLst>
+              <a:ext uri="{FF2B5EF4-FFF2-40B4-BE49-F238E27FC236}">
+                <a16:creationId xmlns:a16="http://schemas.microsoft.com/office/drawing/2014/main" id="{7786670B-FA37-798D-4780-F5DD2B5DC9FF}"/>
+              </a:ext>
+            </a:extLst>
+          </p:cNvPr>
+          <p:cNvSpPr txBox="1"/>
+          <p:nvPr/>
+        </p:nvSpPr>
+        <p:spPr>
+          <a:xfrm>
+            <a:off x="8007420" y="1582340"/>
+            <a:ext cx="3917402" cy="4093428"/>
+          </a:xfrm>
+          <a:prstGeom prst="rect">
+            <a:avLst/>
+          </a:prstGeom>
+          <a:noFill/>
+        </p:spPr>
+        <p:txBody>
+          <a:bodyPr wrap="square" rtlCol="0">
+            <a:spAutoFit/>
+          </a:bodyPr>
+          <a:lstStyle/>
+          <a:p>
+            <a:r>
+              <a:rPr lang="fr-BE" sz="2600" dirty="0">
+                <a:solidFill>
+                  <a:schemeClr val="bg1"/>
+                </a:solidFill>
+                <a:latin typeface="Aptos" panose="020B0004020202020204" pitchFamily="34" charset="0"/>
+                <a:ea typeface="Roboto Slab" pitchFamily="34" charset="-122"/>
+                <a:cs typeface="Roboto Slab" pitchFamily="34" charset="-120"/>
+              </a:rPr>
+              <a:t>LIV : </a:t>
+            </a:r>
+            <a:r>
+              <a:rPr lang="fr-BE" sz="2600" dirty="0" err="1">
+                <a:solidFill>
+                  <a:schemeClr val="bg1"/>
+                </a:solidFill>
+                <a:latin typeface="Aptos" panose="020B0004020202020204" pitchFamily="34" charset="0"/>
+                <a:ea typeface="Roboto Slab" pitchFamily="34" charset="-122"/>
+                <a:cs typeface="Roboto Slab" pitchFamily="34" charset="-120"/>
+              </a:rPr>
+              <a:t>Livelihoods</a:t>
+            </a:r>
+            <a:endParaRPr lang="fr-BE" sz="2600" dirty="0">
+              <a:solidFill>
+                <a:schemeClr val="bg1"/>
+              </a:solidFill>
+              <a:latin typeface="Aptos" panose="020B0004020202020204" pitchFamily="34" charset="0"/>
+              <a:ea typeface="Roboto Slab" pitchFamily="34" charset="-122"/>
+              <a:cs typeface="Roboto Slab" pitchFamily="34" charset="-120"/>
+            </a:endParaRPr>
+          </a:p>
+          <a:p>
+            <a:r>
+              <a:rPr lang="fr-BE" sz="2600" dirty="0">
+                <a:solidFill>
+                  <a:schemeClr val="bg1"/>
+                </a:solidFill>
+                <a:latin typeface="Aptos" panose="020B0004020202020204" pitchFamily="34" charset="0"/>
+                <a:ea typeface="Roboto Slab" pitchFamily="34" charset="-122"/>
+                <a:cs typeface="Roboto Slab" pitchFamily="34" charset="-120"/>
+              </a:rPr>
+              <a:t>ECO : Economies</a:t>
+            </a:r>
+          </a:p>
+          <a:p>
+            <a:r>
+              <a:rPr lang="fr-BE" sz="2600" dirty="0">
+                <a:solidFill>
+                  <a:schemeClr val="bg1"/>
+                </a:solidFill>
+                <a:latin typeface="Aptos" panose="020B0004020202020204" pitchFamily="34" charset="0"/>
+                <a:ea typeface="Roboto Slab" pitchFamily="34" charset="-122"/>
+                <a:cs typeface="Roboto Slab" pitchFamily="34" charset="-120"/>
+              </a:rPr>
+              <a:t>SP : </a:t>
+            </a:r>
+            <a:r>
+              <a:rPr lang="fr-BE" sz="2600" dirty="0" err="1">
+                <a:solidFill>
+                  <a:schemeClr val="bg1"/>
+                </a:solidFill>
+                <a:latin typeface="Aptos" panose="020B0004020202020204" pitchFamily="34" charset="0"/>
+                <a:ea typeface="Roboto Slab" pitchFamily="34" charset="-122"/>
+                <a:cs typeface="Roboto Slab" pitchFamily="34" charset="-120"/>
+              </a:rPr>
+              <a:t>Sense</a:t>
+            </a:r>
+            <a:r>
+              <a:rPr lang="fr-BE" sz="2600" dirty="0">
+                <a:solidFill>
+                  <a:schemeClr val="bg1"/>
+                </a:solidFill>
+                <a:latin typeface="Aptos" panose="020B0004020202020204" pitchFamily="34" charset="0"/>
+                <a:ea typeface="Roboto Slab" pitchFamily="34" charset="-122"/>
+                <a:cs typeface="Roboto Slab" pitchFamily="34" charset="-120"/>
+              </a:rPr>
+              <a:t> of Place</a:t>
+            </a:r>
+          </a:p>
+          <a:p>
+            <a:r>
+              <a:rPr lang="fr-BE" sz="2600" dirty="0">
+                <a:solidFill>
+                  <a:schemeClr val="bg1"/>
+                </a:solidFill>
+                <a:latin typeface="Aptos" panose="020B0004020202020204" pitchFamily="34" charset="0"/>
+                <a:ea typeface="Roboto Slab" pitchFamily="34" charset="-122"/>
+                <a:cs typeface="Roboto Slab" pitchFamily="34" charset="-120"/>
+              </a:rPr>
+              <a:t>SPP : </a:t>
+            </a:r>
+            <a:r>
+              <a:rPr lang="fr-BE" sz="2600" dirty="0" err="1">
+                <a:solidFill>
+                  <a:schemeClr val="bg1"/>
+                </a:solidFill>
+                <a:latin typeface="Aptos" panose="020B0004020202020204" pitchFamily="34" charset="0"/>
+                <a:ea typeface="Roboto Slab" pitchFamily="34" charset="-122"/>
+                <a:cs typeface="Roboto Slab" pitchFamily="34" charset="-120"/>
+              </a:rPr>
+              <a:t>Species</a:t>
+            </a:r>
+            <a:r>
+              <a:rPr lang="fr-BE" sz="2600" dirty="0">
+                <a:solidFill>
+                  <a:schemeClr val="bg1"/>
+                </a:solidFill>
+                <a:latin typeface="Aptos" panose="020B0004020202020204" pitchFamily="34" charset="0"/>
+                <a:ea typeface="Roboto Slab" pitchFamily="34" charset="-122"/>
+                <a:cs typeface="Roboto Slab" pitchFamily="34" charset="-120"/>
+              </a:rPr>
+              <a:t> </a:t>
+            </a:r>
+          </a:p>
+          <a:p>
+            <a:r>
+              <a:rPr lang="fr-BE" sz="2600" dirty="0">
+                <a:solidFill>
+                  <a:schemeClr val="bg1"/>
+                </a:solidFill>
+                <a:latin typeface="Aptos" panose="020B0004020202020204" pitchFamily="34" charset="0"/>
+                <a:ea typeface="Roboto Slab" pitchFamily="34" charset="-122"/>
+                <a:cs typeface="Roboto Slab" pitchFamily="34" charset="-120"/>
+              </a:rPr>
+              <a:t>AO : Artisanal </a:t>
+            </a:r>
+            <a:r>
+              <a:rPr lang="fr-BE" sz="2600" dirty="0" err="1">
+                <a:solidFill>
+                  <a:schemeClr val="bg1"/>
+                </a:solidFill>
+                <a:latin typeface="Aptos" panose="020B0004020202020204" pitchFamily="34" charset="0"/>
+                <a:ea typeface="Roboto Slab" pitchFamily="34" charset="-122"/>
+                <a:cs typeface="Roboto Slab" pitchFamily="34" charset="-120"/>
+              </a:rPr>
+              <a:t>Fisheries</a:t>
+            </a:r>
+            <a:endParaRPr lang="fr-BE" sz="2600" dirty="0">
+              <a:solidFill>
+                <a:schemeClr val="bg1"/>
+              </a:solidFill>
+              <a:latin typeface="Aptos" panose="020B0004020202020204" pitchFamily="34" charset="0"/>
+              <a:ea typeface="Roboto Slab" pitchFamily="34" charset="-122"/>
+              <a:cs typeface="Roboto Slab" pitchFamily="34" charset="-120"/>
+            </a:endParaRPr>
+          </a:p>
+          <a:p>
+            <a:r>
+              <a:rPr lang="fr-BE" sz="2600" dirty="0">
+                <a:solidFill>
+                  <a:schemeClr val="bg1"/>
+                </a:solidFill>
+                <a:latin typeface="Aptos" panose="020B0004020202020204" pitchFamily="34" charset="0"/>
+                <a:ea typeface="Roboto Slab" pitchFamily="34" charset="-122"/>
+                <a:cs typeface="Roboto Slab" pitchFamily="34" charset="-120"/>
+              </a:rPr>
+              <a:t>Are_km2 : surface area in km²</a:t>
+            </a:r>
+          </a:p>
+          <a:p>
+            <a:endParaRPr lang="fr-BE" sz="2600" dirty="0">
+              <a:solidFill>
+                <a:srgbClr val="76B9FF"/>
+              </a:solidFill>
+              <a:latin typeface="Roboto Slab" pitchFamily="34" charset="0"/>
+              <a:ea typeface="Roboto Slab" pitchFamily="34" charset="-122"/>
+              <a:cs typeface="Roboto Slab" pitchFamily="34" charset="-120"/>
+            </a:endParaRPr>
+          </a:p>
+          <a:p>
+            <a:r>
+              <a:rPr lang="fr-BE" sz="2600" b="1" dirty="0">
+                <a:solidFill>
+                  <a:schemeClr val="bg1"/>
+                </a:solidFill>
+                <a:latin typeface="Aptos" panose="020B0004020202020204" pitchFamily="34" charset="0"/>
+                <a:ea typeface="Roboto Slab" pitchFamily="34" charset="-122"/>
+                <a:cs typeface="Roboto Slab" pitchFamily="34" charset="-120"/>
+              </a:rPr>
+              <a:t>=&gt; Focus on Clean Water</a:t>
+            </a:r>
+          </a:p>
+          <a:p>
+            <a:endParaRPr lang="fr-BE" sz="2600" dirty="0">
+              <a:solidFill>
+                <a:srgbClr val="76B9FF"/>
+              </a:solidFill>
+              <a:latin typeface="Roboto Slab" pitchFamily="34" charset="0"/>
+              <a:ea typeface="Roboto Slab" pitchFamily="34" charset="-122"/>
+              <a:cs typeface="Roboto Slab" pitchFamily="34" charset="-120"/>
+            </a:endParaRPr>
+          </a:p>
+        </p:txBody>
+      </p:sp>
+    </p:spTree>
+    <p:extLst>
+      <p:ext uri="{BB962C8B-B14F-4D97-AF65-F5344CB8AC3E}">
+        <p14:creationId xmlns:p14="http://schemas.microsoft.com/office/powerpoint/2010/main" val="1486701638"/>
+      </p:ext>
+    </p:extLst>
+  </p:cSld>
+  <p:clrMapOvr>
+    <a:masterClrMapping/>
+  </p:clrMapOvr>
+</p:sld>
+</file>
+
+<file path=ppt/slides/slide5.xml><?xml version="1.0" encoding="utf-8"?>
 <p:sld xmlns:a="http://schemas.openxmlformats.org/drawingml/2006/main" xmlns:r="http://schemas.openxmlformats.org/officeDocument/2006/relationships" xmlns:p="http://schemas.openxmlformats.org/presentationml/2006/main">
   <p:cSld>
     <p:spTree>
@@ -3223,14 +4221,14 @@
           <p:nvPr>
             <p:extLst>
               <p:ext uri="{D42A27DB-BD31-4B8C-83A1-F6EECF244321}">
-                <p14:modId xmlns:p14="http://schemas.microsoft.com/office/powerpoint/2010/main" val="3610589375"/>
+                <p14:modId xmlns:p14="http://schemas.microsoft.com/office/powerpoint/2010/main" val="2209658750"/>
               </p:ext>
             </p:extLst>
           </p:nvPr>
         </p:nvGraphicFramePr>
         <p:xfrm>
           <a:off x="191826" y="1687354"/>
-          <a:ext cx="5357284" cy="3773645"/>
+          <a:ext cx="5357284" cy="4066869"/>
         </p:xfrm>
         <a:graphic>
           <a:graphicData uri="http://schemas.openxmlformats.org/drawingml/2006/table">
@@ -3276,12 +4274,14 @@
                         <a:buNone/>
                       </a:pPr>
                       <a:r>
-                        <a:rPr lang="fr-BE" sz="1400" b="0" dirty="0">
+                        <a:rPr lang="fr-BE" sz="1600" b="0" dirty="0">
                           <a:solidFill>
                             <a:srgbClr val="FFFFFF"/>
                           </a:solidFill>
                           <a:effectLst/>
                           <a:latin typeface="Roboto" panose="02000000000000000000" pitchFamily="2" charset="0"/>
+                          <a:ea typeface="Roboto" panose="02000000000000000000" pitchFamily="2" charset="0"/>
+                          <a:cs typeface="Roboto" panose="02000000000000000000" pitchFamily="2" charset="0"/>
                         </a:rPr>
                         <a:t>Model</a:t>
                       </a:r>
@@ -3338,21 +4338,25 @@
                         <a:buNone/>
                       </a:pPr>
                       <a:r>
-                        <a:rPr lang="fr-BE" sz="1400" b="0" dirty="0" err="1">
+                        <a:rPr lang="fr-BE" sz="1600" b="0" dirty="0" err="1">
                           <a:solidFill>
                             <a:srgbClr val="FFFFFF"/>
                           </a:solidFill>
                           <a:effectLst/>
                           <a:latin typeface="Roboto" panose="02000000000000000000" pitchFamily="2" charset="0"/>
+                          <a:ea typeface="Roboto" panose="02000000000000000000" pitchFamily="2" charset="0"/>
+                          <a:cs typeface="Roboto" panose="02000000000000000000" pitchFamily="2" charset="0"/>
                         </a:rPr>
                         <a:t>Validation_Strategy</a:t>
                       </a:r>
-                      <a:endParaRPr lang="fr-BE" sz="1400" b="0" dirty="0">
+                      <a:endParaRPr lang="fr-BE" sz="1600" b="0" dirty="0">
                         <a:solidFill>
                           <a:srgbClr val="FFFFFF"/>
                         </a:solidFill>
                         <a:effectLst/>
                         <a:latin typeface="Roboto" panose="02000000000000000000" pitchFamily="2" charset="0"/>
+                        <a:ea typeface="Roboto" panose="02000000000000000000" pitchFamily="2" charset="0"/>
+                        <a:cs typeface="Roboto" panose="02000000000000000000" pitchFamily="2" charset="0"/>
                       </a:endParaRPr>
                     </a:p>
                   </a:txBody>
@@ -3407,21 +4411,25 @@
                         <a:buNone/>
                       </a:pPr>
                       <a:r>
-                        <a:rPr lang="fr-BE" sz="1400" b="0" dirty="0" err="1">
+                        <a:rPr lang="fr-BE" sz="1600" b="0" dirty="0" err="1">
                           <a:solidFill>
                             <a:srgbClr val="FFFFFF"/>
                           </a:solidFill>
                           <a:effectLst/>
                           <a:latin typeface="Roboto" panose="02000000000000000000" pitchFamily="2" charset="0"/>
+                          <a:ea typeface="Roboto" panose="02000000000000000000" pitchFamily="2" charset="0"/>
+                          <a:cs typeface="Roboto" panose="02000000000000000000" pitchFamily="2" charset="0"/>
                         </a:rPr>
                         <a:t>Hyperparameters</a:t>
                       </a:r>
-                      <a:endParaRPr lang="fr-BE" sz="1400" b="0" dirty="0">
+                      <a:endParaRPr lang="fr-BE" sz="1600" b="0" dirty="0">
                         <a:solidFill>
                           <a:srgbClr val="FFFFFF"/>
                         </a:solidFill>
                         <a:effectLst/>
                         <a:latin typeface="Roboto" panose="02000000000000000000" pitchFamily="2" charset="0"/>
+                        <a:ea typeface="Roboto" panose="02000000000000000000" pitchFamily="2" charset="0"/>
+                        <a:cs typeface="Roboto" panose="02000000000000000000" pitchFamily="2" charset="0"/>
                       </a:endParaRPr>
                     </a:p>
                   </a:txBody>
@@ -3476,12 +4484,14 @@
                         <a:buNone/>
                       </a:pPr>
                       <a:r>
-                        <a:rPr lang="fr-BE" sz="1400" b="0" dirty="0">
+                        <a:rPr lang="fr-BE" sz="1600" b="0" dirty="0">
                           <a:solidFill>
                             <a:srgbClr val="FFFFFF"/>
                           </a:solidFill>
                           <a:effectLst/>
                           <a:latin typeface="Roboto" panose="02000000000000000000" pitchFamily="2" charset="0"/>
+                          <a:ea typeface="Roboto" panose="02000000000000000000" pitchFamily="2" charset="0"/>
+                          <a:cs typeface="Roboto" panose="02000000000000000000" pitchFamily="2" charset="0"/>
                         </a:rPr>
                         <a:t>MSE</a:t>
                       </a:r>
@@ -3545,41 +4555,49 @@
                         <a:buNone/>
                       </a:pPr>
                       <a:r>
-                        <a:rPr lang="fr-BE" sz="1400" b="0" dirty="0" err="1">
+                        <a:rPr lang="fr-BE" sz="1600" b="0" dirty="0" err="1">
                           <a:solidFill>
                             <a:srgbClr val="434343"/>
                           </a:solidFill>
                           <a:effectLst/>
                           <a:latin typeface="Roboto" panose="02000000000000000000" pitchFamily="2" charset="0"/>
+                          <a:ea typeface="Roboto" panose="02000000000000000000" pitchFamily="2" charset="0"/>
+                          <a:cs typeface="Roboto" panose="02000000000000000000" pitchFamily="2" charset="0"/>
                         </a:rPr>
                         <a:t>Decision</a:t>
                       </a:r>
                       <a:r>
-                        <a:rPr lang="fr-BE" sz="1400" b="0" dirty="0">
+                        <a:rPr lang="fr-BE" sz="1600" b="0" dirty="0">
                           <a:solidFill>
                             <a:srgbClr val="434343"/>
                           </a:solidFill>
                           <a:effectLst/>
                           <a:latin typeface="Roboto" panose="02000000000000000000" pitchFamily="2" charset="0"/>
+                          <a:ea typeface="Roboto" panose="02000000000000000000" pitchFamily="2" charset="0"/>
+                          <a:cs typeface="Roboto" panose="02000000000000000000" pitchFamily="2" charset="0"/>
                         </a:rPr>
                         <a:t> </a:t>
                       </a:r>
                       <a:r>
-                        <a:rPr lang="fr-BE" sz="1400" b="0" dirty="0" err="1">
+                        <a:rPr lang="fr-BE" sz="1600" b="0" dirty="0" err="1">
                           <a:solidFill>
                             <a:srgbClr val="434343"/>
                           </a:solidFill>
                           <a:effectLst/>
                           <a:latin typeface="Roboto" panose="02000000000000000000" pitchFamily="2" charset="0"/>
+                          <a:ea typeface="Roboto" panose="02000000000000000000" pitchFamily="2" charset="0"/>
+                          <a:cs typeface="Roboto" panose="02000000000000000000" pitchFamily="2" charset="0"/>
                         </a:rPr>
                         <a:t>Tree</a:t>
                       </a:r>
-                      <a:endParaRPr lang="fr-BE" sz="1400" b="0" dirty="0">
+                      <a:endParaRPr lang="fr-BE" sz="1600" b="0" dirty="0">
                         <a:solidFill>
                           <a:srgbClr val="434343"/>
                         </a:solidFill>
                         <a:effectLst/>
                         <a:latin typeface="Roboto" panose="02000000000000000000" pitchFamily="2" charset="0"/>
+                        <a:ea typeface="Roboto" panose="02000000000000000000" pitchFamily="2" charset="0"/>
+                        <a:cs typeface="Roboto" panose="02000000000000000000" pitchFamily="2" charset="0"/>
                       </a:endParaRPr>
                     </a:p>
                   </a:txBody>
@@ -3648,32 +4666,38 @@
                         <a:defRPr/>
                       </a:pPr>
                       <a:r>
-                        <a:rPr lang="fr-BE" sz="1400" b="0" dirty="0">
+                        <a:rPr lang="fr-BE" sz="1600" b="0" dirty="0">
                           <a:solidFill>
                             <a:srgbClr val="434343"/>
                           </a:solidFill>
                           <a:effectLst/>
                           <a:latin typeface="Roboto" panose="02000000000000000000" pitchFamily="2" charset="0"/>
+                          <a:ea typeface="Roboto" panose="02000000000000000000" pitchFamily="2" charset="0"/>
+                          <a:cs typeface="Roboto" panose="02000000000000000000" pitchFamily="2" charset="0"/>
                         </a:rPr>
                         <a:t>K-</a:t>
                       </a:r>
                       <a:r>
-                        <a:rPr lang="fr-BE" sz="1400" b="0" dirty="0" err="1">
+                        <a:rPr lang="fr-BE" sz="1600" b="0" dirty="0" err="1">
                           <a:solidFill>
                             <a:srgbClr val="434343"/>
                           </a:solidFill>
                           <a:effectLst/>
                           <a:latin typeface="Roboto" panose="02000000000000000000" pitchFamily="2" charset="0"/>
+                          <a:ea typeface="Roboto" panose="02000000000000000000" pitchFamily="2" charset="0"/>
+                          <a:cs typeface="Roboto" panose="02000000000000000000" pitchFamily="2" charset="0"/>
                         </a:rPr>
                         <a:t>fold</a:t>
                       </a:r>
                       <a:r>
-                        <a:rPr lang="fr-BE" sz="1400" b="0" dirty="0">
+                        <a:rPr lang="fr-BE" sz="1600" b="0" dirty="0">
                           <a:solidFill>
                             <a:srgbClr val="434343"/>
                           </a:solidFill>
                           <a:effectLst/>
                           <a:latin typeface="Roboto" panose="02000000000000000000" pitchFamily="2" charset="0"/>
+                          <a:ea typeface="Roboto" panose="02000000000000000000" pitchFamily="2" charset="0"/>
+                          <a:cs typeface="Roboto" panose="02000000000000000000" pitchFamily="2" charset="0"/>
                         </a:rPr>
                         <a:t> = 5</a:t>
                       </a:r>
@@ -3730,22 +4754,26 @@
                         <a:buNone/>
                       </a:pPr>
                       <a:r>
-                        <a:rPr lang="en-GB" sz="1400" b="0" dirty="0" err="1">
+                        <a:rPr lang="en-GB" sz="1600" b="0" dirty="0" err="1">
                           <a:solidFill>
                             <a:srgbClr val="434343"/>
                           </a:solidFill>
                           <a:effectLst/>
                           <a:latin typeface="Roboto" panose="02000000000000000000" pitchFamily="2" charset="0"/>
+                          <a:ea typeface="Roboto" panose="02000000000000000000" pitchFamily="2" charset="0"/>
+                          <a:cs typeface="Roboto" panose="02000000000000000000" pitchFamily="2" charset="0"/>
                         </a:rPr>
-                        <a:t>Max_depth</a:t>
+                        <a:t>max_depth</a:t>
                       </a:r>
                       <a:r>
-                        <a:rPr lang="en-GB" sz="1400" b="0" dirty="0">
+                        <a:rPr lang="en-GB" sz="1600" b="0" dirty="0">
                           <a:solidFill>
                             <a:srgbClr val="434343"/>
                           </a:solidFill>
                           <a:effectLst/>
                           <a:latin typeface="Roboto" panose="02000000000000000000" pitchFamily="2" charset="0"/>
+                          <a:ea typeface="Roboto" panose="02000000000000000000" pitchFamily="2" charset="0"/>
+                          <a:cs typeface="Roboto" panose="02000000000000000000" pitchFamily="2" charset="0"/>
                         </a:rPr>
                         <a:t>=3</a:t>
                       </a:r>
@@ -3802,12 +4830,14 @@
                         <a:buNone/>
                       </a:pPr>
                       <a:r>
-                        <a:rPr lang="fr-BE" sz="1400" b="0" dirty="0">
+                        <a:rPr lang="fr-BE" sz="1600" b="0" dirty="0">
                           <a:solidFill>
                             <a:srgbClr val="434343"/>
                           </a:solidFill>
                           <a:effectLst/>
                           <a:latin typeface="Roboto" panose="02000000000000000000" pitchFamily="2" charset="0"/>
+                          <a:ea typeface="Roboto" panose="02000000000000000000" pitchFamily="2" charset="0"/>
+                          <a:cs typeface="Roboto" panose="02000000000000000000" pitchFamily="2" charset="0"/>
                         </a:rPr>
                         <a:t>205</a:t>
                       </a:r>
@@ -3871,22 +4901,26 @@
                         <a:buNone/>
                       </a:pPr>
                       <a:r>
-                        <a:rPr lang="fr-BE" sz="1400" b="0" dirty="0" err="1">
+                        <a:rPr lang="fr-BE" sz="1600" b="0" dirty="0" err="1">
                           <a:solidFill>
                             <a:srgbClr val="434343"/>
                           </a:solidFill>
                           <a:effectLst/>
                           <a:latin typeface="Roboto" panose="02000000000000000000" pitchFamily="2" charset="0"/>
+                          <a:ea typeface="Roboto" panose="02000000000000000000" pitchFamily="2" charset="0"/>
+                          <a:cs typeface="Roboto" panose="02000000000000000000" pitchFamily="2" charset="0"/>
                         </a:rPr>
                         <a:t>Random</a:t>
                       </a:r>
                       <a:r>
-                        <a:rPr lang="fr-BE" sz="1400" b="0" dirty="0">
+                        <a:rPr lang="fr-BE" sz="1600" b="0" dirty="0">
                           <a:solidFill>
                             <a:srgbClr val="434343"/>
                           </a:solidFill>
                           <a:effectLst/>
                           <a:latin typeface="Roboto" panose="02000000000000000000" pitchFamily="2" charset="0"/>
+                          <a:ea typeface="Roboto" panose="02000000000000000000" pitchFamily="2" charset="0"/>
+                          <a:cs typeface="Roboto" panose="02000000000000000000" pitchFamily="2" charset="0"/>
                         </a:rPr>
                         <a:t> Forest</a:t>
                       </a:r>
@@ -3943,12 +4977,14 @@
                         <a:buNone/>
                       </a:pPr>
                       <a:r>
-                        <a:rPr lang="fr-BE" sz="1400" b="0" dirty="0">
+                        <a:rPr lang="fr-BE" sz="1600" b="0" dirty="0">
                           <a:solidFill>
                             <a:srgbClr val="434343"/>
                           </a:solidFill>
                           <a:effectLst/>
                           <a:latin typeface="Roboto" panose="02000000000000000000" pitchFamily="2" charset="0"/>
+                          <a:ea typeface="Roboto" panose="02000000000000000000" pitchFamily="2" charset="0"/>
+                          <a:cs typeface="Roboto" panose="02000000000000000000" pitchFamily="2" charset="0"/>
                         </a:rPr>
                         <a:t>0.7/0.3</a:t>
                       </a:r>
@@ -4019,22 +5055,26 @@
                         <a:defRPr/>
                       </a:pPr>
                       <a:r>
-                        <a:rPr lang="en-GB" sz="1400" b="0" dirty="0" err="1">
+                        <a:rPr lang="en-GB" sz="1600" b="0" dirty="0" err="1">
                           <a:solidFill>
                             <a:srgbClr val="434343"/>
                           </a:solidFill>
                           <a:effectLst/>
                           <a:latin typeface="Roboto" panose="02000000000000000000" pitchFamily="2" charset="0"/>
+                          <a:ea typeface="Roboto" panose="02000000000000000000" pitchFamily="2" charset="0"/>
+                          <a:cs typeface="Roboto" panose="02000000000000000000" pitchFamily="2" charset="0"/>
                         </a:rPr>
                         <a:t>n_estimators</a:t>
                       </a:r>
                       <a:r>
-                        <a:rPr lang="en-GB" sz="1400" b="0" dirty="0">
+                        <a:rPr lang="en-GB" sz="1600" b="0" dirty="0">
                           <a:solidFill>
                             <a:srgbClr val="434343"/>
                           </a:solidFill>
                           <a:effectLst/>
                           <a:latin typeface="Roboto" panose="02000000000000000000" pitchFamily="2" charset="0"/>
+                          <a:ea typeface="Roboto" panose="02000000000000000000" pitchFamily="2" charset="0"/>
+                          <a:cs typeface="Roboto" panose="02000000000000000000" pitchFamily="2" charset="0"/>
                         </a:rPr>
                         <a:t>=500</a:t>
                       </a:r>
@@ -4091,12 +5131,14 @@
                         <a:buNone/>
                       </a:pPr>
                       <a:r>
-                        <a:rPr lang="fr-BE" sz="1400" b="0" dirty="0">
+                        <a:rPr lang="fr-BE" sz="1600" b="0" dirty="0">
                           <a:solidFill>
                             <a:srgbClr val="434343"/>
                           </a:solidFill>
                           <a:effectLst/>
                           <a:latin typeface="Roboto" panose="02000000000000000000" pitchFamily="2" charset="0"/>
+                          <a:ea typeface="Roboto" panose="02000000000000000000" pitchFamily="2" charset="0"/>
+                          <a:cs typeface="Roboto" panose="02000000000000000000" pitchFamily="2" charset="0"/>
                         </a:rPr>
                         <a:t>122</a:t>
                       </a:r>
@@ -4160,31 +5202,37 @@
                         <a:buNone/>
                       </a:pPr>
                       <a:r>
-                        <a:rPr lang="fr-BE" sz="1400" b="1" dirty="0">
+                        <a:rPr lang="fr-BE" sz="1600" b="1" dirty="0">
                           <a:solidFill>
                             <a:srgbClr val="434343"/>
                           </a:solidFill>
                           <a:effectLst/>
                           <a:latin typeface="Roboto" panose="02000000000000000000" pitchFamily="2" charset="0"/>
+                          <a:ea typeface="Roboto" panose="02000000000000000000" pitchFamily="2" charset="0"/>
+                          <a:cs typeface="Roboto" panose="02000000000000000000" pitchFamily="2" charset="0"/>
                         </a:rPr>
                         <a:t>Gradient </a:t>
                       </a:r>
                       <a:r>
-                        <a:rPr lang="fr-BE" sz="1400" b="1" dirty="0" err="1">
+                        <a:rPr lang="fr-BE" sz="1600" b="1" dirty="0" err="1">
                           <a:solidFill>
                             <a:srgbClr val="434343"/>
                           </a:solidFill>
                           <a:effectLst/>
                           <a:latin typeface="Roboto" panose="02000000000000000000" pitchFamily="2" charset="0"/>
+                          <a:ea typeface="Roboto" panose="02000000000000000000" pitchFamily="2" charset="0"/>
+                          <a:cs typeface="Roboto" panose="02000000000000000000" pitchFamily="2" charset="0"/>
                         </a:rPr>
                         <a:t>Boosting</a:t>
                       </a:r>
-                      <a:endParaRPr lang="fr-BE" sz="1400" b="1" dirty="0">
+                      <a:endParaRPr lang="fr-BE" sz="1600" b="1" dirty="0">
                         <a:solidFill>
                           <a:srgbClr val="434343"/>
                         </a:solidFill>
                         <a:effectLst/>
                         <a:latin typeface="Roboto" panose="02000000000000000000" pitchFamily="2" charset="0"/>
+                        <a:ea typeface="Roboto" panose="02000000000000000000" pitchFamily="2" charset="0"/>
+                        <a:cs typeface="Roboto" panose="02000000000000000000" pitchFamily="2" charset="0"/>
                       </a:endParaRPr>
                     </a:p>
                     <a:p>
@@ -4192,21 +5240,25 @@
                         <a:buNone/>
                       </a:pPr>
                       <a:r>
-                        <a:rPr lang="fr-BE" sz="1400" b="1" dirty="0" err="1">
+                        <a:rPr lang="fr-BE" sz="1600" b="1" dirty="0" err="1">
                           <a:solidFill>
                             <a:srgbClr val="434343"/>
                           </a:solidFill>
                           <a:effectLst/>
                           <a:latin typeface="Roboto" panose="02000000000000000000" pitchFamily="2" charset="0"/>
+                          <a:ea typeface="Roboto" panose="02000000000000000000" pitchFamily="2" charset="0"/>
+                          <a:cs typeface="Roboto" panose="02000000000000000000" pitchFamily="2" charset="0"/>
                         </a:rPr>
                         <a:t>Regressor</a:t>
                       </a:r>
-                      <a:endParaRPr lang="fr-BE" sz="1400" b="1" dirty="0">
+                      <a:endParaRPr lang="fr-BE" sz="1600" b="1" dirty="0">
                         <a:solidFill>
                           <a:srgbClr val="434343"/>
                         </a:solidFill>
                         <a:effectLst/>
                         <a:latin typeface="Roboto" panose="02000000000000000000" pitchFamily="2" charset="0"/>
+                        <a:ea typeface="Roboto" panose="02000000000000000000" pitchFamily="2" charset="0"/>
+                        <a:cs typeface="Roboto" panose="02000000000000000000" pitchFamily="2" charset="0"/>
                       </a:endParaRPr>
                     </a:p>
                   </a:txBody>
@@ -4264,12 +5316,14 @@
                         <a:buNone/>
                       </a:pPr>
                       <a:r>
-                        <a:rPr lang="fr-BE" sz="1400" b="1" dirty="0">
+                        <a:rPr lang="fr-BE" sz="1600" b="1" dirty="0">
                           <a:solidFill>
                             <a:srgbClr val="434343"/>
                           </a:solidFill>
                           <a:effectLst/>
                           <a:latin typeface="Roboto" panose="02000000000000000000" pitchFamily="2" charset="0"/>
+                          <a:ea typeface="Roboto" panose="02000000000000000000" pitchFamily="2" charset="0"/>
+                          <a:cs typeface="Roboto" panose="02000000000000000000" pitchFamily="2" charset="0"/>
                         </a:rPr>
                         <a:t>0.7/0.3</a:t>
                       </a:r>
@@ -4329,62 +5383,74 @@
                         <a:buNone/>
                       </a:pPr>
                       <a:r>
-                        <a:rPr lang="en-GB" sz="1400" b="1" dirty="0" err="1">
+                        <a:rPr lang="en-GB" sz="1600" b="1" dirty="0" err="1">
                           <a:solidFill>
                             <a:srgbClr val="434343"/>
                           </a:solidFill>
                           <a:effectLst/>
                           <a:latin typeface="Roboto" panose="02000000000000000000" pitchFamily="2" charset="0"/>
+                          <a:ea typeface="Roboto" panose="02000000000000000000" pitchFamily="2" charset="0"/>
+                          <a:cs typeface="Roboto" panose="02000000000000000000" pitchFamily="2" charset="0"/>
                         </a:rPr>
                         <a:t>n_estimators</a:t>
                       </a:r>
                       <a:r>
-                        <a:rPr lang="en-GB" sz="1400" b="1" dirty="0">
+                        <a:rPr lang="en-GB" sz="1600" b="1" dirty="0">
                           <a:solidFill>
                             <a:srgbClr val="434343"/>
                           </a:solidFill>
                           <a:effectLst/>
                           <a:latin typeface="Roboto" panose="02000000000000000000" pitchFamily="2" charset="0"/>
+                          <a:ea typeface="Roboto" panose="02000000000000000000" pitchFamily="2" charset="0"/>
+                          <a:cs typeface="Roboto" panose="02000000000000000000" pitchFamily="2" charset="0"/>
                         </a:rPr>
                         <a:t>=200, </a:t>
                       </a:r>
                       <a:r>
-                        <a:rPr lang="en-GB" sz="1400" b="1" dirty="0" err="1">
+                        <a:rPr lang="en-GB" sz="1600" b="1" dirty="0" err="1">
                           <a:solidFill>
                             <a:srgbClr val="434343"/>
                           </a:solidFill>
                           <a:effectLst/>
                           <a:latin typeface="Roboto" panose="02000000000000000000" pitchFamily="2" charset="0"/>
+                          <a:ea typeface="Roboto" panose="02000000000000000000" pitchFamily="2" charset="0"/>
+                          <a:cs typeface="Roboto" panose="02000000000000000000" pitchFamily="2" charset="0"/>
                         </a:rPr>
                         <a:t>learning_rate</a:t>
                       </a:r>
                       <a:r>
-                        <a:rPr lang="en-GB" sz="1400" b="1" dirty="0">
+                        <a:rPr lang="en-GB" sz="1600" b="1" dirty="0">
                           <a:solidFill>
                             <a:srgbClr val="434343"/>
                           </a:solidFill>
                           <a:effectLst/>
                           <a:latin typeface="Roboto" panose="02000000000000000000" pitchFamily="2" charset="0"/>
+                          <a:ea typeface="Roboto" panose="02000000000000000000" pitchFamily="2" charset="0"/>
+                          <a:cs typeface="Roboto" panose="02000000000000000000" pitchFamily="2" charset="0"/>
                         </a:rPr>
                         <a:t>=0.2, </a:t>
                       </a:r>
                       <a:r>
-                        <a:rPr lang="en-GB" sz="1400" b="1" dirty="0" err="1">
+                        <a:rPr lang="en-GB" sz="1600" b="1" dirty="0" err="1">
                           <a:solidFill>
                             <a:srgbClr val="434343"/>
                           </a:solidFill>
                           <a:effectLst/>
                           <a:latin typeface="Roboto" panose="02000000000000000000" pitchFamily="2" charset="0"/>
+                          <a:ea typeface="Roboto" panose="02000000000000000000" pitchFamily="2" charset="0"/>
+                          <a:cs typeface="Roboto" panose="02000000000000000000" pitchFamily="2" charset="0"/>
                         </a:rPr>
                         <a:t>max_depth</a:t>
                       </a:r>
                       <a:r>
-                        <a:rPr lang="en-GB" sz="1400" b="1" dirty="0">
+                        <a:rPr lang="en-GB" sz="1600" b="1" dirty="0">
                           <a:solidFill>
                             <a:srgbClr val="434343"/>
                           </a:solidFill>
                           <a:effectLst/>
                           <a:latin typeface="Roboto" panose="02000000000000000000" pitchFamily="2" charset="0"/>
+                          <a:ea typeface="Roboto" panose="02000000000000000000" pitchFamily="2" charset="0"/>
+                          <a:cs typeface="Roboto" panose="02000000000000000000" pitchFamily="2" charset="0"/>
                         </a:rPr>
                         <a:t>=5</a:t>
                       </a:r>
@@ -4444,12 +5510,14 @@
                         <a:buNone/>
                       </a:pPr>
                       <a:r>
-                        <a:rPr lang="fr-BE" sz="1400" b="1" dirty="0">
+                        <a:rPr lang="fr-BE" sz="1600" b="1" dirty="0">
                           <a:solidFill>
                             <a:srgbClr val="434343"/>
                           </a:solidFill>
                           <a:effectLst/>
                           <a:latin typeface="Roboto" panose="02000000000000000000" pitchFamily="2" charset="0"/>
+                          <a:ea typeface="Roboto" panose="02000000000000000000" pitchFamily="2" charset="0"/>
+                          <a:cs typeface="Roboto" panose="02000000000000000000" pitchFamily="2" charset="0"/>
                         </a:rPr>
                         <a:t>121</a:t>
                       </a:r>
@@ -4685,7 +5753,7 @@
 </p:sld>
 </file>
 
-<file path=ppt/slides/slide5.xml><?xml version="1.0" encoding="utf-8"?>
+<file path=ppt/slides/slide6.xml><?xml version="1.0" encoding="utf-8"?>
 <p:sld xmlns:a="http://schemas.openxmlformats.org/drawingml/2006/main" xmlns:r="http://schemas.openxmlformats.org/officeDocument/2006/relationships" xmlns:p="http://schemas.openxmlformats.org/presentationml/2006/main">
   <p:cSld>
     <p:spTree>
@@ -4717,7 +5785,7 @@
           <p:nvPr/>
         </p:nvPicPr>
         <p:blipFill>
-          <a:blip r:embed="rId2"/>
+          <a:blip r:embed="rId3"/>
           <a:stretch>
             <a:fillRect/>
           </a:stretch>
@@ -4835,7 +5903,7 @@
         <p:spPr>
           <a:xfrm>
             <a:off x="578398" y="1625600"/>
-            <a:ext cx="3917402" cy="2492990"/>
+            <a:ext cx="3917402" cy="3693319"/>
           </a:xfrm>
           <a:prstGeom prst="rect">
             <a:avLst/>
@@ -4849,7 +5917,7 @@
           <a:lstStyle/>
           <a:p>
             <a:r>
-              <a:rPr lang="fr-BE" sz="2600" dirty="0">
+              <a:rPr lang="fr-BE" sz="2600" b="1" dirty="0" err="1">
                 <a:solidFill>
                   <a:schemeClr val="bg1"/>
                 </a:solidFill>
@@ -4857,12 +5925,10 @@
                 <a:ea typeface="Roboto Slab" pitchFamily="34" charset="-122"/>
                 <a:cs typeface="Roboto Slab" pitchFamily="34" charset="-120"/>
               </a:rPr>
-              <a:t>ECO : Economies</a:t>
-            </a:r>
-          </a:p>
-          <a:p>
-            <a:r>
-              <a:rPr lang="fr-BE" sz="2600" dirty="0">
+              <a:t>Outcome</a:t>
+            </a:r>
+            <a:r>
+              <a:rPr lang="fr-BE" sz="2600" b="1" dirty="0">
                 <a:solidFill>
                   <a:schemeClr val="bg1"/>
                 </a:solidFill>
@@ -4870,89 +5936,10 @@
                 <a:ea typeface="Roboto Slab" pitchFamily="34" charset="-122"/>
                 <a:cs typeface="Roboto Slab" pitchFamily="34" charset="-120"/>
               </a:rPr>
-              <a:t>SP : </a:t>
-            </a:r>
-            <a:r>
-              <a:rPr lang="fr-BE" sz="2600" dirty="0" err="1">
-                <a:solidFill>
-                  <a:schemeClr val="bg1"/>
-                </a:solidFill>
-                <a:latin typeface="Aptos" panose="020B0004020202020204" pitchFamily="34" charset="0"/>
-                <a:ea typeface="Roboto Slab" pitchFamily="34" charset="-122"/>
-                <a:cs typeface="Roboto Slab" pitchFamily="34" charset="-120"/>
-              </a:rPr>
-              <a:t>Sense</a:t>
-            </a:r>
-            <a:r>
-              <a:rPr lang="fr-BE" sz="2600" dirty="0">
-                <a:solidFill>
-                  <a:schemeClr val="bg1"/>
-                </a:solidFill>
-                <a:latin typeface="Aptos" panose="020B0004020202020204" pitchFamily="34" charset="0"/>
-                <a:ea typeface="Roboto Slab" pitchFamily="34" charset="-122"/>
-                <a:cs typeface="Roboto Slab" pitchFamily="34" charset="-120"/>
-              </a:rPr>
-              <a:t> of Place</a:t>
-            </a:r>
-          </a:p>
-          <a:p>
-            <a:r>
-              <a:rPr lang="fr-BE" sz="2600" dirty="0">
-                <a:solidFill>
-                  <a:schemeClr val="bg1"/>
-                </a:solidFill>
-                <a:latin typeface="Aptos" panose="020B0004020202020204" pitchFamily="34" charset="0"/>
-                <a:ea typeface="Roboto Slab" pitchFamily="34" charset="-122"/>
-                <a:cs typeface="Roboto Slab" pitchFamily="34" charset="-120"/>
-              </a:rPr>
-              <a:t>SPP : </a:t>
-            </a:r>
-            <a:r>
-              <a:rPr lang="fr-BE" sz="2600" dirty="0" err="1">
-                <a:solidFill>
-                  <a:schemeClr val="bg1"/>
-                </a:solidFill>
-                <a:latin typeface="Aptos" panose="020B0004020202020204" pitchFamily="34" charset="0"/>
-                <a:ea typeface="Roboto Slab" pitchFamily="34" charset="-122"/>
-                <a:cs typeface="Roboto Slab" pitchFamily="34" charset="-120"/>
-              </a:rPr>
-              <a:t>Species</a:t>
-            </a:r>
-            <a:r>
-              <a:rPr lang="fr-BE" sz="2600" dirty="0">
-                <a:solidFill>
-                  <a:schemeClr val="bg1"/>
-                </a:solidFill>
-                <a:latin typeface="Aptos" panose="020B0004020202020204" pitchFamily="34" charset="0"/>
-                <a:ea typeface="Roboto Slab" pitchFamily="34" charset="-122"/>
-                <a:cs typeface="Roboto Slab" pitchFamily="34" charset="-120"/>
-              </a:rPr>
-              <a:t> </a:t>
-            </a:r>
-          </a:p>
-          <a:p>
-            <a:r>
-              <a:rPr lang="fr-BE" sz="2600" dirty="0">
-                <a:solidFill>
-                  <a:schemeClr val="bg1"/>
-                </a:solidFill>
-                <a:latin typeface="Aptos" panose="020B0004020202020204" pitchFamily="34" charset="0"/>
-                <a:ea typeface="Roboto Slab" pitchFamily="34" charset="-122"/>
-                <a:cs typeface="Roboto Slab" pitchFamily="34" charset="-120"/>
-              </a:rPr>
-              <a:t>AO : Artisanal </a:t>
-            </a:r>
-            <a:r>
-              <a:rPr lang="fr-BE" sz="2600" dirty="0" err="1">
-                <a:solidFill>
-                  <a:schemeClr val="bg1"/>
-                </a:solidFill>
-                <a:latin typeface="Aptos" panose="020B0004020202020204" pitchFamily="34" charset="0"/>
-                <a:ea typeface="Roboto Slab" pitchFamily="34" charset="-122"/>
-                <a:cs typeface="Roboto Slab" pitchFamily="34" charset="-120"/>
-              </a:rPr>
-              <a:t>Fisheries</a:t>
-            </a:r>
+              <a:t> : Clean Water</a:t>
+            </a:r>
+          </a:p>
+          <a:p>
             <a:endParaRPr lang="fr-BE" sz="2600" dirty="0">
               <a:solidFill>
                 <a:schemeClr val="bg1"/>
@@ -4963,14 +5950,132 @@
             </a:endParaRPr>
           </a:p>
           <a:p>
+            <a:r>
+              <a:rPr lang="fr-BE" sz="2600" dirty="0">
+                <a:solidFill>
+                  <a:schemeClr val="bg1"/>
+                </a:solidFill>
+                <a:latin typeface="Aptos" panose="020B0004020202020204" pitchFamily="34" charset="0"/>
+                <a:ea typeface="Roboto Slab" pitchFamily="34" charset="-122"/>
+                <a:cs typeface="Roboto Slab" pitchFamily="34" charset="-120"/>
+              </a:rPr>
+              <a:t>ECO : Economies</a:t>
+            </a:r>
+          </a:p>
+          <a:p>
+            <a:r>
+              <a:rPr lang="fr-BE" sz="2600" dirty="0">
+                <a:solidFill>
+                  <a:schemeClr val="bg1"/>
+                </a:solidFill>
+                <a:latin typeface="Aptos" panose="020B0004020202020204" pitchFamily="34" charset="0"/>
+                <a:ea typeface="Roboto Slab" pitchFamily="34" charset="-122"/>
+                <a:cs typeface="Roboto Slab" pitchFamily="34" charset="-120"/>
+              </a:rPr>
+              <a:t>SP : </a:t>
+            </a:r>
+            <a:r>
+              <a:rPr lang="fr-BE" sz="2600" dirty="0" err="1">
+                <a:solidFill>
+                  <a:schemeClr val="bg1"/>
+                </a:solidFill>
+                <a:latin typeface="Aptos" panose="020B0004020202020204" pitchFamily="34" charset="0"/>
+                <a:ea typeface="Roboto Slab" pitchFamily="34" charset="-122"/>
+                <a:cs typeface="Roboto Slab" pitchFamily="34" charset="-120"/>
+              </a:rPr>
+              <a:t>Sense</a:t>
+            </a:r>
+            <a:r>
+              <a:rPr lang="fr-BE" sz="2600" dirty="0">
+                <a:solidFill>
+                  <a:schemeClr val="bg1"/>
+                </a:solidFill>
+                <a:latin typeface="Aptos" panose="020B0004020202020204" pitchFamily="34" charset="0"/>
+                <a:ea typeface="Roboto Slab" pitchFamily="34" charset="-122"/>
+                <a:cs typeface="Roboto Slab" pitchFamily="34" charset="-120"/>
+              </a:rPr>
+              <a:t> of Place</a:t>
+            </a:r>
+          </a:p>
+          <a:p>
+            <a:r>
+              <a:rPr lang="fr-BE" sz="2600" dirty="0">
+                <a:solidFill>
+                  <a:schemeClr val="bg1"/>
+                </a:solidFill>
+                <a:latin typeface="Aptos" panose="020B0004020202020204" pitchFamily="34" charset="0"/>
+                <a:ea typeface="Roboto Slab" pitchFamily="34" charset="-122"/>
+                <a:cs typeface="Roboto Slab" pitchFamily="34" charset="-120"/>
+              </a:rPr>
+              <a:t>SPP : </a:t>
+            </a:r>
+            <a:r>
+              <a:rPr lang="fr-BE" sz="2600" dirty="0" err="1">
+                <a:solidFill>
+                  <a:schemeClr val="bg1"/>
+                </a:solidFill>
+                <a:latin typeface="Aptos" panose="020B0004020202020204" pitchFamily="34" charset="0"/>
+                <a:ea typeface="Roboto Slab" pitchFamily="34" charset="-122"/>
+                <a:cs typeface="Roboto Slab" pitchFamily="34" charset="-120"/>
+              </a:rPr>
+              <a:t>Species</a:t>
+            </a:r>
+            <a:r>
+              <a:rPr lang="fr-BE" sz="2600" dirty="0">
+                <a:solidFill>
+                  <a:schemeClr val="bg1"/>
+                </a:solidFill>
+                <a:latin typeface="Aptos" panose="020B0004020202020204" pitchFamily="34" charset="0"/>
+                <a:ea typeface="Roboto Slab" pitchFamily="34" charset="-122"/>
+                <a:cs typeface="Roboto Slab" pitchFamily="34" charset="-120"/>
+              </a:rPr>
+              <a:t> </a:t>
+            </a:r>
+          </a:p>
+          <a:p>
+            <a:r>
+              <a:rPr lang="fr-BE" sz="2600" dirty="0">
+                <a:solidFill>
+                  <a:schemeClr val="bg1"/>
+                </a:solidFill>
+                <a:latin typeface="Aptos" panose="020B0004020202020204" pitchFamily="34" charset="0"/>
+                <a:ea typeface="Roboto Slab" pitchFamily="34" charset="-122"/>
+                <a:cs typeface="Roboto Slab" pitchFamily="34" charset="-120"/>
+              </a:rPr>
+              <a:t>AO : Artisanal </a:t>
+            </a:r>
+            <a:r>
+              <a:rPr lang="fr-BE" sz="2600" dirty="0" err="1">
+                <a:solidFill>
+                  <a:schemeClr val="bg1"/>
+                </a:solidFill>
+                <a:latin typeface="Aptos" panose="020B0004020202020204" pitchFamily="34" charset="0"/>
+                <a:ea typeface="Roboto Slab" pitchFamily="34" charset="-122"/>
+                <a:cs typeface="Roboto Slab" pitchFamily="34" charset="-120"/>
+              </a:rPr>
+              <a:t>Fisheries</a:t>
+            </a:r>
             <a:endParaRPr lang="fr-BE" sz="2600" dirty="0">
               <a:solidFill>
-                <a:srgbClr val="76B9FF"/>
+                <a:schemeClr val="bg1"/>
               </a:solidFill>
               <a:latin typeface="Aptos" panose="020B0004020202020204" pitchFamily="34" charset="0"/>
               <a:ea typeface="Roboto Slab" pitchFamily="34" charset="-122"/>
               <a:cs typeface="Roboto Slab" pitchFamily="34" charset="-120"/>
             </a:endParaRPr>
+          </a:p>
+          <a:p>
+            <a:r>
+              <a:rPr lang="fr-BE" sz="2600" dirty="0">
+                <a:solidFill>
+                  <a:schemeClr val="bg1"/>
+                </a:solidFill>
+                <a:latin typeface="Aptos" panose="020B0004020202020204" pitchFamily="34" charset="0"/>
+                <a:ea typeface="Roboto Slab" pitchFamily="34" charset="-122"/>
+                <a:cs typeface="Roboto Slab" pitchFamily="34" charset="-120"/>
+              </a:rPr>
+              <a:t>Are_km2 : surface area in km²</a:t>
+            </a:r>
           </a:p>
           <a:p>
             <a:endParaRPr lang="fr-BE" sz="2600" dirty="0">
@@ -4981,6 +6086,57 @@
               <a:ea typeface="Roboto Slab" pitchFamily="34" charset="-122"/>
               <a:cs typeface="Roboto Slab" pitchFamily="34" charset="-120"/>
             </a:endParaRPr>
+          </a:p>
+        </p:txBody>
+      </p:sp>
+      <p:sp>
+        <p:nvSpPr>
+          <p:cNvPr id="2" name="TextBox 1">
+            <a:extLst>
+              <a:ext uri="{FF2B5EF4-FFF2-40B4-BE49-F238E27FC236}">
+                <a16:creationId xmlns:a16="http://schemas.microsoft.com/office/drawing/2014/main" id="{37016B69-0664-2B32-AA2B-D92073BDFDCF}"/>
+              </a:ext>
+            </a:extLst>
+          </p:cNvPr>
+          <p:cNvSpPr txBox="1"/>
+          <p:nvPr/>
+        </p:nvSpPr>
+        <p:spPr>
+          <a:xfrm>
+            <a:off x="6942667" y="5723467"/>
+            <a:ext cx="1016000" cy="677333"/>
+          </a:xfrm>
+          <a:prstGeom prst="rect">
+            <a:avLst/>
+          </a:prstGeom>
+          <a:noFill/>
+          <a:ln>
+            <a:solidFill>
+              <a:srgbClr val="FF0000"/>
+            </a:solidFill>
+          </a:ln>
+        </p:spPr>
+        <p:style>
+          <a:lnRef idx="2">
+            <a:schemeClr val="accent2"/>
+          </a:lnRef>
+          <a:fillRef idx="1">
+            <a:schemeClr val="lt1"/>
+          </a:fillRef>
+          <a:effectRef idx="0">
+            <a:schemeClr val="accent2"/>
+          </a:effectRef>
+          <a:fontRef idx="minor">
+            <a:schemeClr val="dk1"/>
+          </a:fontRef>
+        </p:style>
+        <p:txBody>
+          <a:bodyPr wrap="square" rtlCol="0">
+            <a:spAutoFit/>
+          </a:bodyPr>
+          <a:lstStyle/>
+          <a:p>
+            <a:endParaRPr lang="fr-BE" dirty="0"/>
           </a:p>
         </p:txBody>
       </p:sp>

--- a/presentation.pptx
+++ b/presentation.pptx
@@ -123,7 +123,7 @@
 <file path=ppt/revisionInfo.xml><?xml version="1.0" encoding="utf-8"?>
 <p1510:revInfo xmlns:a="http://schemas.openxmlformats.org/drawingml/2006/main" xmlns:r="http://schemas.openxmlformats.org/officeDocument/2006/relationships" xmlns:p1510="http://schemas.microsoft.com/office/powerpoint/2015/10/main">
   <p1510:revLst>
-    <p1510:client id="{E5BFC6F2-025C-4D7F-B57D-33178E4C8CF9}" v="11" dt="2025-11-12T14:41:56.229"/>
+    <p1510:client id="{E5BFC6F2-025C-4D7F-B57D-33178E4C8CF9}" v="17" dt="2025-11-12T14:49:58.515"/>
   </p1510:revLst>
 </p1510:revInfo>
 </file>
@@ -133,12 +133,12 @@
   <pc:docChgLst>
     <pc:chgData name="Sophie Y." userId="f34e18bc73d4dbe8" providerId="LiveId" clId="{B14A4A8B-8448-4D27-9AA0-551459E1DFA5}"/>
     <pc:docChg chg="undo custSel addSld delSld modSld">
-      <pc:chgData name="Sophie Y." userId="f34e18bc73d4dbe8" providerId="LiveId" clId="{B14A4A8B-8448-4D27-9AA0-551459E1DFA5}" dt="2025-11-12T14:42:06.597" v="514" actId="478"/>
+      <pc:chgData name="Sophie Y." userId="f34e18bc73d4dbe8" providerId="LiveId" clId="{B14A4A8B-8448-4D27-9AA0-551459E1DFA5}" dt="2025-11-12T14:50:59.873" v="588" actId="207"/>
       <pc:docMkLst>
         <pc:docMk/>
       </pc:docMkLst>
       <pc:sldChg chg="addSp modSp mod">
-        <pc:chgData name="Sophie Y." userId="f34e18bc73d4dbe8" providerId="LiveId" clId="{B14A4A8B-8448-4D27-9AA0-551459E1DFA5}" dt="2025-11-12T14:24:59.604" v="98" actId="108"/>
+        <pc:chgData name="Sophie Y." userId="f34e18bc73d4dbe8" providerId="LiveId" clId="{B14A4A8B-8448-4D27-9AA0-551459E1DFA5}" dt="2025-11-12T14:50:59.873" v="588" actId="207"/>
         <pc:sldMkLst>
           <pc:docMk/>
           <pc:sldMk cId="0" sldId="257"/>
@@ -151,15 +151,23 @@
             <ac:spMk id="6" creationId="{6309ADAE-1846-DA7B-B5C6-D31DA205DB33}"/>
           </ac:spMkLst>
         </pc:spChg>
+        <pc:spChg chg="add mod">
+          <ac:chgData name="Sophie Y." userId="f34e18bc73d4dbe8" providerId="LiveId" clId="{B14A4A8B-8448-4D27-9AA0-551459E1DFA5}" dt="2025-11-12T14:50:59.873" v="588" actId="207"/>
+          <ac:spMkLst>
+            <pc:docMk/>
+            <pc:sldMk cId="0" sldId="257"/>
+            <ac:spMk id="7" creationId="{5F072DDD-050A-7752-250E-E6BE1A8323F0}"/>
+          </ac:spMkLst>
+        </pc:spChg>
       </pc:sldChg>
       <pc:sldChg chg="modSp mod">
-        <pc:chgData name="Sophie Y." userId="f34e18bc73d4dbe8" providerId="LiveId" clId="{B14A4A8B-8448-4D27-9AA0-551459E1DFA5}" dt="2025-11-12T14:36:44.466" v="358" actId="2711"/>
+        <pc:chgData name="Sophie Y." userId="f34e18bc73d4dbe8" providerId="LiveId" clId="{B14A4A8B-8448-4D27-9AA0-551459E1DFA5}" dt="2025-11-12T14:45:23.511" v="551" actId="20577"/>
         <pc:sldMkLst>
           <pc:docMk/>
           <pc:sldMk cId="857892202" sldId="258"/>
         </pc:sldMkLst>
         <pc:spChg chg="mod">
-          <ac:chgData name="Sophie Y." userId="f34e18bc73d4dbe8" providerId="LiveId" clId="{B14A4A8B-8448-4D27-9AA0-551459E1DFA5}" dt="2025-11-12T14:36:44.466" v="358" actId="2711"/>
+          <ac:chgData name="Sophie Y." userId="f34e18bc73d4dbe8" providerId="LiveId" clId="{B14A4A8B-8448-4D27-9AA0-551459E1DFA5}" dt="2025-11-12T14:45:23.511" v="551" actId="20577"/>
           <ac:spMkLst>
             <pc:docMk/>
             <pc:sldMk cId="857892202" sldId="258"/>
@@ -175,7 +183,7 @@
         </pc:sldMkLst>
       </pc:sldChg>
       <pc:sldChg chg="addSp delSp modSp mod">
-        <pc:chgData name="Sophie Y." userId="f34e18bc73d4dbe8" providerId="LiveId" clId="{B14A4A8B-8448-4D27-9AA0-551459E1DFA5}" dt="2025-11-12T14:42:06.597" v="514" actId="478"/>
+        <pc:chgData name="Sophie Y." userId="f34e18bc73d4dbe8" providerId="LiveId" clId="{B14A4A8B-8448-4D27-9AA0-551459E1DFA5}" dt="2025-11-12T14:50:04.158" v="584" actId="6549"/>
         <pc:sldMkLst>
           <pc:docMk/>
           <pc:sldMk cId="13598123" sldId="260"/>
@@ -197,13 +205,21 @@
           </ac:spMkLst>
         </pc:spChg>
         <pc:spChg chg="add mod">
-          <ac:chgData name="Sophie Y." userId="f34e18bc73d4dbe8" providerId="LiveId" clId="{B14A4A8B-8448-4D27-9AA0-551459E1DFA5}" dt="2025-11-12T14:42:00.194" v="513" actId="6549"/>
+          <ac:chgData name="Sophie Y." userId="f34e18bc73d4dbe8" providerId="LiveId" clId="{B14A4A8B-8448-4D27-9AA0-551459E1DFA5}" dt="2025-11-12T14:50:04.158" v="584" actId="6549"/>
           <ac:spMkLst>
             <pc:docMk/>
             <pc:sldMk cId="13598123" sldId="260"/>
             <ac:spMk id="10" creationId="{9BB1C519-B44A-0817-D637-D5B9FAB35EA0}"/>
           </ac:spMkLst>
         </pc:spChg>
+        <pc:graphicFrameChg chg="add mod">
+          <ac:chgData name="Sophie Y." userId="f34e18bc73d4dbe8" providerId="LiveId" clId="{B14A4A8B-8448-4D27-9AA0-551459E1DFA5}" dt="2025-11-12T14:49:56.395" v="574"/>
+          <ac:graphicFrameMkLst>
+            <pc:docMk/>
+            <pc:sldMk cId="13598123" sldId="260"/>
+            <ac:graphicFrameMk id="3" creationId="{2CBFE2ED-1173-B84B-3256-6FF21B5F7C08}"/>
+          </ac:graphicFrameMkLst>
+        </pc:graphicFrameChg>
         <pc:picChg chg="add mod modCrop">
           <ac:chgData name="Sophie Y." userId="f34e18bc73d4dbe8" providerId="LiveId" clId="{B14A4A8B-8448-4D27-9AA0-551459E1DFA5}" dt="2025-11-12T14:41:30.134" v="507" actId="1076"/>
           <ac:picMkLst>
@@ -237,7 +253,7 @@
         </pc:sldMkLst>
       </pc:sldChg>
       <pc:sldChg chg="addSp modSp mod">
-        <pc:chgData name="Sophie Y." userId="f34e18bc73d4dbe8" providerId="LiveId" clId="{B14A4A8B-8448-4D27-9AA0-551459E1DFA5}" dt="2025-11-12T14:37:17.180" v="414" actId="108"/>
+        <pc:chgData name="Sophie Y." userId="f34e18bc73d4dbe8" providerId="LiveId" clId="{B14A4A8B-8448-4D27-9AA0-551459E1DFA5}" dt="2025-11-12T14:44:35.800" v="538" actId="14100"/>
         <pc:sldMkLst>
           <pc:docMk/>
           <pc:sldMk cId="4012573386" sldId="263"/>
@@ -251,7 +267,7 @@
           </ac:spMkLst>
         </pc:spChg>
         <pc:spChg chg="mod">
-          <ac:chgData name="Sophie Y." userId="f34e18bc73d4dbe8" providerId="LiveId" clId="{B14A4A8B-8448-4D27-9AA0-551459E1DFA5}" dt="2025-11-12T14:37:17.180" v="414" actId="108"/>
+          <ac:chgData name="Sophie Y." userId="f34e18bc73d4dbe8" providerId="LiveId" clId="{B14A4A8B-8448-4D27-9AA0-551459E1DFA5}" dt="2025-11-12T14:44:35.800" v="538" actId="14100"/>
           <ac:spMkLst>
             <pc:docMk/>
             <pc:sldMk cId="4012573386" sldId="263"/>
@@ -267,8 +283,8 @@
           </ac:picMkLst>
         </pc:picChg>
       </pc:sldChg>
-      <pc:sldChg chg="addSp modSp mod">
-        <pc:chgData name="Sophie Y." userId="f34e18bc73d4dbe8" providerId="LiveId" clId="{B14A4A8B-8448-4D27-9AA0-551459E1DFA5}" dt="2025-11-12T14:36:39.529" v="357" actId="403"/>
+      <pc:sldChg chg="addSp delSp modSp mod">
+        <pc:chgData name="Sophie Y." userId="f34e18bc73d4dbe8" providerId="LiveId" clId="{B14A4A8B-8448-4D27-9AA0-551459E1DFA5}" dt="2025-11-12T14:50:54.104" v="587" actId="1076"/>
         <pc:sldMkLst>
           <pc:docMk/>
           <pc:sldMk cId="97141928" sldId="264"/>
@@ -281,16 +297,16 @@
             <ac:spMk id="2" creationId="{7DD265E2-B68E-0FB1-CF2E-4BB270EE254F}"/>
           </ac:spMkLst>
         </pc:spChg>
-        <pc:spChg chg="add mod">
-          <ac:chgData name="Sophie Y." userId="f34e18bc73d4dbe8" providerId="LiveId" clId="{B14A4A8B-8448-4D27-9AA0-551459E1DFA5}" dt="2025-11-12T14:28:43.902" v="206" actId="1076"/>
+        <pc:spChg chg="add del mod">
+          <ac:chgData name="Sophie Y." userId="f34e18bc73d4dbe8" providerId="LiveId" clId="{B14A4A8B-8448-4D27-9AA0-551459E1DFA5}" dt="2025-11-12T14:46:46.939" v="559" actId="478"/>
           <ac:spMkLst>
             <pc:docMk/>
             <pc:sldMk cId="97141928" sldId="264"/>
             <ac:spMk id="4" creationId="{A731BB6B-8F31-5283-5709-1E29E58E41AC}"/>
           </ac:spMkLst>
         </pc:spChg>
-        <pc:spChg chg="mod">
-          <ac:chgData name="Sophie Y." userId="f34e18bc73d4dbe8" providerId="LiveId" clId="{B14A4A8B-8448-4D27-9AA0-551459E1DFA5}" dt="2025-11-12T14:28:38.697" v="205" actId="14100"/>
+        <pc:spChg chg="del mod ord">
+          <ac:chgData name="Sophie Y." userId="f34e18bc73d4dbe8" providerId="LiveId" clId="{B14A4A8B-8448-4D27-9AA0-551459E1DFA5}" dt="2025-11-12T14:46:42.364" v="557" actId="478"/>
           <ac:spMkLst>
             <pc:docMk/>
             <pc:sldMk cId="97141928" sldId="264"/>
@@ -298,7 +314,7 @@
           </ac:spMkLst>
         </pc:spChg>
         <pc:graphicFrameChg chg="mod modGraphic">
-          <ac:chgData name="Sophie Y." userId="f34e18bc73d4dbe8" providerId="LiveId" clId="{B14A4A8B-8448-4D27-9AA0-551459E1DFA5}" dt="2025-11-12T14:36:39.529" v="357" actId="403"/>
+          <ac:chgData name="Sophie Y." userId="f34e18bc73d4dbe8" providerId="LiveId" clId="{B14A4A8B-8448-4D27-9AA0-551459E1DFA5}" dt="2025-11-12T14:48:34.671" v="571" actId="14100"/>
           <ac:graphicFrameMkLst>
             <pc:docMk/>
             <pc:sldMk cId="97141928" sldId="264"/>
@@ -306,26 +322,50 @@
           </ac:graphicFrameMkLst>
         </pc:graphicFrameChg>
         <pc:picChg chg="mod">
-          <ac:chgData name="Sophie Y." userId="f34e18bc73d4dbe8" providerId="LiveId" clId="{B14A4A8B-8448-4D27-9AA0-551459E1DFA5}" dt="2025-11-12T14:25:47.422" v="149" actId="14100"/>
+          <ac:chgData name="Sophie Y." userId="f34e18bc73d4dbe8" providerId="LiveId" clId="{B14A4A8B-8448-4D27-9AA0-551459E1DFA5}" dt="2025-11-12T14:50:52.445" v="586" actId="1076"/>
           <ac:picMkLst>
             <pc:docMk/>
             <pc:sldMk cId="97141928" sldId="264"/>
             <ac:picMk id="5" creationId="{DF38047E-8583-F28E-2A93-78E305FBF795}"/>
           </ac:picMkLst>
         </pc:picChg>
+        <pc:picChg chg="mod">
+          <ac:chgData name="Sophie Y." userId="f34e18bc73d4dbe8" providerId="LiveId" clId="{B14A4A8B-8448-4D27-9AA0-551459E1DFA5}" dt="2025-11-12T14:50:54.104" v="587" actId="1076"/>
+          <ac:picMkLst>
+            <pc:docMk/>
+            <pc:sldMk cId="97141928" sldId="264"/>
+            <ac:picMk id="7" creationId="{7365CD5E-AE53-2C01-1E1D-151C05D1380E}"/>
+          </ac:picMkLst>
+        </pc:picChg>
       </pc:sldChg>
       <pc:sldChg chg="addSp delSp modSp new mod">
-        <pc:chgData name="Sophie Y." userId="f34e18bc73d4dbe8" providerId="LiveId" clId="{B14A4A8B-8448-4D27-9AA0-551459E1DFA5}" dt="2025-11-12T14:41:24.174" v="505" actId="20577"/>
+        <pc:chgData name="Sophie Y." userId="f34e18bc73d4dbe8" providerId="LiveId" clId="{B14A4A8B-8448-4D27-9AA0-551459E1DFA5}" dt="2025-11-12T14:47:46.003" v="569"/>
         <pc:sldMkLst>
           <pc:docMk/>
           <pc:sldMk cId="1486701638" sldId="265"/>
         </pc:sldMkLst>
+        <pc:spChg chg="add del mod">
+          <ac:chgData name="Sophie Y." userId="f34e18bc73d4dbe8" providerId="LiveId" clId="{B14A4A8B-8448-4D27-9AA0-551459E1DFA5}" dt="2025-11-12T14:44:15.954" v="533" actId="11529"/>
+          <ac:spMkLst>
+            <pc:docMk/>
+            <pc:sldMk cId="1486701638" sldId="265"/>
+            <ac:spMk id="2" creationId="{99CD7CCA-F136-E586-62E7-852E2951CB6A}"/>
+          </ac:spMkLst>
+        </pc:spChg>
         <pc:spChg chg="add del">
           <ac:chgData name="Sophie Y." userId="f34e18bc73d4dbe8" providerId="LiveId" clId="{B14A4A8B-8448-4D27-9AA0-551459E1DFA5}" dt="2025-11-12T14:34:01.940" v="352" actId="478"/>
           <ac:spMkLst>
             <pc:docMk/>
             <pc:sldMk cId="1486701638" sldId="265"/>
             <ac:spMk id="3" creationId="{A40322A9-848C-F07F-608C-B9E57150A4F3}"/>
+          </ac:spMkLst>
+        </pc:spChg>
+        <pc:spChg chg="add del mod">
+          <ac:chgData name="Sophie Y." userId="f34e18bc73d4dbe8" providerId="LiveId" clId="{B14A4A8B-8448-4D27-9AA0-551459E1DFA5}" dt="2025-11-12T14:47:46.003" v="569"/>
+          <ac:spMkLst>
+            <pc:docMk/>
+            <pc:sldMk cId="1486701638" sldId="265"/>
+            <ac:spMk id="3" creationId="{C6109305-7A11-184F-7472-7DFFFD554758}"/>
           </ac:spMkLst>
         </pc:spChg>
         <pc:spChg chg="add del">
@@ -344,8 +384,8 @@
             <ac:spMk id="7" creationId="{658D30AC-9FC4-2FAB-090E-8CD1C658FC91}"/>
           </ac:spMkLst>
         </pc:spChg>
-        <pc:spChg chg="add mod">
-          <ac:chgData name="Sophie Y." userId="f34e18bc73d4dbe8" providerId="LiveId" clId="{B14A4A8B-8448-4D27-9AA0-551459E1DFA5}" dt="2025-11-12T14:40:39.265" v="474" actId="14100"/>
+        <pc:spChg chg="add del mod">
+          <ac:chgData name="Sophie Y." userId="f34e18bc73d4dbe8" providerId="LiveId" clId="{B14A4A8B-8448-4D27-9AA0-551459E1DFA5}" dt="2025-11-12T14:44:16.385" v="534" actId="478"/>
           <ac:spMkLst>
             <pc:docMk/>
             <pc:sldMk cId="1486701638" sldId="265"/>
@@ -2961,6 +3001,57 @@
           </a:p>
         </p:txBody>
       </p:sp>
+      <p:sp>
+        <p:nvSpPr>
+          <p:cNvPr id="7" name="TextBox 6">
+            <a:extLst>
+              <a:ext uri="{FF2B5EF4-FFF2-40B4-BE49-F238E27FC236}">
+                <a16:creationId xmlns:a16="http://schemas.microsoft.com/office/drawing/2014/main" id="{5F072DDD-050A-7752-250E-E6BE1A8323F0}"/>
+              </a:ext>
+            </a:extLst>
+          </p:cNvPr>
+          <p:cNvSpPr txBox="1"/>
+          <p:nvPr/>
+        </p:nvSpPr>
+        <p:spPr>
+          <a:xfrm>
+            <a:off x="5603846" y="6323212"/>
+            <a:ext cx="1912690" cy="369332"/>
+          </a:xfrm>
+          <a:prstGeom prst="rect">
+            <a:avLst/>
+          </a:prstGeom>
+          <a:noFill/>
+        </p:spPr>
+        <p:txBody>
+          <a:bodyPr wrap="square">
+            <a:spAutoFit/>
+          </a:bodyPr>
+          <a:lstStyle/>
+          <a:p>
+            <a:r>
+              <a:rPr lang="en-GB" dirty="0">
+                <a:solidFill>
+                  <a:schemeClr val="bg1"/>
+                </a:solidFill>
+                <a:hlinkClick r:id="rId4">
+                  <a:extLst>
+                    <a:ext uri="{A12FA001-AC4F-418D-AE19-62706E023703}">
+                      <ahyp:hlinkClr xmlns:ahyp="http://schemas.microsoft.com/office/drawing/2018/hyperlinkcolor" val="tx"/>
+                    </a:ext>
+                  </a:extLst>
+                </a:hlinkClick>
+              </a:rPr>
+              <a:t>GitHub repository</a:t>
+            </a:r>
+            <a:endParaRPr lang="fr-BE" dirty="0">
+              <a:solidFill>
+                <a:schemeClr val="bg1"/>
+              </a:solidFill>
+            </a:endParaRPr>
+          </a:p>
+        </p:txBody>
+      </p:sp>
     </p:spTree>
   </p:cSld>
   <p:clrMapOvr>
@@ -3143,7 +3234,7 @@
               <a:buAutoNum type="arabicPeriod"/>
             </a:pPr>
             <a:r>
-              <a:rPr lang="fr-BE" sz="3200" dirty="0">
+              <a:rPr lang="fr-BE" sz="3200" dirty="0" err="1">
                 <a:solidFill>
                   <a:schemeClr val="bg1"/>
                 </a:solidFill>
@@ -3151,10 +3242,10 @@
                 <a:ea typeface="Roboto" panose="02000000000000000000" pitchFamily="2" charset="0"/>
                 <a:cs typeface="Roboto" panose="02000000000000000000" pitchFamily="2" charset="0"/>
               </a:rPr>
-              <a:t>Try </a:t>
-            </a:r>
-            <a:r>
-              <a:rPr lang="fr-BE" sz="3200" dirty="0" err="1">
+              <a:t>Identify</a:t>
+            </a:r>
+            <a:r>
+              <a:rPr lang="fr-BE" sz="3200" dirty="0">
                 <a:solidFill>
                   <a:schemeClr val="bg1"/>
                 </a:solidFill>
@@ -3162,10 +3253,10 @@
                 <a:ea typeface="Roboto" panose="02000000000000000000" pitchFamily="2" charset="0"/>
                 <a:cs typeface="Roboto" panose="02000000000000000000" pitchFamily="2" charset="0"/>
               </a:rPr>
-              <a:t>different</a:t>
-            </a:r>
-            <a:r>
-              <a:rPr lang="fr-BE" sz="3200" dirty="0">
+              <a:t> important </a:t>
+            </a:r>
+            <a:r>
+              <a:rPr lang="fr-BE" sz="3200" dirty="0" err="1">
                 <a:solidFill>
                   <a:schemeClr val="bg1"/>
                 </a:solidFill>
@@ -3173,40 +3264,7 @@
                 <a:ea typeface="Roboto" panose="02000000000000000000" pitchFamily="2" charset="0"/>
                 <a:cs typeface="Roboto" panose="02000000000000000000" pitchFamily="2" charset="0"/>
               </a:rPr>
-              <a:t> Machine Learning </a:t>
-            </a:r>
-            <a:r>
-              <a:rPr lang="fr-BE" sz="3200" dirty="0" err="1">
-                <a:solidFill>
-                  <a:schemeClr val="bg1"/>
-                </a:solidFill>
-                <a:latin typeface="Roboto" panose="02000000000000000000" pitchFamily="2" charset="0"/>
-                <a:ea typeface="Roboto" panose="02000000000000000000" pitchFamily="2" charset="0"/>
-                <a:cs typeface="Roboto" panose="02000000000000000000" pitchFamily="2" charset="0"/>
-              </a:rPr>
-              <a:t>Models</a:t>
-            </a:r>
-            <a:r>
-              <a:rPr lang="fr-BE" sz="3200" dirty="0">
-                <a:solidFill>
-                  <a:schemeClr val="bg1"/>
-                </a:solidFill>
-                <a:latin typeface="Roboto" panose="02000000000000000000" pitchFamily="2" charset="0"/>
-                <a:ea typeface="Roboto" panose="02000000000000000000" pitchFamily="2" charset="0"/>
-                <a:cs typeface="Roboto" panose="02000000000000000000" pitchFamily="2" charset="0"/>
-              </a:rPr>
-              <a:t> and optimise the </a:t>
-            </a:r>
-            <a:r>
-              <a:rPr lang="fr-BE" sz="3200" dirty="0" err="1">
-                <a:solidFill>
-                  <a:schemeClr val="bg1"/>
-                </a:solidFill>
-                <a:latin typeface="Roboto" panose="02000000000000000000" pitchFamily="2" charset="0"/>
-                <a:ea typeface="Roboto" panose="02000000000000000000" pitchFamily="2" charset="0"/>
-                <a:cs typeface="Roboto" panose="02000000000000000000" pitchFamily="2" charset="0"/>
-              </a:rPr>
-              <a:t>Models</a:t>
+              <a:t>features</a:t>
             </a:r>
             <a:endParaRPr lang="fr-BE" sz="3200" dirty="0">
               <a:solidFill>
@@ -3223,7 +3281,7 @@
               <a:buAutoNum type="arabicPeriod"/>
             </a:pPr>
             <a:r>
-              <a:rPr lang="fr-BE" sz="3200" dirty="0" err="1">
+              <a:rPr lang="fr-BE" sz="3200" dirty="0">
                 <a:solidFill>
                   <a:schemeClr val="bg1"/>
                 </a:solidFill>
@@ -3231,10 +3289,10 @@
                 <a:ea typeface="Roboto" panose="02000000000000000000" pitchFamily="2" charset="0"/>
                 <a:cs typeface="Roboto" panose="02000000000000000000" pitchFamily="2" charset="0"/>
               </a:rPr>
-              <a:t>Identify</a:t>
-            </a:r>
-            <a:r>
-              <a:rPr lang="fr-BE" sz="3200" dirty="0">
+              <a:t>Try </a:t>
+            </a:r>
+            <a:r>
+              <a:rPr lang="fr-BE" sz="3200" dirty="0" err="1">
                 <a:solidFill>
                   <a:schemeClr val="bg1"/>
                 </a:solidFill>
@@ -3242,10 +3300,10 @@
                 <a:ea typeface="Roboto" panose="02000000000000000000" pitchFamily="2" charset="0"/>
                 <a:cs typeface="Roboto" panose="02000000000000000000" pitchFamily="2" charset="0"/>
               </a:rPr>
-              <a:t> important </a:t>
-            </a:r>
-            <a:r>
-              <a:rPr lang="fr-BE" sz="3200" dirty="0" err="1">
+              <a:t>different</a:t>
+            </a:r>
+            <a:r>
+              <a:rPr lang="fr-BE" sz="3200" dirty="0">
                 <a:solidFill>
                   <a:schemeClr val="bg1"/>
                 </a:solidFill>
@@ -3253,16 +3311,30 @@
                 <a:ea typeface="Roboto" panose="02000000000000000000" pitchFamily="2" charset="0"/>
                 <a:cs typeface="Roboto" panose="02000000000000000000" pitchFamily="2" charset="0"/>
               </a:rPr>
-              <a:t>features</a:t>
-            </a:r>
-            <a:endParaRPr lang="fr-BE" sz="3200" dirty="0">
-              <a:solidFill>
-                <a:schemeClr val="bg1"/>
-              </a:solidFill>
-              <a:latin typeface="Roboto" panose="02000000000000000000" pitchFamily="2" charset="0"/>
-              <a:ea typeface="Roboto" panose="02000000000000000000" pitchFamily="2" charset="0"/>
-              <a:cs typeface="Roboto" panose="02000000000000000000" pitchFamily="2" charset="0"/>
-            </a:endParaRPr>
+              <a:t> Machine Learning </a:t>
+            </a:r>
+            <a:r>
+              <a:rPr lang="fr-BE" sz="3200" dirty="0" err="1">
+                <a:solidFill>
+                  <a:schemeClr val="bg1"/>
+                </a:solidFill>
+                <a:latin typeface="Roboto" panose="02000000000000000000" pitchFamily="2" charset="0"/>
+                <a:ea typeface="Roboto" panose="02000000000000000000" pitchFamily="2" charset="0"/>
+                <a:cs typeface="Roboto" panose="02000000000000000000" pitchFamily="2" charset="0"/>
+              </a:rPr>
+              <a:t>Models</a:t>
+            </a:r>
+            <a:r>
+              <a:rPr lang="fr-BE" sz="3200" dirty="0">
+                <a:solidFill>
+                  <a:schemeClr val="bg1"/>
+                </a:solidFill>
+                <a:latin typeface="Roboto" panose="02000000000000000000" pitchFamily="2" charset="0"/>
+                <a:ea typeface="Roboto" panose="02000000000000000000" pitchFamily="2" charset="0"/>
+                <a:cs typeface="Roboto" panose="02000000000000000000" pitchFamily="2" charset="0"/>
+              </a:rPr>
+              <a:t> and optimise the final model</a:t>
+            </a:r>
           </a:p>
           <a:p>
             <a:pPr marL="342900" indent="-342900">
@@ -3505,8 +3577,8 @@
         </p:nvSpPr>
         <p:spPr>
           <a:xfrm>
-            <a:off x="8007420" y="1582340"/>
-            <a:ext cx="3917402" cy="3693319"/>
+            <a:off x="7122253" y="1582340"/>
+            <a:ext cx="4802569" cy="3693319"/>
           </a:xfrm>
           <a:prstGeom prst="rect">
             <a:avLst/>
@@ -3549,6 +3621,19 @@
               <a:ea typeface="Roboto Slab" pitchFamily="34" charset="-122"/>
               <a:cs typeface="Roboto Slab" pitchFamily="34" charset="-120"/>
             </a:endParaRPr>
+          </a:p>
+          <a:p>
+            <a:r>
+              <a:rPr lang="fr-BE" sz="2600" dirty="0">
+                <a:solidFill>
+                  <a:schemeClr val="bg1"/>
+                </a:solidFill>
+                <a:latin typeface="Aptos" panose="020B0004020202020204" pitchFamily="34" charset="0"/>
+                <a:ea typeface="Roboto Slab" pitchFamily="34" charset="-122"/>
+                <a:cs typeface="Roboto Slab" pitchFamily="34" charset="-120"/>
+              </a:rPr>
+              <a:t>CP : Coastal Protection</a:t>
+            </a:r>
           </a:p>
           <a:p>
             <a:r>
@@ -4221,42 +4306,35 @@
           <p:nvPr>
             <p:extLst>
               <p:ext uri="{D42A27DB-BD31-4B8C-83A1-F6EECF244321}">
-                <p14:modId xmlns:p14="http://schemas.microsoft.com/office/powerpoint/2010/main" val="2209658750"/>
+                <p14:modId xmlns:p14="http://schemas.microsoft.com/office/powerpoint/2010/main" val="2601932792"/>
               </p:ext>
             </p:extLst>
           </p:nvPr>
         </p:nvGraphicFramePr>
         <p:xfrm>
-          <a:off x="191826" y="1687354"/>
-          <a:ext cx="5357284" cy="4066869"/>
+          <a:off x="857928" y="1764506"/>
+          <a:ext cx="5156977" cy="3789005"/>
         </p:xfrm>
         <a:graphic>
           <a:graphicData uri="http://schemas.openxmlformats.org/drawingml/2006/table">
             <a:tbl>
               <a:tblPr/>
               <a:tblGrid>
-                <a:gridCol w="1247306">
+                <a:gridCol w="1529970">
                   <a:extLst>
                     <a:ext uri="{9D8B030D-6E8A-4147-A177-3AD203B41FA5}">
                       <a16:colId xmlns:a16="http://schemas.microsoft.com/office/drawing/2014/main" val="3180290774"/>
                     </a:ext>
                   </a:extLst>
                 </a:gridCol>
-                <a:gridCol w="1022383">
-                  <a:extLst>
-                    <a:ext uri="{9D8B030D-6E8A-4147-A177-3AD203B41FA5}">
-                      <a16:colId xmlns:a16="http://schemas.microsoft.com/office/drawing/2014/main" val="3711109599"/>
-                    </a:ext>
-                  </a:extLst>
-                </a:gridCol>
-                <a:gridCol w="2247743">
+                <a:gridCol w="2596828">
                   <a:extLst>
                     <a:ext uri="{9D8B030D-6E8A-4147-A177-3AD203B41FA5}">
                       <a16:colId xmlns:a16="http://schemas.microsoft.com/office/drawing/2014/main" val="3066755173"/>
                     </a:ext>
                   </a:extLst>
                 </a:gridCol>
-                <a:gridCol w="839852">
+                <a:gridCol w="1030179">
                   <a:extLst>
                     <a:ext uri="{9D8B030D-6E8A-4147-A177-3AD203B41FA5}">
                       <a16:colId xmlns:a16="http://schemas.microsoft.com/office/drawing/2014/main" val="1088649714"/>
@@ -4264,7 +4342,7 @@
                   </a:extLst>
                 </a:gridCol>
               </a:tblGrid>
-              <a:tr h="468776">
+              <a:tr h="470684">
                 <a:tc>
                   <a:txBody>
                     <a:bodyPr/>
@@ -4291,79 +4369,6 @@
                     <a:lnL w="7620" cap="flat" cmpd="sng" algn="ctr">
                       <a:solidFill>
                         <a:srgbClr val="356854"/>
-                      </a:solidFill>
-                      <a:prstDash val="solid"/>
-                      <a:round/>
-                      <a:headEnd type="none" w="med" len="med"/>
-                      <a:tailEnd type="none" w="med" len="med"/>
-                    </a:lnL>
-                    <a:lnR w="7620" cap="flat" cmpd="sng" algn="ctr">
-                      <a:solidFill>
-                        <a:srgbClr val="CCCCCC"/>
-                      </a:solidFill>
-                      <a:prstDash val="solid"/>
-                      <a:round/>
-                      <a:headEnd type="none" w="med" len="med"/>
-                      <a:tailEnd type="none" w="med" len="med"/>
-                    </a:lnR>
-                    <a:lnT w="7620" cap="flat" cmpd="sng" algn="ctr">
-                      <a:solidFill>
-                        <a:srgbClr val="284E3F"/>
-                      </a:solidFill>
-                      <a:prstDash val="solid"/>
-                      <a:round/>
-                      <a:headEnd type="none" w="med" len="med"/>
-                      <a:tailEnd type="none" w="med" len="med"/>
-                    </a:lnT>
-                    <a:lnB w="7620" cap="flat" cmpd="sng" algn="ctr">
-                      <a:solidFill>
-                        <a:srgbClr val="CCCCCC"/>
-                      </a:solidFill>
-                      <a:prstDash val="solid"/>
-                      <a:round/>
-                      <a:headEnd type="none" w="med" len="med"/>
-                      <a:tailEnd type="none" w="med" len="med"/>
-                    </a:lnB>
-                    <a:solidFill>
-                      <a:srgbClr val="356854"/>
-                    </a:solidFill>
-                  </a:tcPr>
-                </a:tc>
-                <a:tc>
-                  <a:txBody>
-                    <a:bodyPr/>
-                    <a:lstStyle/>
-                    <a:p>
-                      <a:pPr algn="ctr" rtl="0" fontAlgn="ctr">
-                        <a:buNone/>
-                      </a:pPr>
-                      <a:r>
-                        <a:rPr lang="fr-BE" sz="1600" b="0" dirty="0" err="1">
-                          <a:solidFill>
-                            <a:srgbClr val="FFFFFF"/>
-                          </a:solidFill>
-                          <a:effectLst/>
-                          <a:latin typeface="Roboto" panose="02000000000000000000" pitchFamily="2" charset="0"/>
-                          <a:ea typeface="Roboto" panose="02000000000000000000" pitchFamily="2" charset="0"/>
-                          <a:cs typeface="Roboto" panose="02000000000000000000" pitchFamily="2" charset="0"/>
-                        </a:rPr>
-                        <a:t>Validation_Strategy</a:t>
-                      </a:r>
-                      <a:endParaRPr lang="fr-BE" sz="1600" b="0" dirty="0">
-                        <a:solidFill>
-                          <a:srgbClr val="FFFFFF"/>
-                        </a:solidFill>
-                        <a:effectLst/>
-                        <a:latin typeface="Roboto" panose="02000000000000000000" pitchFamily="2" charset="0"/>
-                        <a:ea typeface="Roboto" panose="02000000000000000000" pitchFamily="2" charset="0"/>
-                        <a:cs typeface="Roboto" panose="02000000000000000000" pitchFamily="2" charset="0"/>
-                      </a:endParaRPr>
-                    </a:p>
-                  </a:txBody>
-                  <a:tcPr marL="60960" marR="60960" marT="15240" marB="15240" anchor="ctr">
-                    <a:lnL w="7620" cap="flat" cmpd="sng" algn="ctr">
-                      <a:solidFill>
-                        <a:srgbClr val="CCCCCC"/>
                       </a:solidFill>
                       <a:prstDash val="solid"/>
                       <a:round/>
@@ -4545,7 +4550,7 @@
                   </a:ext>
                 </a:extLst>
               </a:tr>
-              <a:tr h="1101623">
+              <a:tr h="1106107">
                 <a:tc>
                   <a:txBody>
                     <a:bodyPr/>
@@ -4605,108 +4610,6 @@
                     <a:lnL w="7620" cap="flat" cmpd="sng" algn="ctr">
                       <a:solidFill>
                         <a:srgbClr val="000000"/>
-                      </a:solidFill>
-                      <a:prstDash val="solid"/>
-                      <a:round/>
-                      <a:headEnd type="none" w="med" len="med"/>
-                      <a:tailEnd type="none" w="med" len="med"/>
-                    </a:lnL>
-                    <a:lnR w="7620" cap="flat" cmpd="sng" algn="ctr">
-                      <a:solidFill>
-                        <a:srgbClr val="CCCCCC"/>
-                      </a:solidFill>
-                      <a:prstDash val="solid"/>
-                      <a:round/>
-                      <a:headEnd type="none" w="med" len="med"/>
-                      <a:tailEnd type="none" w="med" len="med"/>
-                    </a:lnR>
-                    <a:lnT w="7620" cap="flat" cmpd="sng" algn="ctr">
-                      <a:solidFill>
-                        <a:srgbClr val="CCCCCC"/>
-                      </a:solidFill>
-                      <a:prstDash val="solid"/>
-                      <a:round/>
-                      <a:headEnd type="none" w="med" len="med"/>
-                      <a:tailEnd type="none" w="med" len="med"/>
-                    </a:lnT>
-                    <a:lnB w="7620" cap="flat" cmpd="sng" algn="ctr">
-                      <a:solidFill>
-                        <a:srgbClr val="CCCCCC"/>
-                      </a:solidFill>
-                      <a:prstDash val="solid"/>
-                      <a:round/>
-                      <a:headEnd type="none" w="med" len="med"/>
-                      <a:tailEnd type="none" w="med" len="med"/>
-                    </a:lnB>
-                    <a:solidFill>
-                      <a:srgbClr val="FFFFFF"/>
-                    </a:solidFill>
-                  </a:tcPr>
-                </a:tc>
-                <a:tc>
-                  <a:txBody>
-                    <a:bodyPr/>
-                    <a:lstStyle/>
-                    <a:p>
-                      <a:pPr marL="0" marR="0" lvl="0" indent="0" algn="ctr" defTabSz="761970" rtl="0" eaLnBrk="1" fontAlgn="ctr" latinLnBrk="0" hangingPunct="1">
-                        <a:lnSpc>
-                          <a:spcPct val="100000"/>
-                        </a:lnSpc>
-                        <a:spcBef>
-                          <a:spcPts val="0"/>
-                        </a:spcBef>
-                        <a:spcAft>
-                          <a:spcPts val="0"/>
-                        </a:spcAft>
-                        <a:buClrTx/>
-                        <a:buSzTx/>
-                        <a:buFontTx/>
-                        <a:buNone/>
-                        <a:tabLst/>
-                        <a:defRPr/>
-                      </a:pPr>
-                      <a:r>
-                        <a:rPr lang="fr-BE" sz="1600" b="0" dirty="0">
-                          <a:solidFill>
-                            <a:srgbClr val="434343"/>
-                          </a:solidFill>
-                          <a:effectLst/>
-                          <a:latin typeface="Roboto" panose="02000000000000000000" pitchFamily="2" charset="0"/>
-                          <a:ea typeface="Roboto" panose="02000000000000000000" pitchFamily="2" charset="0"/>
-                          <a:cs typeface="Roboto" panose="02000000000000000000" pitchFamily="2" charset="0"/>
-                        </a:rPr>
-                        <a:t>K-</a:t>
-                      </a:r>
-                      <a:r>
-                        <a:rPr lang="fr-BE" sz="1600" b="0" dirty="0" err="1">
-                          <a:solidFill>
-                            <a:srgbClr val="434343"/>
-                          </a:solidFill>
-                          <a:effectLst/>
-                          <a:latin typeface="Roboto" panose="02000000000000000000" pitchFamily="2" charset="0"/>
-                          <a:ea typeface="Roboto" panose="02000000000000000000" pitchFamily="2" charset="0"/>
-                          <a:cs typeface="Roboto" panose="02000000000000000000" pitchFamily="2" charset="0"/>
-                        </a:rPr>
-                        <a:t>fold</a:t>
-                      </a:r>
-                      <a:r>
-                        <a:rPr lang="fr-BE" sz="1600" b="0" dirty="0">
-                          <a:solidFill>
-                            <a:srgbClr val="434343"/>
-                          </a:solidFill>
-                          <a:effectLst/>
-                          <a:latin typeface="Roboto" panose="02000000000000000000" pitchFamily="2" charset="0"/>
-                          <a:ea typeface="Roboto" panose="02000000000000000000" pitchFamily="2" charset="0"/>
-                          <a:cs typeface="Roboto" panose="02000000000000000000" pitchFamily="2" charset="0"/>
-                        </a:rPr>
-                        <a:t> = 5</a:t>
-                      </a:r>
-                    </a:p>
-                  </a:txBody>
-                  <a:tcPr marL="60960" marR="60960" marT="15240" marB="15240" anchor="ctr">
-                    <a:lnL w="7620" cap="flat" cmpd="sng" algn="ctr">
-                      <a:solidFill>
-                        <a:srgbClr val="CCCCCC"/>
                       </a:solidFill>
                       <a:prstDash val="solid"/>
                       <a:round/>
@@ -4891,7 +4794,7 @@
                   </a:ext>
                 </a:extLst>
               </a:tr>
-              <a:tr h="1101623">
+              <a:tr h="1106107">
                 <a:tc>
                   <a:txBody>
                     <a:bodyPr/>
@@ -4930,70 +4833,6 @@
                     <a:lnL w="7620" cap="flat" cmpd="sng" algn="ctr">
                       <a:solidFill>
                         <a:srgbClr val="000000"/>
-                      </a:solidFill>
-                      <a:prstDash val="solid"/>
-                      <a:round/>
-                      <a:headEnd type="none" w="med" len="med"/>
-                      <a:tailEnd type="none" w="med" len="med"/>
-                    </a:lnL>
-                    <a:lnR w="7620" cap="flat" cmpd="sng" algn="ctr">
-                      <a:solidFill>
-                        <a:srgbClr val="CCCCCC"/>
-                      </a:solidFill>
-                      <a:prstDash val="solid"/>
-                      <a:round/>
-                      <a:headEnd type="none" w="med" len="med"/>
-                      <a:tailEnd type="none" w="med" len="med"/>
-                    </a:lnR>
-                    <a:lnT w="7620" cap="flat" cmpd="sng" algn="ctr">
-                      <a:solidFill>
-                        <a:srgbClr val="CCCCCC"/>
-                      </a:solidFill>
-                      <a:prstDash val="solid"/>
-                      <a:round/>
-                      <a:headEnd type="none" w="med" len="med"/>
-                      <a:tailEnd type="none" w="med" len="med"/>
-                    </a:lnT>
-                    <a:lnB w="7620" cap="flat" cmpd="sng" algn="ctr">
-                      <a:solidFill>
-                        <a:srgbClr val="CCCCCC"/>
-                      </a:solidFill>
-                      <a:prstDash val="solid"/>
-                      <a:round/>
-                      <a:headEnd type="none" w="med" len="med"/>
-                      <a:tailEnd type="none" w="med" len="med"/>
-                    </a:lnB>
-                    <a:solidFill>
-                      <a:srgbClr val="FFFFFF"/>
-                    </a:solidFill>
-                  </a:tcPr>
-                </a:tc>
-                <a:tc>
-                  <a:txBody>
-                    <a:bodyPr/>
-                    <a:lstStyle/>
-                    <a:p>
-                      <a:pPr algn="ctr" rtl="0" fontAlgn="ctr">
-                        <a:buNone/>
-                      </a:pPr>
-                      <a:r>
-                        <a:rPr lang="fr-BE" sz="1600" b="0" dirty="0">
-                          <a:solidFill>
-                            <a:srgbClr val="434343"/>
-                          </a:solidFill>
-                          <a:effectLst/>
-                          <a:latin typeface="Roboto" panose="02000000000000000000" pitchFamily="2" charset="0"/>
-                          <a:ea typeface="Roboto" panose="02000000000000000000" pitchFamily="2" charset="0"/>
-                          <a:cs typeface="Roboto" panose="02000000000000000000" pitchFamily="2" charset="0"/>
-                        </a:rPr>
-                        <a:t>0.7/0.3</a:t>
-                      </a:r>
-                    </a:p>
-                  </a:txBody>
-                  <a:tcPr marL="60960" marR="60960" marT="15240" marB="15240" anchor="ctr">
-                    <a:lnL w="7620" cap="flat" cmpd="sng" algn="ctr">
-                      <a:solidFill>
-                        <a:srgbClr val="CCCCCC"/>
                       </a:solidFill>
                       <a:prstDash val="solid"/>
                       <a:round/>
@@ -5192,7 +5031,7 @@
                   </a:ext>
                 </a:extLst>
               </a:tr>
-              <a:tr h="1101623">
+              <a:tr h="1106107">
                 <a:tc>
                   <a:txBody>
                     <a:bodyPr/>
@@ -5266,73 +5105,6 @@
                     <a:lnL w="7620" cap="flat" cmpd="sng" algn="ctr">
                       <a:solidFill>
                         <a:srgbClr val="000000"/>
-                      </a:solidFill>
-                      <a:prstDash val="solid"/>
-                      <a:round/>
-                      <a:headEnd type="none" w="med" len="med"/>
-                      <a:tailEnd type="none" w="med" len="med"/>
-                    </a:lnL>
-                    <a:lnR w="7620" cap="flat" cmpd="sng" algn="ctr">
-                      <a:solidFill>
-                        <a:srgbClr val="CCCCCC"/>
-                      </a:solidFill>
-                      <a:prstDash val="solid"/>
-                      <a:round/>
-                      <a:headEnd type="none" w="med" len="med"/>
-                      <a:tailEnd type="none" w="med" len="med"/>
-                    </a:lnR>
-                    <a:lnT w="7620" cap="flat" cmpd="sng" algn="ctr">
-                      <a:solidFill>
-                        <a:srgbClr val="CCCCCC"/>
-                      </a:solidFill>
-                      <a:prstDash val="solid"/>
-                      <a:round/>
-                      <a:headEnd type="none" w="med" len="med"/>
-                      <a:tailEnd type="none" w="med" len="med"/>
-                    </a:lnT>
-                    <a:lnB w="7620" cap="flat" cmpd="sng" algn="ctr">
-                      <a:solidFill>
-                        <a:srgbClr val="CCCCCC"/>
-                      </a:solidFill>
-                      <a:prstDash val="solid"/>
-                      <a:round/>
-                      <a:headEnd type="none" w="med" len="med"/>
-                      <a:tailEnd type="none" w="med" len="med"/>
-                    </a:lnB>
-                    <a:solidFill>
-                      <a:schemeClr val="accent6">
-                        <a:lumMod val="20000"/>
-                        <a:lumOff val="80000"/>
-                      </a:schemeClr>
-                    </a:solidFill>
-                  </a:tcPr>
-                </a:tc>
-                <a:tc>
-                  <a:txBody>
-                    <a:bodyPr/>
-                    <a:lstStyle/>
-                    <a:p>
-                      <a:pPr algn="ctr" rtl="0" fontAlgn="ctr">
-                        <a:buNone/>
-                      </a:pPr>
-                      <a:r>
-                        <a:rPr lang="fr-BE" sz="1600" b="1" dirty="0">
-                          <a:solidFill>
-                            <a:srgbClr val="434343"/>
-                          </a:solidFill>
-                          <a:effectLst/>
-                          <a:latin typeface="Roboto" panose="02000000000000000000" pitchFamily="2" charset="0"/>
-                          <a:ea typeface="Roboto" panose="02000000000000000000" pitchFamily="2" charset="0"/>
-                          <a:cs typeface="Roboto" panose="02000000000000000000" pitchFamily="2" charset="0"/>
-                        </a:rPr>
-                        <a:t>0.7/0.3</a:t>
-                      </a:r>
-                    </a:p>
-                  </a:txBody>
-                  <a:tcPr marL="60960" marR="60960" marT="15240" marB="15240" anchor="ctr">
-                    <a:lnL w="7620" cap="flat" cmpd="sng" algn="ctr">
-                      <a:solidFill>
-                        <a:srgbClr val="CCCCCC"/>
                       </a:solidFill>
                       <a:prstDash val="solid"/>
                       <a:round/>
@@ -5600,7 +5372,7 @@
         </p:blipFill>
         <p:spPr>
           <a:xfrm>
-            <a:off x="7667109" y="3517742"/>
+            <a:off x="7977502" y="3576369"/>
             <a:ext cx="4279358" cy="3281631"/>
           </a:xfrm>
           <a:prstGeom prst="rect">
@@ -5630,7 +5402,7 @@
         </p:blipFill>
         <p:spPr>
           <a:xfrm>
-            <a:off x="7679267" y="188754"/>
+            <a:off x="7924800" y="0"/>
             <a:ext cx="4267200" cy="3328988"/>
           </a:xfrm>
           <a:prstGeom prst="rect">
@@ -5638,108 +5410,6 @@
           </a:prstGeom>
         </p:spPr>
       </p:pic>
-      <p:sp>
-        <p:nvSpPr>
-          <p:cNvPr id="8" name="TextBox 7">
-            <a:extLst>
-              <a:ext uri="{FF2B5EF4-FFF2-40B4-BE49-F238E27FC236}">
-                <a16:creationId xmlns:a16="http://schemas.microsoft.com/office/drawing/2014/main" id="{FF4BB289-6E57-BDE6-81C4-59FD07847AC2}"/>
-              </a:ext>
-            </a:extLst>
-          </p:cNvPr>
-          <p:cNvSpPr txBox="1"/>
-          <p:nvPr/>
-        </p:nvSpPr>
-        <p:spPr>
-          <a:xfrm>
-            <a:off x="5164667" y="1160750"/>
-            <a:ext cx="2582333" cy="954107"/>
-          </a:xfrm>
-          <a:prstGeom prst="rect">
-            <a:avLst/>
-          </a:prstGeom>
-          <a:noFill/>
-        </p:spPr>
-        <p:txBody>
-          <a:bodyPr wrap="square" rtlCol="0">
-            <a:spAutoFit/>
-          </a:bodyPr>
-          <a:lstStyle/>
-          <a:p>
-            <a:pPr algn="ctr"/>
-            <a:r>
-              <a:rPr lang="fr-BE" sz="2800" dirty="0" err="1">
-                <a:solidFill>
-                  <a:schemeClr val="bg1"/>
-                </a:solidFill>
-              </a:rPr>
-              <a:t>Hyperparameter</a:t>
-            </a:r>
-            <a:endParaRPr lang="fr-BE" sz="2800" dirty="0">
-              <a:solidFill>
-                <a:schemeClr val="bg1"/>
-              </a:solidFill>
-            </a:endParaRPr>
-          </a:p>
-          <a:p>
-            <a:pPr algn="ctr"/>
-            <a:r>
-              <a:rPr lang="fr-BE" sz="2800" dirty="0">
-                <a:solidFill>
-                  <a:schemeClr val="bg1"/>
-                </a:solidFill>
-              </a:rPr>
-              <a:t> tuning</a:t>
-            </a:r>
-          </a:p>
-        </p:txBody>
-      </p:sp>
-      <p:sp>
-        <p:nvSpPr>
-          <p:cNvPr id="4" name="Arrow: Down 3">
-            <a:extLst>
-              <a:ext uri="{FF2B5EF4-FFF2-40B4-BE49-F238E27FC236}">
-                <a16:creationId xmlns:a16="http://schemas.microsoft.com/office/drawing/2014/main" id="{A731BB6B-8F31-5283-5709-1E29E58E41AC}"/>
-              </a:ext>
-            </a:extLst>
-          </p:cNvPr>
-          <p:cNvSpPr/>
-          <p:nvPr/>
-        </p:nvSpPr>
-        <p:spPr>
-          <a:xfrm>
-            <a:off x="6424805" y="2539334"/>
-            <a:ext cx="484632" cy="978408"/>
-          </a:xfrm>
-          <a:prstGeom prst="downArrow">
-            <a:avLst/>
-          </a:prstGeom>
-        </p:spPr>
-        <p:style>
-          <a:lnRef idx="2">
-            <a:schemeClr val="accent1">
-              <a:shade val="15000"/>
-            </a:schemeClr>
-          </a:lnRef>
-          <a:fillRef idx="1">
-            <a:schemeClr val="accent1"/>
-          </a:fillRef>
-          <a:effectRef idx="0">
-            <a:schemeClr val="accent1"/>
-          </a:effectRef>
-          <a:fontRef idx="minor">
-            <a:schemeClr val="lt1"/>
-          </a:fontRef>
-        </p:style>
-        <p:txBody>
-          <a:bodyPr rtlCol="0" anchor="ctr"/>
-          <a:lstStyle/>
-          <a:p>
-            <a:pPr algn="ctr"/>
-            <a:endParaRPr lang="fr-BE"/>
-          </a:p>
-        </p:txBody>
-      </p:sp>
     </p:spTree>
     <p:extLst>
       <p:ext uri="{BB962C8B-B14F-4D97-AF65-F5344CB8AC3E}">
@@ -5902,8 +5572,8 @@
         </p:nvSpPr>
         <p:spPr>
           <a:xfrm>
-            <a:off x="578398" y="1625600"/>
-            <a:ext cx="3917402" cy="3693319"/>
+            <a:off x="243281" y="1625600"/>
+            <a:ext cx="4697835" cy="3293209"/>
           </a:xfrm>
           <a:prstGeom prst="rect">
             <a:avLst/>
